--- a/Documentation/PrezentareLicenta.pptx
+++ b/Documentation/PrezentareLicenta.pptx
@@ -8,14 +8,12 @@
     <p:sldId id="256" r:id="rId2"/>
     <p:sldId id="263" r:id="rId3"/>
     <p:sldId id="257" r:id="rId4"/>
-    <p:sldId id="258" r:id="rId5"/>
-    <p:sldId id="259" r:id="rId6"/>
-    <p:sldId id="260" r:id="rId7"/>
-    <p:sldId id="261" r:id="rId8"/>
-    <p:sldId id="262" r:id="rId9"/>
-    <p:sldId id="266" r:id="rId10"/>
-    <p:sldId id="265" r:id="rId11"/>
-    <p:sldId id="264" r:id="rId12"/>
+    <p:sldId id="259" r:id="rId5"/>
+    <p:sldId id="260" r:id="rId6"/>
+    <p:sldId id="261" r:id="rId7"/>
+    <p:sldId id="262" r:id="rId8"/>
+    <p:sldId id="266" r:id="rId9"/>
+    <p:sldId id="265" r:id="rId10"/>
   </p:sldIdLst>
   <p:sldSz cx="12192000" cy="6858000"/>
   <p:notesSz cx="6858000" cy="9144000"/>
@@ -269,7 +267,7 @@
           <a:p>
             <a:fld id="{2E09F507-6769-43AA-B777-D7C69A9CC1D6}" type="datetimeFigureOut">
               <a:rPr lang="en-US" smtClean="0"/>
-              <a:t>6/4/2024</a:t>
+              <a:t>6/18/2024</a:t>
             </a:fld>
             <a:endParaRPr lang="en-US"/>
           </a:p>
@@ -467,7 +465,7 @@
           <a:p>
             <a:fld id="{2E09F507-6769-43AA-B777-D7C69A9CC1D6}" type="datetimeFigureOut">
               <a:rPr lang="en-US" smtClean="0"/>
-              <a:t>6/4/2024</a:t>
+              <a:t>6/18/2024</a:t>
             </a:fld>
             <a:endParaRPr lang="en-US"/>
           </a:p>
@@ -675,7 +673,7 @@
           <a:p>
             <a:fld id="{2E09F507-6769-43AA-B777-D7C69A9CC1D6}" type="datetimeFigureOut">
               <a:rPr lang="en-US" smtClean="0"/>
-              <a:t>6/4/2024</a:t>
+              <a:t>6/18/2024</a:t>
             </a:fld>
             <a:endParaRPr lang="en-US"/>
           </a:p>
@@ -873,7 +871,7 @@
           <a:p>
             <a:fld id="{2E09F507-6769-43AA-B777-D7C69A9CC1D6}" type="datetimeFigureOut">
               <a:rPr lang="en-US" smtClean="0"/>
-              <a:t>6/4/2024</a:t>
+              <a:t>6/18/2024</a:t>
             </a:fld>
             <a:endParaRPr lang="en-US"/>
           </a:p>
@@ -1148,7 +1146,7 @@
           <a:p>
             <a:fld id="{2E09F507-6769-43AA-B777-D7C69A9CC1D6}" type="datetimeFigureOut">
               <a:rPr lang="en-US" smtClean="0"/>
-              <a:t>6/4/2024</a:t>
+              <a:t>6/18/2024</a:t>
             </a:fld>
             <a:endParaRPr lang="en-US"/>
           </a:p>
@@ -1413,7 +1411,7 @@
           <a:p>
             <a:fld id="{2E09F507-6769-43AA-B777-D7C69A9CC1D6}" type="datetimeFigureOut">
               <a:rPr lang="en-US" smtClean="0"/>
-              <a:t>6/4/2024</a:t>
+              <a:t>6/18/2024</a:t>
             </a:fld>
             <a:endParaRPr lang="en-US"/>
           </a:p>
@@ -1825,7 +1823,7 @@
           <a:p>
             <a:fld id="{2E09F507-6769-43AA-B777-D7C69A9CC1D6}" type="datetimeFigureOut">
               <a:rPr lang="en-US" smtClean="0"/>
-              <a:t>6/4/2024</a:t>
+              <a:t>6/18/2024</a:t>
             </a:fld>
             <a:endParaRPr lang="en-US"/>
           </a:p>
@@ -1966,7 +1964,7 @@
           <a:p>
             <a:fld id="{2E09F507-6769-43AA-B777-D7C69A9CC1D6}" type="datetimeFigureOut">
               <a:rPr lang="en-US" smtClean="0"/>
-              <a:t>6/4/2024</a:t>
+              <a:t>6/18/2024</a:t>
             </a:fld>
             <a:endParaRPr lang="en-US"/>
           </a:p>
@@ -2079,7 +2077,7 @@
           <a:p>
             <a:fld id="{2E09F507-6769-43AA-B777-D7C69A9CC1D6}" type="datetimeFigureOut">
               <a:rPr lang="en-US" smtClean="0"/>
-              <a:t>6/4/2024</a:t>
+              <a:t>6/18/2024</a:t>
             </a:fld>
             <a:endParaRPr lang="en-US"/>
           </a:p>
@@ -2390,7 +2388,7 @@
           <a:p>
             <a:fld id="{2E09F507-6769-43AA-B777-D7C69A9CC1D6}" type="datetimeFigureOut">
               <a:rPr lang="en-US" smtClean="0"/>
-              <a:t>6/4/2024</a:t>
+              <a:t>6/18/2024</a:t>
             </a:fld>
             <a:endParaRPr lang="en-US"/>
           </a:p>
@@ -2678,7 +2676,7 @@
           <a:p>
             <a:fld id="{2E09F507-6769-43AA-B777-D7C69A9CC1D6}" type="datetimeFigureOut">
               <a:rPr lang="en-US" smtClean="0"/>
-              <a:t>6/4/2024</a:t>
+              <a:t>6/18/2024</a:t>
             </a:fld>
             <a:endParaRPr lang="en-US"/>
           </a:p>
@@ -2919,7 +2917,7 @@
           <a:p>
             <a:fld id="{2E09F507-6769-43AA-B777-D7C69A9CC1D6}" type="datetimeFigureOut">
               <a:rPr lang="en-US" smtClean="0"/>
-              <a:t>6/4/2024</a:t>
+              <a:t>6/18/2024</a:t>
             </a:fld>
             <a:endParaRPr lang="en-US"/>
           </a:p>
@@ -3469,7 +3467,7 @@
         </p:nvSpPr>
         <p:spPr>
           <a:xfrm>
-            <a:off x="3070698" y="4844374"/>
+            <a:off x="3070697" y="4970834"/>
             <a:ext cx="6050604" cy="646331"/>
           </a:xfrm>
           <a:prstGeom prst="rect">
@@ -3483,39 +3481,30 @@
           </a:bodyPr>
           <a:lstStyle/>
           <a:p>
+            <a:pPr algn="ctr"/>
+            <a:r>
+              <a:rPr lang="en-US" b="1" dirty="0" err="1">
+                <a:latin typeface="Calibri" panose="020F0502020204030204" pitchFamily="34" charset="0"/>
+                <a:cs typeface="Calibri" panose="020F0502020204030204" pitchFamily="34" charset="0"/>
+              </a:rPr>
+              <a:t>Îndrumător</a:t>
+            </a:r>
             <a:r>
               <a:rPr lang="en-US" b="1" dirty="0">
                 <a:latin typeface="Calibri" panose="020F0502020204030204" pitchFamily="34" charset="0"/>
                 <a:cs typeface="Calibri" panose="020F0502020204030204" pitchFamily="34" charset="0"/>
               </a:rPr>
-              <a:t>		          </a:t>
-            </a:r>
-            <a:r>
-              <a:rPr lang="en-US" b="1" dirty="0" err="1">
-                <a:latin typeface="Calibri" panose="020F0502020204030204" pitchFamily="34" charset="0"/>
-                <a:cs typeface="Calibri" panose="020F0502020204030204" pitchFamily="34" charset="0"/>
-              </a:rPr>
-              <a:t>Îndrumător</a:t>
-            </a:r>
+              <a:t>:</a:t>
+            </a:r>
+          </a:p>
+          <a:p>
+            <a:pPr algn="ctr"/>
             <a:r>
               <a:rPr lang="en-US" b="1" dirty="0">
                 <a:latin typeface="Calibri" panose="020F0502020204030204" pitchFamily="34" charset="0"/>
                 <a:cs typeface="Calibri" panose="020F0502020204030204" pitchFamily="34" charset="0"/>
               </a:rPr>
-              <a:t>:</a:t>
-            </a:r>
-            <a:br>
-              <a:rPr lang="en-US" b="1" dirty="0">
-                <a:latin typeface="Calibri" panose="020F0502020204030204" pitchFamily="34" charset="0"/>
-                <a:cs typeface="Calibri" panose="020F0502020204030204" pitchFamily="34" charset="0"/>
-              </a:rPr>
-            </a:br>
-            <a:r>
-              <a:rPr lang="en-US" b="1" dirty="0">
-                <a:latin typeface="Calibri" panose="020F0502020204030204" pitchFamily="34" charset="0"/>
-                <a:cs typeface="Calibri" panose="020F0502020204030204" pitchFamily="34" charset="0"/>
-              </a:rPr>
-              <a:t>	             Lect. Univ. Dr. Vlad </a:t>
+              <a:t>Lect. Dr. Vlad </a:t>
             </a:r>
             <a:r>
               <a:rPr lang="en-US" b="1" dirty="0" err="1">
@@ -3573,2024 +3562,6 @@
     <p:extLst>
       <p:ext uri="{BB962C8B-B14F-4D97-AF65-F5344CB8AC3E}">
         <p14:creationId xmlns:p14="http://schemas.microsoft.com/office/powerpoint/2010/main" val="3454160291"/>
-      </p:ext>
-    </p:extLst>
-  </p:cSld>
-  <p:clrMapOvr>
-    <a:masterClrMapping/>
-  </p:clrMapOvr>
-</p:sld>
-</file>
-
-<file path=ppt/slides/slide10.xml><?xml version="1.0" encoding="utf-8"?>
-<p:sld xmlns:a="http://schemas.openxmlformats.org/drawingml/2006/main" xmlns:r="http://schemas.openxmlformats.org/officeDocument/2006/relationships" xmlns:p="http://schemas.openxmlformats.org/presentationml/2006/main">
-  <p:cSld>
-    <p:spTree>
-      <p:nvGrpSpPr>
-        <p:cNvPr id="1" name=""/>
-        <p:cNvGrpSpPr/>
-        <p:nvPr/>
-      </p:nvGrpSpPr>
-      <p:grpSpPr>
-        <a:xfrm>
-          <a:off x="0" y="0"/>
-          <a:ext cx="0" cy="0"/>
-          <a:chOff x="0" y="0"/>
-          <a:chExt cx="0" cy="0"/>
-        </a:xfrm>
-      </p:grpSpPr>
-      <p:pic>
-        <p:nvPicPr>
-          <p:cNvPr id="2" name="Content Placeholder 4">
-            <a:extLst>
-              <a:ext uri="{FF2B5EF4-FFF2-40B4-BE49-F238E27FC236}">
-                <a16:creationId xmlns:a16="http://schemas.microsoft.com/office/drawing/2014/main" id="{07BD7252-E50E-754F-7448-3A8E92AEBC31}"/>
-              </a:ext>
-            </a:extLst>
-          </p:cNvPr>
-          <p:cNvPicPr>
-            <a:picLocks noChangeAspect="1"/>
-          </p:cNvPicPr>
-          <p:nvPr/>
-        </p:nvPicPr>
-        <p:blipFill>
-          <a:blip r:embed="rId2">
-            <a:extLst>
-              <a:ext uri="{28A0092B-C50C-407E-A947-70E740481C1C}">
-                <a14:useLocalDpi xmlns:a14="http://schemas.microsoft.com/office/drawing/2010/main" val="0"/>
-              </a:ext>
-            </a:extLst>
-          </a:blip>
-          <a:stretch>
-            <a:fillRect/>
-          </a:stretch>
-        </p:blipFill>
-        <p:spPr>
-          <a:xfrm>
-            <a:off x="580642" y="181028"/>
-            <a:ext cx="2416558" cy="943267"/>
-          </a:xfrm>
-          <a:prstGeom prst="rect">
-            <a:avLst/>
-          </a:prstGeom>
-        </p:spPr>
-      </p:pic>
-      <p:grpSp>
-        <p:nvGrpSpPr>
-          <p:cNvPr id="3" name="Group 2">
-            <a:extLst>
-              <a:ext uri="{FF2B5EF4-FFF2-40B4-BE49-F238E27FC236}">
-                <a16:creationId xmlns:a16="http://schemas.microsoft.com/office/drawing/2014/main" id="{8A70A64A-BEB5-8666-EEC2-075831939D7F}"/>
-              </a:ext>
-            </a:extLst>
-          </p:cNvPr>
-          <p:cNvGrpSpPr/>
-          <p:nvPr/>
-        </p:nvGrpSpPr>
-        <p:grpSpPr>
-          <a:xfrm>
-            <a:off x="11694698" y="6473245"/>
-            <a:ext cx="216000" cy="216000"/>
-            <a:chOff x="2772000" y="1932221"/>
-            <a:chExt cx="2340000" cy="2340000"/>
-          </a:xfrm>
-        </p:grpSpPr>
-        <p:sp>
-          <p:nvSpPr>
-            <p:cNvPr id="4" name="Rectangle 3">
-              <a:extLst>
-                <a:ext uri="{FF2B5EF4-FFF2-40B4-BE49-F238E27FC236}">
-                  <a16:creationId xmlns:a16="http://schemas.microsoft.com/office/drawing/2014/main" id="{0B2CEDE8-5FF2-F824-DE89-8A7A9BDDE286}"/>
-                </a:ext>
-              </a:extLst>
-            </p:cNvPr>
-            <p:cNvSpPr/>
-            <p:nvPr/>
-          </p:nvSpPr>
-          <p:spPr>
-            <a:xfrm>
-              <a:off x="2772000" y="1932221"/>
-              <a:ext cx="2340000" cy="2340000"/>
-            </a:xfrm>
-            <a:prstGeom prst="rect">
-              <a:avLst/>
-            </a:prstGeom>
-            <a:solidFill>
-              <a:schemeClr val="accent1"/>
-            </a:solidFill>
-            <a:ln>
-              <a:solidFill>
-                <a:schemeClr val="accent1"/>
-              </a:solidFill>
-            </a:ln>
-          </p:spPr>
-          <p:style>
-            <a:lnRef idx="2">
-              <a:schemeClr val="accent1">
-                <a:shade val="50000"/>
-              </a:schemeClr>
-            </a:lnRef>
-            <a:fillRef idx="1">
-              <a:schemeClr val="accent1"/>
-            </a:fillRef>
-            <a:effectRef idx="0">
-              <a:schemeClr val="accent1"/>
-            </a:effectRef>
-            <a:fontRef idx="minor">
-              <a:schemeClr val="lt1"/>
-            </a:fontRef>
-          </p:style>
-          <p:txBody>
-            <a:bodyPr rtlCol="0" anchor="ctr"/>
-            <a:lstStyle/>
-            <a:p>
-              <a:pPr algn="ctr"/>
-              <a:endParaRPr lang="en-US" dirty="0">
-                <a:ln>
-                  <a:solidFill>
-                    <a:schemeClr val="bg2">
-                      <a:lumMod val="75000"/>
-                    </a:schemeClr>
-                  </a:solidFill>
-                </a:ln>
-                <a:solidFill>
-                  <a:schemeClr val="accent1"/>
-                </a:solidFill>
-                <a:latin typeface="Calibri" panose="020F0502020204030204" pitchFamily="34" charset="0"/>
-                <a:cs typeface="Calibri" panose="020F0502020204030204" pitchFamily="34" charset="0"/>
-              </a:endParaRPr>
-            </a:p>
-          </p:txBody>
-        </p:sp>
-        <p:sp>
-          <p:nvSpPr>
-            <p:cNvPr id="5" name="Rectangle 4">
-              <a:extLst>
-                <a:ext uri="{FF2B5EF4-FFF2-40B4-BE49-F238E27FC236}">
-                  <a16:creationId xmlns:a16="http://schemas.microsoft.com/office/drawing/2014/main" id="{0913F907-0224-B96B-8B74-8965779D79DE}"/>
-                </a:ext>
-              </a:extLst>
-            </p:cNvPr>
-            <p:cNvSpPr/>
-            <p:nvPr/>
-          </p:nvSpPr>
-          <p:spPr>
-            <a:xfrm>
-              <a:off x="3546000" y="2706221"/>
-              <a:ext cx="792000" cy="792000"/>
-            </a:xfrm>
-            <a:prstGeom prst="rect">
-              <a:avLst/>
-            </a:prstGeom>
-            <a:solidFill>
-              <a:schemeClr val="bg1"/>
-            </a:solidFill>
-            <a:ln>
-              <a:solidFill>
-                <a:schemeClr val="accent1"/>
-              </a:solidFill>
-            </a:ln>
-          </p:spPr>
-          <p:style>
-            <a:lnRef idx="2">
-              <a:schemeClr val="accent1">
-                <a:shade val="50000"/>
-              </a:schemeClr>
-            </a:lnRef>
-            <a:fillRef idx="1">
-              <a:schemeClr val="accent1"/>
-            </a:fillRef>
-            <a:effectRef idx="0">
-              <a:schemeClr val="accent1"/>
-            </a:effectRef>
-            <a:fontRef idx="minor">
-              <a:schemeClr val="lt1"/>
-            </a:fontRef>
-          </p:style>
-          <p:txBody>
-            <a:bodyPr rtlCol="0" anchor="ctr"/>
-            <a:lstStyle/>
-            <a:p>
-              <a:pPr algn="ctr"/>
-              <a:endParaRPr lang="en-US" dirty="0">
-                <a:ln>
-                  <a:solidFill>
-                    <a:schemeClr val="bg2">
-                      <a:lumMod val="75000"/>
-                    </a:schemeClr>
-                  </a:solidFill>
-                </a:ln>
-                <a:solidFill>
-                  <a:schemeClr val="accent1"/>
-                </a:solidFill>
-                <a:latin typeface="Calibri" panose="020F0502020204030204" pitchFamily="34" charset="0"/>
-                <a:cs typeface="Calibri" panose="020F0502020204030204" pitchFamily="34" charset="0"/>
-              </a:endParaRPr>
-            </a:p>
-          </p:txBody>
-        </p:sp>
-      </p:grpSp>
-      <p:sp>
-        <p:nvSpPr>
-          <p:cNvPr id="6" name="TextBox 5">
-            <a:extLst>
-              <a:ext uri="{FF2B5EF4-FFF2-40B4-BE49-F238E27FC236}">
-                <a16:creationId xmlns:a16="http://schemas.microsoft.com/office/drawing/2014/main" id="{48873882-96AE-7D5B-18CB-75EC7FB5A316}"/>
-              </a:ext>
-            </a:extLst>
-          </p:cNvPr>
-          <p:cNvSpPr txBox="1"/>
-          <p:nvPr/>
-        </p:nvSpPr>
-        <p:spPr>
-          <a:xfrm>
-            <a:off x="580642" y="1652772"/>
-            <a:ext cx="11330056" cy="3851504"/>
-          </a:xfrm>
-          <a:prstGeom prst="rect">
-            <a:avLst/>
-          </a:prstGeom>
-          <a:noFill/>
-        </p:spPr>
-        <p:txBody>
-          <a:bodyPr wrap="square" rtlCol="0">
-            <a:spAutoFit/>
-          </a:bodyPr>
-          <a:lstStyle/>
-          <a:p>
-            <a:r>
-              <a:rPr lang="ro-RO" sz="3200" b="1" dirty="0">
-                <a:latin typeface="Calibri" panose="020F0502020204030204" pitchFamily="34" charset="0"/>
-                <a:cs typeface="Calibri" panose="020F0502020204030204" pitchFamily="34" charset="0"/>
-              </a:rPr>
-              <a:t>Concluzii generale:</a:t>
-            </a:r>
-          </a:p>
-          <a:p>
-            <a:pPr>
-              <a:lnSpc>
-                <a:spcPct val="150000"/>
-              </a:lnSpc>
-            </a:pPr>
-            <a:endParaRPr lang="ro-RO" sz="2400" dirty="0">
-              <a:latin typeface="Calibri" panose="020F0502020204030204" pitchFamily="34" charset="0"/>
-              <a:cs typeface="Calibri" panose="020F0502020204030204" pitchFamily="34" charset="0"/>
-            </a:endParaRPr>
-          </a:p>
-          <a:p>
-            <a:pPr marL="342900" indent="-342900">
-              <a:lnSpc>
-                <a:spcPct val="150000"/>
-              </a:lnSpc>
-              <a:buClr>
-                <a:schemeClr val="accent1"/>
-              </a:buClr>
-              <a:buFont typeface="UT Sans" panose="00000500000000000000" pitchFamily="2" charset="0"/>
-              <a:buChar char="•"/>
-            </a:pPr>
-            <a:r>
-              <a:rPr lang="en-US" sz="2400" dirty="0">
-                <a:latin typeface="Calibri" panose="020F0502020204030204" pitchFamily="34" charset="0"/>
-                <a:cs typeface="Calibri" panose="020F0502020204030204" pitchFamily="34" charset="0"/>
-              </a:rPr>
-              <a:t>Este </a:t>
-            </a:r>
-            <a:r>
-              <a:rPr lang="en-US" sz="2400" dirty="0" err="1">
-                <a:latin typeface="Calibri" panose="020F0502020204030204" pitchFamily="34" charset="0"/>
-                <a:cs typeface="Calibri" panose="020F0502020204030204" pitchFamily="34" charset="0"/>
-              </a:rPr>
-              <a:t>detectată</a:t>
-            </a:r>
-            <a:r>
-              <a:rPr lang="en-US" sz="2400" dirty="0">
-                <a:latin typeface="Calibri" panose="020F0502020204030204" pitchFamily="34" charset="0"/>
-                <a:cs typeface="Calibri" panose="020F0502020204030204" pitchFamily="34" charset="0"/>
-              </a:rPr>
-              <a:t> </a:t>
-            </a:r>
-            <a:r>
-              <a:rPr lang="en-US" sz="2400" dirty="0" err="1">
-                <a:latin typeface="Calibri" panose="020F0502020204030204" pitchFamily="34" charset="0"/>
-                <a:cs typeface="Calibri" panose="020F0502020204030204" pitchFamily="34" charset="0"/>
-              </a:rPr>
-              <a:t>plăcuța</a:t>
-            </a:r>
-            <a:r>
-              <a:rPr lang="en-US" sz="2400" dirty="0">
-                <a:latin typeface="Calibri" panose="020F0502020204030204" pitchFamily="34" charset="0"/>
-                <a:cs typeface="Calibri" panose="020F0502020204030204" pitchFamily="34" charset="0"/>
-              </a:rPr>
-              <a:t> de </a:t>
-            </a:r>
-            <a:r>
-              <a:rPr lang="en-US" sz="2400" dirty="0" err="1">
-                <a:latin typeface="Calibri" panose="020F0502020204030204" pitchFamily="34" charset="0"/>
-                <a:cs typeface="Calibri" panose="020F0502020204030204" pitchFamily="34" charset="0"/>
-              </a:rPr>
-              <a:t>înmatriculare</a:t>
-            </a:r>
-            <a:r>
-              <a:rPr lang="en-US" sz="2400" dirty="0">
-                <a:latin typeface="Calibri" panose="020F0502020204030204" pitchFamily="34" charset="0"/>
-                <a:cs typeface="Calibri" panose="020F0502020204030204" pitchFamily="34" charset="0"/>
-              </a:rPr>
-              <a:t> </a:t>
-            </a:r>
-            <a:r>
-              <a:rPr lang="en-US" sz="2400" dirty="0" err="1">
-                <a:latin typeface="Calibri" panose="020F0502020204030204" pitchFamily="34" charset="0"/>
-                <a:cs typeface="Calibri" panose="020F0502020204030204" pitchFamily="34" charset="0"/>
-              </a:rPr>
-              <a:t>și</a:t>
-            </a:r>
-            <a:r>
-              <a:rPr lang="en-US" sz="2400" dirty="0">
-                <a:latin typeface="Calibri" panose="020F0502020204030204" pitchFamily="34" charset="0"/>
-                <a:cs typeface="Calibri" panose="020F0502020204030204" pitchFamily="34" charset="0"/>
-              </a:rPr>
-              <a:t> </a:t>
-            </a:r>
-            <a:r>
-              <a:rPr lang="en-US" sz="2400" dirty="0" err="1">
-                <a:latin typeface="Calibri" panose="020F0502020204030204" pitchFamily="34" charset="0"/>
-                <a:cs typeface="Calibri" panose="020F0502020204030204" pitchFamily="34" charset="0"/>
-              </a:rPr>
-              <a:t>textul</a:t>
-            </a:r>
-            <a:r>
-              <a:rPr lang="en-US" sz="2400" dirty="0">
-                <a:latin typeface="Calibri" panose="020F0502020204030204" pitchFamily="34" charset="0"/>
-                <a:cs typeface="Calibri" panose="020F0502020204030204" pitchFamily="34" charset="0"/>
-              </a:rPr>
-              <a:t> din </a:t>
-            </a:r>
-            <a:r>
-              <a:rPr lang="en-US" sz="2400" dirty="0" err="1">
-                <a:latin typeface="Calibri" panose="020F0502020204030204" pitchFamily="34" charset="0"/>
-                <a:cs typeface="Calibri" panose="020F0502020204030204" pitchFamily="34" charset="0"/>
-              </a:rPr>
-              <a:t>interiorul</a:t>
-            </a:r>
-            <a:r>
-              <a:rPr lang="en-US" sz="2400" dirty="0">
-                <a:latin typeface="Calibri" panose="020F0502020204030204" pitchFamily="34" charset="0"/>
-                <a:cs typeface="Calibri" panose="020F0502020204030204" pitchFamily="34" charset="0"/>
-              </a:rPr>
-              <a:t> </a:t>
-            </a:r>
-            <a:r>
-              <a:rPr lang="en-US" sz="2400" dirty="0" err="1">
-                <a:latin typeface="Calibri" panose="020F0502020204030204" pitchFamily="34" charset="0"/>
-                <a:cs typeface="Calibri" panose="020F0502020204030204" pitchFamily="34" charset="0"/>
-              </a:rPr>
-              <a:t>acesteia</a:t>
-            </a:r>
-            <a:endParaRPr lang="ro-RO" sz="2400" dirty="0">
-              <a:latin typeface="Calibri" panose="020F0502020204030204" pitchFamily="34" charset="0"/>
-              <a:cs typeface="Calibri" panose="020F0502020204030204" pitchFamily="34" charset="0"/>
-            </a:endParaRPr>
-          </a:p>
-          <a:p>
-            <a:pPr marL="342900" indent="-342900">
-              <a:lnSpc>
-                <a:spcPct val="150000"/>
-              </a:lnSpc>
-              <a:buClr>
-                <a:schemeClr val="accent1"/>
-              </a:buClr>
-              <a:buFont typeface="UT Sans" panose="00000500000000000000" pitchFamily="2" charset="0"/>
-              <a:buChar char="•"/>
-            </a:pPr>
-            <a:r>
-              <a:rPr lang="en-US" sz="2400" dirty="0" err="1">
-                <a:latin typeface="Calibri" panose="020F0502020204030204" pitchFamily="34" charset="0"/>
-                <a:cs typeface="Calibri" panose="020F0502020204030204" pitchFamily="34" charset="0"/>
-              </a:rPr>
-              <a:t>Accesul</a:t>
-            </a:r>
-            <a:r>
-              <a:rPr lang="en-US" sz="2400" dirty="0">
-                <a:latin typeface="Calibri" panose="020F0502020204030204" pitchFamily="34" charset="0"/>
-                <a:cs typeface="Calibri" panose="020F0502020204030204" pitchFamily="34" charset="0"/>
-              </a:rPr>
-              <a:t> auto </a:t>
-            </a:r>
-            <a:r>
-              <a:rPr lang="en-US" sz="2400" dirty="0" err="1">
-                <a:latin typeface="Calibri" panose="020F0502020204030204" pitchFamily="34" charset="0"/>
-                <a:cs typeface="Calibri" panose="020F0502020204030204" pitchFamily="34" charset="0"/>
-              </a:rPr>
-              <a:t>este</a:t>
-            </a:r>
-            <a:r>
-              <a:rPr lang="en-US" sz="2400" dirty="0">
-                <a:latin typeface="Calibri" panose="020F0502020204030204" pitchFamily="34" charset="0"/>
-                <a:cs typeface="Calibri" panose="020F0502020204030204" pitchFamily="34" charset="0"/>
-              </a:rPr>
-              <a:t> </a:t>
-            </a:r>
-            <a:r>
-              <a:rPr lang="en-US" sz="2400" dirty="0" err="1">
-                <a:latin typeface="Calibri" panose="020F0502020204030204" pitchFamily="34" charset="0"/>
-                <a:cs typeface="Calibri" panose="020F0502020204030204" pitchFamily="34" charset="0"/>
-              </a:rPr>
-              <a:t>gestionat</a:t>
-            </a:r>
-            <a:r>
-              <a:rPr lang="en-US" sz="2400" dirty="0">
-                <a:latin typeface="Calibri" panose="020F0502020204030204" pitchFamily="34" charset="0"/>
-                <a:cs typeface="Calibri" panose="020F0502020204030204" pitchFamily="34" charset="0"/>
-              </a:rPr>
-              <a:t> </a:t>
-            </a:r>
-            <a:r>
-              <a:rPr lang="en-US" sz="2400" dirty="0" err="1">
-                <a:latin typeface="Calibri" panose="020F0502020204030204" pitchFamily="34" charset="0"/>
-                <a:cs typeface="Calibri" panose="020F0502020204030204" pitchFamily="34" charset="0"/>
-              </a:rPr>
-              <a:t>eficient</a:t>
-            </a:r>
-            <a:endParaRPr lang="en-US" sz="2400" dirty="0">
-              <a:latin typeface="Calibri" panose="020F0502020204030204" pitchFamily="34" charset="0"/>
-              <a:cs typeface="Calibri" panose="020F0502020204030204" pitchFamily="34" charset="0"/>
-            </a:endParaRPr>
-          </a:p>
-          <a:p>
-            <a:pPr marL="342900" indent="-342900">
-              <a:lnSpc>
-                <a:spcPct val="150000"/>
-              </a:lnSpc>
-              <a:buClr>
-                <a:schemeClr val="accent1"/>
-              </a:buClr>
-              <a:buFont typeface="UT Sans" panose="00000500000000000000" pitchFamily="2" charset="0"/>
-              <a:buChar char="•"/>
-            </a:pPr>
-            <a:r>
-              <a:rPr lang="en-US" sz="2400" dirty="0" err="1">
-                <a:latin typeface="Calibri" panose="020F0502020204030204" pitchFamily="34" charset="0"/>
-                <a:cs typeface="Calibri" panose="020F0502020204030204" pitchFamily="34" charset="0"/>
-              </a:rPr>
-              <a:t>Platforma</a:t>
-            </a:r>
-            <a:r>
-              <a:rPr lang="en-US" sz="2400" dirty="0">
-                <a:latin typeface="Calibri" panose="020F0502020204030204" pitchFamily="34" charset="0"/>
-                <a:cs typeface="Calibri" panose="020F0502020204030204" pitchFamily="34" charset="0"/>
-              </a:rPr>
-              <a:t> web </a:t>
-            </a:r>
-            <a:r>
-              <a:rPr lang="en-US" sz="2400" dirty="0" err="1">
-                <a:latin typeface="Calibri" panose="020F0502020204030204" pitchFamily="34" charset="0"/>
-                <a:cs typeface="Calibri" panose="020F0502020204030204" pitchFamily="34" charset="0"/>
-              </a:rPr>
-              <a:t>cuprinde</a:t>
-            </a:r>
-            <a:r>
-              <a:rPr lang="en-US" sz="2400" dirty="0">
-                <a:latin typeface="Calibri" panose="020F0502020204030204" pitchFamily="34" charset="0"/>
-                <a:cs typeface="Calibri" panose="020F0502020204030204" pitchFamily="34" charset="0"/>
-              </a:rPr>
-              <a:t> </a:t>
-            </a:r>
-            <a:r>
-              <a:rPr lang="en-US" sz="2400" dirty="0" err="1">
-                <a:latin typeface="Calibri" panose="020F0502020204030204" pitchFamily="34" charset="0"/>
-                <a:cs typeface="Calibri" panose="020F0502020204030204" pitchFamily="34" charset="0"/>
-              </a:rPr>
-              <a:t>nevoile</a:t>
-            </a:r>
-            <a:r>
-              <a:rPr lang="en-US" sz="2400" dirty="0">
-                <a:latin typeface="Calibri" panose="020F0502020204030204" pitchFamily="34" charset="0"/>
-                <a:cs typeface="Calibri" panose="020F0502020204030204" pitchFamily="34" charset="0"/>
-              </a:rPr>
-              <a:t> </a:t>
-            </a:r>
-            <a:r>
-              <a:rPr lang="en-US" sz="2400" b="0" i="0" dirty="0" err="1">
-                <a:effectLst/>
-                <a:highlight>
-                  <a:srgbClr val="FFFFFF"/>
-                </a:highlight>
-                <a:latin typeface="Calibri" panose="020F0502020204030204" pitchFamily="34" charset="0"/>
-                <a:cs typeface="Calibri" panose="020F0502020204030204" pitchFamily="34" charset="0"/>
-              </a:rPr>
-              <a:t>șoferilor</a:t>
-            </a:r>
-            <a:r>
-              <a:rPr lang="en-US" sz="2400" b="0" i="0" dirty="0">
-                <a:effectLst/>
-                <a:highlight>
-                  <a:srgbClr val="FFFFFF"/>
-                </a:highlight>
-                <a:latin typeface="Calibri" panose="020F0502020204030204" pitchFamily="34" charset="0"/>
-                <a:cs typeface="Calibri" panose="020F0502020204030204" pitchFamily="34" charset="0"/>
-              </a:rPr>
-              <a:t> de </a:t>
-            </a:r>
-            <a:r>
-              <a:rPr lang="en-US" sz="2400" b="0" i="0" dirty="0" err="1">
-                <a:effectLst/>
-                <a:highlight>
-                  <a:srgbClr val="FFFFFF"/>
-                </a:highlight>
-                <a:latin typeface="Calibri" panose="020F0502020204030204" pitchFamily="34" charset="0"/>
-                <a:cs typeface="Calibri" panose="020F0502020204030204" pitchFamily="34" charset="0"/>
-              </a:rPr>
-              <a:t>autovehicule</a:t>
-            </a:r>
-            <a:r>
-              <a:rPr lang="en-US" sz="2400" b="0" i="0" dirty="0">
-                <a:effectLst/>
-                <a:highlight>
-                  <a:srgbClr val="FFFFFF"/>
-                </a:highlight>
-                <a:latin typeface="Calibri" panose="020F0502020204030204" pitchFamily="34" charset="0"/>
-                <a:cs typeface="Calibri" panose="020F0502020204030204" pitchFamily="34" charset="0"/>
-              </a:rPr>
-              <a:t> </a:t>
-            </a:r>
-            <a:r>
-              <a:rPr lang="en-US" sz="2400" b="0" i="0" dirty="0" err="1">
-                <a:effectLst/>
-                <a:highlight>
-                  <a:srgbClr val="FFFFFF"/>
-                </a:highlight>
-                <a:latin typeface="Calibri" panose="020F0502020204030204" pitchFamily="34" charset="0"/>
-                <a:cs typeface="Calibri" panose="020F0502020204030204" pitchFamily="34" charset="0"/>
-              </a:rPr>
-              <a:t>atunci</a:t>
-            </a:r>
-            <a:r>
-              <a:rPr lang="en-US" sz="2400" b="0" i="0" dirty="0">
-                <a:effectLst/>
-                <a:highlight>
-                  <a:srgbClr val="FFFFFF"/>
-                </a:highlight>
-                <a:latin typeface="Calibri" panose="020F0502020204030204" pitchFamily="34" charset="0"/>
-                <a:cs typeface="Calibri" panose="020F0502020204030204" pitchFamily="34" charset="0"/>
-              </a:rPr>
-              <a:t> </a:t>
-            </a:r>
-            <a:r>
-              <a:rPr lang="en-US" sz="2400" b="0" i="0" dirty="0" err="1">
-                <a:effectLst/>
-                <a:highlight>
-                  <a:srgbClr val="FFFFFF"/>
-                </a:highlight>
-                <a:latin typeface="Calibri" panose="020F0502020204030204" pitchFamily="34" charset="0"/>
-                <a:cs typeface="Calibri" panose="020F0502020204030204" pitchFamily="34" charset="0"/>
-              </a:rPr>
-              <a:t>c</a:t>
-            </a:r>
-            <a:r>
-              <a:rPr lang="en-US" sz="2400" b="0" i="0" dirty="0" err="1">
-                <a:effectLst/>
-                <a:highlight>
-                  <a:srgbClr val="FFFFFF"/>
-                </a:highlight>
-                <a:latin typeface="Times New Roman" panose="02020603050405020304" pitchFamily="18" charset="0"/>
-              </a:rPr>
-              <a:t>ând</a:t>
-            </a:r>
-            <a:r>
-              <a:rPr lang="en-US" sz="2400" b="0" i="0" dirty="0">
-                <a:effectLst/>
-                <a:highlight>
-                  <a:srgbClr val="FFFFFF"/>
-                </a:highlight>
-                <a:latin typeface="Times New Roman" panose="02020603050405020304" pitchFamily="18" charset="0"/>
-              </a:rPr>
-              <a:t> </a:t>
-            </a:r>
-            <a:r>
-              <a:rPr lang="en-US" sz="2400" b="0" i="0" dirty="0" err="1">
-                <a:effectLst/>
-                <a:highlight>
-                  <a:srgbClr val="FFFFFF"/>
-                </a:highlight>
-                <a:latin typeface="Times New Roman" panose="02020603050405020304" pitchFamily="18" charset="0"/>
-              </a:rPr>
-              <a:t>sta</a:t>
-            </a:r>
-            <a:r>
-              <a:rPr lang="en-US" sz="2400" dirty="0" err="1">
-                <a:latin typeface="Calibri" panose="020F0502020204030204" pitchFamily="34" charset="0"/>
-                <a:cs typeface="Calibri" panose="020F0502020204030204" pitchFamily="34" charset="0"/>
-              </a:rPr>
-              <a:t>ționează</a:t>
-            </a:r>
-            <a:r>
-              <a:rPr lang="en-US" sz="2400" dirty="0">
-                <a:latin typeface="Calibri" panose="020F0502020204030204" pitchFamily="34" charset="0"/>
-                <a:cs typeface="Calibri" panose="020F0502020204030204" pitchFamily="34" charset="0"/>
-              </a:rPr>
-              <a:t> </a:t>
-            </a:r>
-            <a:r>
-              <a:rPr lang="en-US" sz="2400" dirty="0" err="1">
-                <a:latin typeface="Calibri" panose="020F0502020204030204" pitchFamily="34" charset="0"/>
-                <a:cs typeface="Calibri" panose="020F0502020204030204" pitchFamily="34" charset="0"/>
-              </a:rPr>
-              <a:t>într</a:t>
-            </a:r>
-            <a:r>
-              <a:rPr lang="en-US" sz="2400" dirty="0">
-                <a:latin typeface="Calibri" panose="020F0502020204030204" pitchFamily="34" charset="0"/>
-                <a:cs typeface="Calibri" panose="020F0502020204030204" pitchFamily="34" charset="0"/>
-              </a:rPr>
-              <a:t>-o </a:t>
-            </a:r>
-            <a:r>
-              <a:rPr lang="en-US" sz="2400" dirty="0" err="1">
-                <a:latin typeface="Calibri" panose="020F0502020204030204" pitchFamily="34" charset="0"/>
-                <a:cs typeface="Calibri" panose="020F0502020204030204" pitchFamily="34" charset="0"/>
-              </a:rPr>
-              <a:t>parcare</a:t>
-            </a:r>
-            <a:r>
-              <a:rPr lang="en-US" sz="2400" dirty="0">
-                <a:latin typeface="Calibri" panose="020F0502020204030204" pitchFamily="34" charset="0"/>
-                <a:cs typeface="Calibri" panose="020F0502020204030204" pitchFamily="34" charset="0"/>
-              </a:rPr>
-              <a:t>, precum </a:t>
-            </a:r>
-            <a:r>
-              <a:rPr lang="en-US" sz="2400" dirty="0" err="1">
-                <a:latin typeface="Calibri" panose="020F0502020204030204" pitchFamily="34" charset="0"/>
-                <a:cs typeface="Calibri" panose="020F0502020204030204" pitchFamily="34" charset="0"/>
-              </a:rPr>
-              <a:t>vizualizarea</a:t>
-            </a:r>
-            <a:r>
-              <a:rPr lang="en-US" sz="2400" dirty="0">
-                <a:latin typeface="Calibri" panose="020F0502020204030204" pitchFamily="34" charset="0"/>
-                <a:cs typeface="Calibri" panose="020F0502020204030204" pitchFamily="34" charset="0"/>
-              </a:rPr>
-              <a:t> </a:t>
-            </a:r>
-            <a:r>
-              <a:rPr lang="en-US" sz="2400" dirty="0" err="1">
-                <a:latin typeface="Calibri" panose="020F0502020204030204" pitchFamily="34" charset="0"/>
-                <a:cs typeface="Calibri" panose="020F0502020204030204" pitchFamily="34" charset="0"/>
-              </a:rPr>
-              <a:t>timpului</a:t>
-            </a:r>
-            <a:r>
-              <a:rPr lang="en-US" sz="2400" dirty="0">
-                <a:latin typeface="Calibri" panose="020F0502020204030204" pitchFamily="34" charset="0"/>
-                <a:cs typeface="Calibri" panose="020F0502020204030204" pitchFamily="34" charset="0"/>
-              </a:rPr>
-              <a:t> </a:t>
-            </a:r>
-            <a:r>
-              <a:rPr lang="en-US" sz="2400" dirty="0" err="1">
-                <a:latin typeface="Calibri" panose="020F0502020204030204" pitchFamily="34" charset="0"/>
-                <a:cs typeface="Calibri" panose="020F0502020204030204" pitchFamily="34" charset="0"/>
-              </a:rPr>
-              <a:t>petrecut</a:t>
-            </a:r>
-            <a:r>
-              <a:rPr lang="en-US" sz="2400" dirty="0">
-                <a:latin typeface="Calibri" panose="020F0502020204030204" pitchFamily="34" charset="0"/>
-                <a:cs typeface="Calibri" panose="020F0502020204030204" pitchFamily="34" charset="0"/>
-              </a:rPr>
-              <a:t>, </a:t>
-            </a:r>
-            <a:r>
-              <a:rPr lang="en-US" sz="2400" dirty="0" err="1">
-                <a:latin typeface="Calibri" panose="020F0502020204030204" pitchFamily="34" charset="0"/>
-                <a:cs typeface="Calibri" panose="020F0502020204030204" pitchFamily="34" charset="0"/>
-              </a:rPr>
-              <a:t>locurile</a:t>
-            </a:r>
-            <a:r>
-              <a:rPr lang="en-US" sz="2400" dirty="0">
-                <a:latin typeface="Calibri" panose="020F0502020204030204" pitchFamily="34" charset="0"/>
-                <a:cs typeface="Calibri" panose="020F0502020204030204" pitchFamily="34" charset="0"/>
-              </a:rPr>
-              <a:t> pe care </a:t>
-            </a:r>
-            <a:r>
-              <a:rPr lang="en-US" sz="2400" dirty="0" err="1">
-                <a:latin typeface="Calibri" panose="020F0502020204030204" pitchFamily="34" charset="0"/>
-                <a:cs typeface="Calibri" panose="020F0502020204030204" pitchFamily="34" charset="0"/>
-              </a:rPr>
-              <a:t>ace</a:t>
-            </a:r>
-            <a:r>
-              <a:rPr lang="en-US" sz="2400" b="0" i="0" dirty="0" err="1">
-                <a:effectLst/>
-                <a:highlight>
-                  <a:srgbClr val="FFFFFF"/>
-                </a:highlight>
-                <a:latin typeface="Calibri" panose="020F0502020204030204" pitchFamily="34" charset="0"/>
-                <a:cs typeface="Calibri" panose="020F0502020204030204" pitchFamily="34" charset="0"/>
-              </a:rPr>
-              <a:t>știa</a:t>
-            </a:r>
-            <a:r>
-              <a:rPr lang="en-US" sz="2400" b="0" i="0" dirty="0">
-                <a:effectLst/>
-                <a:highlight>
-                  <a:srgbClr val="FFFFFF"/>
-                </a:highlight>
-                <a:latin typeface="Calibri" panose="020F0502020204030204" pitchFamily="34" charset="0"/>
-                <a:cs typeface="Calibri" panose="020F0502020204030204" pitchFamily="34" charset="0"/>
-              </a:rPr>
-              <a:t> au </a:t>
-            </a:r>
-            <a:r>
-              <a:rPr lang="en-US" sz="2400" b="0" i="0" dirty="0" err="1">
-                <a:effectLst/>
-                <a:highlight>
-                  <a:srgbClr val="FFFFFF"/>
-                </a:highlight>
-                <a:latin typeface="Calibri" panose="020F0502020204030204" pitchFamily="34" charset="0"/>
-                <a:cs typeface="Calibri" panose="020F0502020204030204" pitchFamily="34" charset="0"/>
-              </a:rPr>
-              <a:t>parcat</a:t>
-            </a:r>
-            <a:r>
-              <a:rPr lang="en-US" sz="2400" dirty="0">
-                <a:highlight>
-                  <a:srgbClr val="FFFFFF"/>
-                </a:highlight>
-                <a:latin typeface="Calibri" panose="020F0502020204030204" pitchFamily="34" charset="0"/>
-                <a:cs typeface="Calibri" panose="020F0502020204030204" pitchFamily="34" charset="0"/>
-              </a:rPr>
-              <a:t> </a:t>
-            </a:r>
-            <a:r>
-              <a:rPr lang="en-US" sz="2400" b="0" i="0" dirty="0" err="1">
-                <a:effectLst/>
-                <a:highlight>
-                  <a:srgbClr val="FFFFFF"/>
-                </a:highlight>
-                <a:latin typeface="Calibri" panose="020F0502020204030204" pitchFamily="34" charset="0"/>
-                <a:cs typeface="Calibri" panose="020F0502020204030204" pitchFamily="34" charset="0"/>
-              </a:rPr>
-              <a:t>ș</a:t>
-            </a:r>
-            <a:r>
-              <a:rPr lang="en-US" sz="2400" dirty="0" err="1">
-                <a:highlight>
-                  <a:srgbClr val="FFFFFF"/>
-                </a:highlight>
-                <a:latin typeface="Calibri" panose="020F0502020204030204" pitchFamily="34" charset="0"/>
-                <a:cs typeface="Calibri" panose="020F0502020204030204" pitchFamily="34" charset="0"/>
-              </a:rPr>
-              <a:t>i</a:t>
-            </a:r>
-            <a:r>
-              <a:rPr lang="en-US" sz="2400" dirty="0">
-                <a:highlight>
-                  <a:srgbClr val="FFFFFF"/>
-                </a:highlight>
-                <a:latin typeface="Calibri" panose="020F0502020204030204" pitchFamily="34" charset="0"/>
-                <a:cs typeface="Calibri" panose="020F0502020204030204" pitchFamily="34" charset="0"/>
-              </a:rPr>
-              <a:t> </a:t>
-            </a:r>
-            <a:r>
-              <a:rPr lang="en-US" sz="2400" dirty="0" err="1">
-                <a:highlight>
-                  <a:srgbClr val="FFFFFF"/>
-                </a:highlight>
-                <a:latin typeface="Calibri" panose="020F0502020204030204" pitchFamily="34" charset="0"/>
-                <a:cs typeface="Calibri" panose="020F0502020204030204" pitchFamily="34" charset="0"/>
-              </a:rPr>
-              <a:t>a</a:t>
-            </a:r>
-            <a:r>
-              <a:rPr lang="en-US" sz="2400" b="0" i="0" dirty="0" err="1">
-                <a:effectLst/>
-                <a:highlight>
-                  <a:srgbClr val="FFFFFF"/>
-                </a:highlight>
-                <a:latin typeface="Calibri" panose="020F0502020204030204" pitchFamily="34" charset="0"/>
-                <a:cs typeface="Calibri" panose="020F0502020204030204" pitchFamily="34" charset="0"/>
-              </a:rPr>
-              <a:t>ș</a:t>
-            </a:r>
-            <a:r>
-              <a:rPr lang="en-US" sz="2400" dirty="0" err="1">
-                <a:highlight>
-                  <a:srgbClr val="FFFFFF"/>
-                </a:highlight>
-                <a:latin typeface="Calibri" panose="020F0502020204030204" pitchFamily="34" charset="0"/>
-                <a:cs typeface="Calibri" panose="020F0502020204030204" pitchFamily="34" charset="0"/>
-              </a:rPr>
-              <a:t>a</a:t>
-            </a:r>
-            <a:r>
-              <a:rPr lang="en-US" sz="2400" dirty="0">
-                <a:highlight>
-                  <a:srgbClr val="FFFFFF"/>
-                </a:highlight>
-                <a:latin typeface="Calibri" panose="020F0502020204030204" pitchFamily="34" charset="0"/>
-                <a:cs typeface="Calibri" panose="020F0502020204030204" pitchFamily="34" charset="0"/>
-              </a:rPr>
-              <a:t> </a:t>
-            </a:r>
-            <a:r>
-              <a:rPr lang="en-US" sz="2400" dirty="0" err="1">
-                <a:highlight>
-                  <a:srgbClr val="FFFFFF"/>
-                </a:highlight>
-                <a:latin typeface="Calibri" panose="020F0502020204030204" pitchFamily="34" charset="0"/>
-                <a:cs typeface="Calibri" panose="020F0502020204030204" pitchFamily="34" charset="0"/>
-              </a:rPr>
-              <a:t>mai</a:t>
-            </a:r>
-            <a:r>
-              <a:rPr lang="en-US" sz="2400" dirty="0">
-                <a:highlight>
-                  <a:srgbClr val="FFFFFF"/>
-                </a:highlight>
-                <a:latin typeface="Calibri" panose="020F0502020204030204" pitchFamily="34" charset="0"/>
-                <a:cs typeface="Calibri" panose="020F0502020204030204" pitchFamily="34" charset="0"/>
-              </a:rPr>
-              <a:t> </a:t>
-            </a:r>
-            <a:r>
-              <a:rPr lang="en-US" sz="2400" dirty="0" err="1">
-                <a:highlight>
-                  <a:srgbClr val="FFFFFF"/>
-                </a:highlight>
-                <a:latin typeface="Calibri" panose="020F0502020204030204" pitchFamily="34" charset="0"/>
-                <a:cs typeface="Calibri" panose="020F0502020204030204" pitchFamily="34" charset="0"/>
-              </a:rPr>
-              <a:t>departe</a:t>
-            </a:r>
-            <a:r>
-              <a:rPr lang="en-US" sz="2400" dirty="0">
-                <a:highlight>
-                  <a:srgbClr val="FFFFFF"/>
-                </a:highlight>
-                <a:latin typeface="Calibri" panose="020F0502020204030204" pitchFamily="34" charset="0"/>
-                <a:cs typeface="Calibri" panose="020F0502020204030204" pitchFamily="34" charset="0"/>
-              </a:rPr>
-              <a:t>.</a:t>
-            </a:r>
-            <a:endParaRPr lang="en-US" sz="2400" dirty="0">
-              <a:latin typeface="Calibri" panose="020F0502020204030204" pitchFamily="34" charset="0"/>
-              <a:cs typeface="Calibri" panose="020F0502020204030204" pitchFamily="34" charset="0"/>
-            </a:endParaRPr>
-          </a:p>
-        </p:txBody>
-      </p:sp>
-    </p:spTree>
-    <p:extLst>
-      <p:ext uri="{BB962C8B-B14F-4D97-AF65-F5344CB8AC3E}">
-        <p14:creationId xmlns:p14="http://schemas.microsoft.com/office/powerpoint/2010/main" val="2647019378"/>
-      </p:ext>
-    </p:extLst>
-  </p:cSld>
-  <p:clrMapOvr>
-    <a:masterClrMapping/>
-  </p:clrMapOvr>
-</p:sld>
-</file>
-
-<file path=ppt/slides/slide11.xml><?xml version="1.0" encoding="utf-8"?>
-<p:sld xmlns:a="http://schemas.openxmlformats.org/drawingml/2006/main" xmlns:r="http://schemas.openxmlformats.org/officeDocument/2006/relationships" xmlns:p="http://schemas.openxmlformats.org/presentationml/2006/main">
-  <p:cSld>
-    <p:spTree>
-      <p:nvGrpSpPr>
-        <p:cNvPr id="1" name=""/>
-        <p:cNvGrpSpPr/>
-        <p:nvPr/>
-      </p:nvGrpSpPr>
-      <p:grpSpPr>
-        <a:xfrm>
-          <a:off x="0" y="0"/>
-          <a:ext cx="0" cy="0"/>
-          <a:chOff x="0" y="0"/>
-          <a:chExt cx="0" cy="0"/>
-        </a:xfrm>
-      </p:grpSpPr>
-      <p:grpSp>
-        <p:nvGrpSpPr>
-          <p:cNvPr id="2" name="Group 1">
-            <a:extLst>
-              <a:ext uri="{FF2B5EF4-FFF2-40B4-BE49-F238E27FC236}">
-                <a16:creationId xmlns:a16="http://schemas.microsoft.com/office/drawing/2014/main" id="{F56A68FA-59CB-0C11-7080-5E694AB6B2B3}"/>
-              </a:ext>
-            </a:extLst>
-          </p:cNvPr>
-          <p:cNvGrpSpPr/>
-          <p:nvPr/>
-        </p:nvGrpSpPr>
-        <p:grpSpPr>
-          <a:xfrm>
-            <a:off x="11694698" y="6473245"/>
-            <a:ext cx="216000" cy="216000"/>
-            <a:chOff x="2772000" y="1932221"/>
-            <a:chExt cx="2340000" cy="2340000"/>
-          </a:xfrm>
-        </p:grpSpPr>
-        <p:sp>
-          <p:nvSpPr>
-            <p:cNvPr id="3" name="Rectangle 2">
-              <a:extLst>
-                <a:ext uri="{FF2B5EF4-FFF2-40B4-BE49-F238E27FC236}">
-                  <a16:creationId xmlns:a16="http://schemas.microsoft.com/office/drawing/2014/main" id="{4F812D0F-9374-9883-723F-F0D8BEA9D376}"/>
-                </a:ext>
-              </a:extLst>
-            </p:cNvPr>
-            <p:cNvSpPr/>
-            <p:nvPr/>
-          </p:nvSpPr>
-          <p:spPr>
-            <a:xfrm>
-              <a:off x="2772000" y="1932221"/>
-              <a:ext cx="2340000" cy="2340000"/>
-            </a:xfrm>
-            <a:prstGeom prst="rect">
-              <a:avLst/>
-            </a:prstGeom>
-            <a:solidFill>
-              <a:schemeClr val="accent1"/>
-            </a:solidFill>
-            <a:ln>
-              <a:solidFill>
-                <a:schemeClr val="accent1"/>
-              </a:solidFill>
-            </a:ln>
-          </p:spPr>
-          <p:style>
-            <a:lnRef idx="2">
-              <a:schemeClr val="accent1">
-                <a:shade val="50000"/>
-              </a:schemeClr>
-            </a:lnRef>
-            <a:fillRef idx="1">
-              <a:schemeClr val="accent1"/>
-            </a:fillRef>
-            <a:effectRef idx="0">
-              <a:schemeClr val="accent1"/>
-            </a:effectRef>
-            <a:fontRef idx="minor">
-              <a:schemeClr val="lt1"/>
-            </a:fontRef>
-          </p:style>
-          <p:txBody>
-            <a:bodyPr rtlCol="0" anchor="ctr"/>
-            <a:lstStyle/>
-            <a:p>
-              <a:pPr algn="ctr"/>
-              <a:endParaRPr lang="en-US" dirty="0">
-                <a:ln>
-                  <a:solidFill>
-                    <a:schemeClr val="bg2">
-                      <a:lumMod val="75000"/>
-                    </a:schemeClr>
-                  </a:solidFill>
-                </a:ln>
-                <a:solidFill>
-                  <a:schemeClr val="accent1"/>
-                </a:solidFill>
-                <a:latin typeface="Calibri" panose="020F0502020204030204" pitchFamily="34" charset="0"/>
-                <a:cs typeface="Calibri" panose="020F0502020204030204" pitchFamily="34" charset="0"/>
-              </a:endParaRPr>
-            </a:p>
-          </p:txBody>
-        </p:sp>
-        <p:sp>
-          <p:nvSpPr>
-            <p:cNvPr id="4" name="Rectangle 3">
-              <a:extLst>
-                <a:ext uri="{FF2B5EF4-FFF2-40B4-BE49-F238E27FC236}">
-                  <a16:creationId xmlns:a16="http://schemas.microsoft.com/office/drawing/2014/main" id="{8F384247-D6B5-A694-7F73-ED7BD7AB6692}"/>
-                </a:ext>
-              </a:extLst>
-            </p:cNvPr>
-            <p:cNvSpPr/>
-            <p:nvPr/>
-          </p:nvSpPr>
-          <p:spPr>
-            <a:xfrm>
-              <a:off x="3546000" y="2706221"/>
-              <a:ext cx="792000" cy="792000"/>
-            </a:xfrm>
-            <a:prstGeom prst="rect">
-              <a:avLst/>
-            </a:prstGeom>
-            <a:solidFill>
-              <a:schemeClr val="bg1"/>
-            </a:solidFill>
-            <a:ln>
-              <a:solidFill>
-                <a:schemeClr val="accent1"/>
-              </a:solidFill>
-            </a:ln>
-          </p:spPr>
-          <p:style>
-            <a:lnRef idx="2">
-              <a:schemeClr val="accent1">
-                <a:shade val="50000"/>
-              </a:schemeClr>
-            </a:lnRef>
-            <a:fillRef idx="1">
-              <a:schemeClr val="accent1"/>
-            </a:fillRef>
-            <a:effectRef idx="0">
-              <a:schemeClr val="accent1"/>
-            </a:effectRef>
-            <a:fontRef idx="minor">
-              <a:schemeClr val="lt1"/>
-            </a:fontRef>
-          </p:style>
-          <p:txBody>
-            <a:bodyPr rtlCol="0" anchor="ctr"/>
-            <a:lstStyle/>
-            <a:p>
-              <a:pPr algn="ctr"/>
-              <a:endParaRPr lang="en-US" dirty="0">
-                <a:ln>
-                  <a:solidFill>
-                    <a:schemeClr val="bg2">
-                      <a:lumMod val="75000"/>
-                    </a:schemeClr>
-                  </a:solidFill>
-                </a:ln>
-                <a:solidFill>
-                  <a:schemeClr val="accent1"/>
-                </a:solidFill>
-                <a:latin typeface="Calibri" panose="020F0502020204030204" pitchFamily="34" charset="0"/>
-                <a:cs typeface="Calibri" panose="020F0502020204030204" pitchFamily="34" charset="0"/>
-              </a:endParaRPr>
-            </a:p>
-          </p:txBody>
-        </p:sp>
-      </p:grpSp>
-      <p:pic>
-        <p:nvPicPr>
-          <p:cNvPr id="5" name="Content Placeholder 4">
-            <a:extLst>
-              <a:ext uri="{FF2B5EF4-FFF2-40B4-BE49-F238E27FC236}">
-                <a16:creationId xmlns:a16="http://schemas.microsoft.com/office/drawing/2014/main" id="{841D9AB3-A3B7-F8C8-7E08-ED0E9C4115E3}"/>
-              </a:ext>
-            </a:extLst>
-          </p:cNvPr>
-          <p:cNvPicPr>
-            <a:picLocks noChangeAspect="1"/>
-          </p:cNvPicPr>
-          <p:nvPr/>
-        </p:nvPicPr>
-        <p:blipFill>
-          <a:blip r:embed="rId2">
-            <a:extLst>
-              <a:ext uri="{28A0092B-C50C-407E-A947-70E740481C1C}">
-                <a14:useLocalDpi xmlns:a14="http://schemas.microsoft.com/office/drawing/2010/main" val="0"/>
-              </a:ext>
-            </a:extLst>
-          </a:blip>
-          <a:stretch>
-            <a:fillRect/>
-          </a:stretch>
-        </p:blipFill>
-        <p:spPr>
-          <a:xfrm>
-            <a:off x="580642" y="181028"/>
-            <a:ext cx="2416558" cy="943267"/>
-          </a:xfrm>
-          <a:prstGeom prst="rect">
-            <a:avLst/>
-          </a:prstGeom>
-        </p:spPr>
-      </p:pic>
-      <p:sp>
-        <p:nvSpPr>
-          <p:cNvPr id="6" name="TextBox 5">
-            <a:extLst>
-              <a:ext uri="{FF2B5EF4-FFF2-40B4-BE49-F238E27FC236}">
-                <a16:creationId xmlns:a16="http://schemas.microsoft.com/office/drawing/2014/main" id="{26D61231-6FF6-3919-6A13-F316BBCD7363}"/>
-              </a:ext>
-            </a:extLst>
-          </p:cNvPr>
-          <p:cNvSpPr txBox="1"/>
-          <p:nvPr/>
-        </p:nvSpPr>
-        <p:spPr>
-          <a:xfrm>
-            <a:off x="3503579" y="292364"/>
-            <a:ext cx="5184842" cy="954107"/>
-          </a:xfrm>
-          <a:prstGeom prst="rect">
-            <a:avLst/>
-          </a:prstGeom>
-          <a:noFill/>
-        </p:spPr>
-        <p:txBody>
-          <a:bodyPr wrap="square" rtlCol="0">
-            <a:spAutoFit/>
-          </a:bodyPr>
-          <a:lstStyle/>
-          <a:p>
-            <a:pPr algn="ctr"/>
-            <a:r>
-              <a:rPr lang="en-US" sz="2800" b="1" dirty="0" err="1">
-                <a:latin typeface="Calibri" panose="020F0502020204030204" pitchFamily="34" charset="0"/>
-                <a:cs typeface="Calibri" panose="020F0502020204030204" pitchFamily="34" charset="0"/>
-              </a:rPr>
-              <a:t>Arhitectura</a:t>
-            </a:r>
-            <a:r>
-              <a:rPr lang="en-US" sz="2800" b="1" dirty="0">
-                <a:latin typeface="Calibri" panose="020F0502020204030204" pitchFamily="34" charset="0"/>
-                <a:cs typeface="Calibri" panose="020F0502020204030204" pitchFamily="34" charset="0"/>
-              </a:rPr>
-              <a:t> </a:t>
-            </a:r>
-            <a:r>
-              <a:rPr lang="en-US" sz="2800" b="1" dirty="0" err="1">
-                <a:latin typeface="Calibri" panose="020F0502020204030204" pitchFamily="34" charset="0"/>
-                <a:cs typeface="Calibri" panose="020F0502020204030204" pitchFamily="34" charset="0"/>
-              </a:rPr>
-              <a:t>sistemului</a:t>
-            </a:r>
-            <a:r>
-              <a:rPr lang="en-US" sz="2800" b="1" dirty="0">
-                <a:latin typeface="Calibri" panose="020F0502020204030204" pitchFamily="34" charset="0"/>
-                <a:cs typeface="Calibri" panose="020F0502020204030204" pitchFamily="34" charset="0"/>
-              </a:rPr>
-              <a:t> de </a:t>
-            </a:r>
-            <a:r>
-              <a:rPr lang="en-US" sz="2800" b="1" dirty="0" err="1">
-                <a:latin typeface="Calibri" panose="020F0502020204030204" pitchFamily="34" charset="0"/>
-                <a:cs typeface="Calibri" panose="020F0502020204030204" pitchFamily="34" charset="0"/>
-              </a:rPr>
-              <a:t>monitorizare</a:t>
-            </a:r>
-            <a:r>
-              <a:rPr lang="en-US" sz="2800" b="1" dirty="0">
-                <a:latin typeface="Calibri" panose="020F0502020204030204" pitchFamily="34" charset="0"/>
-                <a:cs typeface="Calibri" panose="020F0502020204030204" pitchFamily="34" charset="0"/>
-              </a:rPr>
-              <a:t> </a:t>
-            </a:r>
-            <a:r>
-              <a:rPr lang="en-US" sz="2800" b="1" dirty="0" err="1">
-                <a:latin typeface="Calibri" panose="020F0502020204030204" pitchFamily="34" charset="0"/>
-                <a:cs typeface="Calibri" panose="020F0502020204030204" pitchFamily="34" charset="0"/>
-              </a:rPr>
-              <a:t>și</a:t>
-            </a:r>
-            <a:r>
-              <a:rPr lang="en-US" sz="2800" b="1" dirty="0">
-                <a:latin typeface="Calibri" panose="020F0502020204030204" pitchFamily="34" charset="0"/>
-                <a:cs typeface="Calibri" panose="020F0502020204030204" pitchFamily="34" charset="0"/>
-              </a:rPr>
-              <a:t> </a:t>
-            </a:r>
-            <a:r>
-              <a:rPr lang="en-US" sz="2800" b="1" dirty="0" err="1">
-                <a:latin typeface="Calibri" panose="020F0502020204030204" pitchFamily="34" charset="0"/>
-                <a:cs typeface="Calibri" panose="020F0502020204030204" pitchFamily="34" charset="0"/>
-              </a:rPr>
-              <a:t>gestionare</a:t>
-            </a:r>
-            <a:endParaRPr lang="en-US" sz="2800" b="1" dirty="0">
-              <a:latin typeface="Calibri" panose="020F0502020204030204" pitchFamily="34" charset="0"/>
-              <a:cs typeface="Calibri" panose="020F0502020204030204" pitchFamily="34" charset="0"/>
-            </a:endParaRPr>
-          </a:p>
-        </p:txBody>
-      </p:sp>
-      <p:sp>
-        <p:nvSpPr>
-          <p:cNvPr id="8" name="Oval 7">
-            <a:extLst>
-              <a:ext uri="{FF2B5EF4-FFF2-40B4-BE49-F238E27FC236}">
-                <a16:creationId xmlns:a16="http://schemas.microsoft.com/office/drawing/2014/main" id="{BA830D7C-4934-C3E2-08A4-F5F47CC5954B}"/>
-              </a:ext>
-            </a:extLst>
-          </p:cNvPr>
-          <p:cNvSpPr/>
-          <p:nvPr/>
-        </p:nvSpPr>
-        <p:spPr>
-          <a:xfrm>
-            <a:off x="4528225" y="1321924"/>
-            <a:ext cx="3132307" cy="1167319"/>
-          </a:xfrm>
-          <a:prstGeom prst="ellipse">
-            <a:avLst/>
-          </a:prstGeom>
-          <a:solidFill>
-            <a:srgbClr val="FFC000">
-              <a:alpha val="20000"/>
-            </a:srgbClr>
-          </a:solidFill>
-        </p:spPr>
-        <p:style>
-          <a:lnRef idx="2">
-            <a:schemeClr val="accent1">
-              <a:shade val="15000"/>
-            </a:schemeClr>
-          </a:lnRef>
-          <a:fillRef idx="1">
-            <a:schemeClr val="accent1"/>
-          </a:fillRef>
-          <a:effectRef idx="0">
-            <a:schemeClr val="accent1"/>
-          </a:effectRef>
-          <a:fontRef idx="minor">
-            <a:schemeClr val="lt1"/>
-          </a:fontRef>
-        </p:style>
-        <p:txBody>
-          <a:bodyPr rtlCol="0" anchor="ctr"/>
-          <a:lstStyle/>
-          <a:p>
-            <a:pPr algn="ctr"/>
-            <a:endParaRPr lang="en-US"/>
-          </a:p>
-        </p:txBody>
-      </p:sp>
-      <p:sp>
-        <p:nvSpPr>
-          <p:cNvPr id="9" name="TextBox 8">
-            <a:extLst>
-              <a:ext uri="{FF2B5EF4-FFF2-40B4-BE49-F238E27FC236}">
-                <a16:creationId xmlns:a16="http://schemas.microsoft.com/office/drawing/2014/main" id="{23DD5BFA-0C56-2C34-5290-CA863FCFFD81}"/>
-              </a:ext>
-            </a:extLst>
-          </p:cNvPr>
-          <p:cNvSpPr txBox="1"/>
-          <p:nvPr/>
-        </p:nvSpPr>
-        <p:spPr>
-          <a:xfrm>
-            <a:off x="4756826" y="1643974"/>
-            <a:ext cx="2675106" cy="523220"/>
-          </a:xfrm>
-          <a:prstGeom prst="rect">
-            <a:avLst/>
-          </a:prstGeom>
-          <a:noFill/>
-        </p:spPr>
-        <p:txBody>
-          <a:bodyPr wrap="square" rtlCol="0">
-            <a:spAutoFit/>
-          </a:bodyPr>
-          <a:lstStyle/>
-          <a:p>
-            <a:pPr algn="ctr"/>
-            <a:r>
-              <a:rPr lang="en-US" sz="1400" b="1" dirty="0" err="1">
-                <a:latin typeface="Calibri" panose="020F0502020204030204" pitchFamily="34" charset="0"/>
-                <a:cs typeface="Calibri" panose="020F0502020204030204" pitchFamily="34" charset="0"/>
-              </a:rPr>
-              <a:t>Sistem</a:t>
-            </a:r>
-            <a:r>
-              <a:rPr lang="en-US" sz="1400" b="1" dirty="0">
-                <a:latin typeface="Calibri" panose="020F0502020204030204" pitchFamily="34" charset="0"/>
-                <a:cs typeface="Calibri" panose="020F0502020204030204" pitchFamily="34" charset="0"/>
-              </a:rPr>
-              <a:t> </a:t>
-            </a:r>
-            <a:r>
-              <a:rPr lang="en-US" sz="1400" b="1" dirty="0" err="1">
-                <a:latin typeface="Calibri" panose="020F0502020204030204" pitchFamily="34" charset="0"/>
-                <a:cs typeface="Calibri" panose="020F0502020204030204" pitchFamily="34" charset="0"/>
-              </a:rPr>
-              <a:t>integrat</a:t>
-            </a:r>
-            <a:r>
-              <a:rPr lang="en-US" sz="1400" b="1" dirty="0">
-                <a:latin typeface="Calibri" panose="020F0502020204030204" pitchFamily="34" charset="0"/>
-                <a:cs typeface="Calibri" panose="020F0502020204030204" pitchFamily="34" charset="0"/>
-              </a:rPr>
-              <a:t> de </a:t>
-            </a:r>
-            <a:r>
-              <a:rPr lang="en-US" sz="1400" b="1" dirty="0" err="1">
-                <a:latin typeface="Calibri" panose="020F0502020204030204" pitchFamily="34" charset="0"/>
-                <a:cs typeface="Calibri" panose="020F0502020204030204" pitchFamily="34" charset="0"/>
-              </a:rPr>
-              <a:t>monitorizate</a:t>
-            </a:r>
-            <a:r>
-              <a:rPr lang="en-US" sz="1400" b="1" dirty="0">
-                <a:latin typeface="Calibri" panose="020F0502020204030204" pitchFamily="34" charset="0"/>
-                <a:cs typeface="Calibri" panose="020F0502020204030204" pitchFamily="34" charset="0"/>
-              </a:rPr>
-              <a:t> </a:t>
-            </a:r>
-            <a:r>
-              <a:rPr lang="en-US" sz="1400" b="1" dirty="0" err="1">
-                <a:latin typeface="Calibri" panose="020F0502020204030204" pitchFamily="34" charset="0"/>
-                <a:cs typeface="Calibri" panose="020F0502020204030204" pitchFamily="34" charset="0"/>
-              </a:rPr>
-              <a:t>și</a:t>
-            </a:r>
-            <a:r>
-              <a:rPr lang="en-US" sz="1400" b="1" dirty="0">
-                <a:latin typeface="Calibri" panose="020F0502020204030204" pitchFamily="34" charset="0"/>
-                <a:cs typeface="Calibri" panose="020F0502020204030204" pitchFamily="34" charset="0"/>
-              </a:rPr>
-              <a:t> </a:t>
-            </a:r>
-            <a:r>
-              <a:rPr lang="en-US" sz="1400" b="1" dirty="0" err="1">
-                <a:latin typeface="Calibri" panose="020F0502020204030204" pitchFamily="34" charset="0"/>
-                <a:cs typeface="Calibri" panose="020F0502020204030204" pitchFamily="34" charset="0"/>
-              </a:rPr>
-              <a:t>gestionare</a:t>
-            </a:r>
-            <a:r>
-              <a:rPr lang="en-US" sz="1400" b="1" dirty="0">
-                <a:latin typeface="Calibri" panose="020F0502020204030204" pitchFamily="34" charset="0"/>
-                <a:cs typeface="Calibri" panose="020F0502020204030204" pitchFamily="34" charset="0"/>
-              </a:rPr>
-              <a:t> a </a:t>
-            </a:r>
-            <a:r>
-              <a:rPr lang="en-US" sz="1400" b="1" dirty="0" err="1">
-                <a:latin typeface="Calibri" panose="020F0502020204030204" pitchFamily="34" charset="0"/>
-                <a:cs typeface="Calibri" panose="020F0502020204030204" pitchFamily="34" charset="0"/>
-              </a:rPr>
-              <a:t>unei</a:t>
-            </a:r>
-            <a:r>
-              <a:rPr lang="en-US" sz="1400" b="1" dirty="0">
-                <a:latin typeface="Calibri" panose="020F0502020204030204" pitchFamily="34" charset="0"/>
-                <a:cs typeface="Calibri" panose="020F0502020204030204" pitchFamily="34" charset="0"/>
-              </a:rPr>
-              <a:t> </a:t>
-            </a:r>
-            <a:r>
-              <a:rPr lang="en-US" sz="1400" b="1" dirty="0" err="1">
-                <a:latin typeface="Calibri" panose="020F0502020204030204" pitchFamily="34" charset="0"/>
-                <a:cs typeface="Calibri" panose="020F0502020204030204" pitchFamily="34" charset="0"/>
-              </a:rPr>
-              <a:t>parcări</a:t>
-            </a:r>
-            <a:r>
-              <a:rPr lang="en-US" sz="1400" b="1" dirty="0">
-                <a:latin typeface="Calibri" panose="020F0502020204030204" pitchFamily="34" charset="0"/>
-                <a:cs typeface="Calibri" panose="020F0502020204030204" pitchFamily="34" charset="0"/>
-              </a:rPr>
-              <a:t> auto</a:t>
-            </a:r>
-            <a:endParaRPr lang="en-US" sz="1400" dirty="0"/>
-          </a:p>
-        </p:txBody>
-      </p:sp>
-      <p:sp>
-        <p:nvSpPr>
-          <p:cNvPr id="10" name="Rectangle: Rounded Corners 9">
-            <a:extLst>
-              <a:ext uri="{FF2B5EF4-FFF2-40B4-BE49-F238E27FC236}">
-                <a16:creationId xmlns:a16="http://schemas.microsoft.com/office/drawing/2014/main" id="{F57EE658-BE77-ADB4-AF15-F313F9FDDF71}"/>
-              </a:ext>
-            </a:extLst>
-          </p:cNvPr>
-          <p:cNvSpPr/>
-          <p:nvPr/>
-        </p:nvSpPr>
-        <p:spPr>
-          <a:xfrm>
-            <a:off x="3184838" y="3267683"/>
-            <a:ext cx="1343385" cy="627434"/>
-          </a:xfrm>
-          <a:prstGeom prst="roundRect">
-            <a:avLst/>
-          </a:prstGeom>
-          <a:noFill/>
-        </p:spPr>
-        <p:style>
-          <a:lnRef idx="2">
-            <a:schemeClr val="accent1">
-              <a:shade val="15000"/>
-            </a:schemeClr>
-          </a:lnRef>
-          <a:fillRef idx="1">
-            <a:schemeClr val="accent1"/>
-          </a:fillRef>
-          <a:effectRef idx="0">
-            <a:schemeClr val="accent1"/>
-          </a:effectRef>
-          <a:fontRef idx="minor">
-            <a:schemeClr val="lt1"/>
-          </a:fontRef>
-        </p:style>
-        <p:txBody>
-          <a:bodyPr rtlCol="0" anchor="ctr"/>
-          <a:lstStyle/>
-          <a:p>
-            <a:pPr algn="ctr"/>
-            <a:endParaRPr lang="en-US"/>
-          </a:p>
-        </p:txBody>
-      </p:sp>
-      <p:sp>
-        <p:nvSpPr>
-          <p:cNvPr id="11" name="Rectangle: Rounded Corners 10">
-            <a:extLst>
-              <a:ext uri="{FF2B5EF4-FFF2-40B4-BE49-F238E27FC236}">
-                <a16:creationId xmlns:a16="http://schemas.microsoft.com/office/drawing/2014/main" id="{FBD058EF-2B80-DEA5-D605-7D171AFA1C5D}"/>
-              </a:ext>
-            </a:extLst>
-          </p:cNvPr>
-          <p:cNvSpPr/>
-          <p:nvPr/>
-        </p:nvSpPr>
-        <p:spPr>
-          <a:xfrm>
-            <a:off x="5422685" y="3267683"/>
-            <a:ext cx="1343385" cy="627434"/>
-          </a:xfrm>
-          <a:prstGeom prst="roundRect">
-            <a:avLst/>
-          </a:prstGeom>
-          <a:noFill/>
-        </p:spPr>
-        <p:style>
-          <a:lnRef idx="2">
-            <a:schemeClr val="accent1">
-              <a:shade val="15000"/>
-            </a:schemeClr>
-          </a:lnRef>
-          <a:fillRef idx="1">
-            <a:schemeClr val="accent1"/>
-          </a:fillRef>
-          <a:effectRef idx="0">
-            <a:schemeClr val="accent1"/>
-          </a:effectRef>
-          <a:fontRef idx="minor">
-            <a:schemeClr val="lt1"/>
-          </a:fontRef>
-        </p:style>
-        <p:txBody>
-          <a:bodyPr rtlCol="0" anchor="ctr"/>
-          <a:lstStyle/>
-          <a:p>
-            <a:pPr algn="ctr"/>
-            <a:endParaRPr lang="en-US"/>
-          </a:p>
-        </p:txBody>
-      </p:sp>
-      <p:sp>
-        <p:nvSpPr>
-          <p:cNvPr id="12" name="Rectangle: Rounded Corners 11">
-            <a:extLst>
-              <a:ext uri="{FF2B5EF4-FFF2-40B4-BE49-F238E27FC236}">
-                <a16:creationId xmlns:a16="http://schemas.microsoft.com/office/drawing/2014/main" id="{E88D0CB8-A16D-8BF8-D3B9-80E355977A24}"/>
-              </a:ext>
-            </a:extLst>
-          </p:cNvPr>
-          <p:cNvSpPr/>
-          <p:nvPr/>
-        </p:nvSpPr>
-        <p:spPr>
-          <a:xfrm>
-            <a:off x="7660532" y="3267683"/>
-            <a:ext cx="1343385" cy="627434"/>
-          </a:xfrm>
-          <a:prstGeom prst="roundRect">
-            <a:avLst/>
-          </a:prstGeom>
-          <a:noFill/>
-        </p:spPr>
-        <p:style>
-          <a:lnRef idx="2">
-            <a:schemeClr val="accent1">
-              <a:shade val="15000"/>
-            </a:schemeClr>
-          </a:lnRef>
-          <a:fillRef idx="1">
-            <a:schemeClr val="accent1"/>
-          </a:fillRef>
-          <a:effectRef idx="0">
-            <a:schemeClr val="accent1"/>
-          </a:effectRef>
-          <a:fontRef idx="minor">
-            <a:schemeClr val="lt1"/>
-          </a:fontRef>
-        </p:style>
-        <p:txBody>
-          <a:bodyPr rtlCol="0" anchor="ctr"/>
-          <a:lstStyle/>
-          <a:p>
-            <a:pPr algn="ctr"/>
-            <a:endParaRPr lang="en-US"/>
-          </a:p>
-        </p:txBody>
-      </p:sp>
-      <p:sp>
-        <p:nvSpPr>
-          <p:cNvPr id="13" name="Rectangle: Rounded Corners 12">
-            <a:extLst>
-              <a:ext uri="{FF2B5EF4-FFF2-40B4-BE49-F238E27FC236}">
-                <a16:creationId xmlns:a16="http://schemas.microsoft.com/office/drawing/2014/main" id="{BD95ACE3-7280-67B0-6D6F-3A1BABD4FC7F}"/>
-              </a:ext>
-            </a:extLst>
-          </p:cNvPr>
-          <p:cNvSpPr/>
-          <p:nvPr/>
-        </p:nvSpPr>
-        <p:spPr>
-          <a:xfrm>
-            <a:off x="1513304" y="4680626"/>
-            <a:ext cx="1343385" cy="627434"/>
-          </a:xfrm>
-          <a:prstGeom prst="roundRect">
-            <a:avLst/>
-          </a:prstGeom>
-          <a:noFill/>
-        </p:spPr>
-        <p:style>
-          <a:lnRef idx="2">
-            <a:schemeClr val="accent1">
-              <a:shade val="15000"/>
-            </a:schemeClr>
-          </a:lnRef>
-          <a:fillRef idx="1">
-            <a:schemeClr val="accent1"/>
-          </a:fillRef>
-          <a:effectRef idx="0">
-            <a:schemeClr val="accent1"/>
-          </a:effectRef>
-          <a:fontRef idx="minor">
-            <a:schemeClr val="lt1"/>
-          </a:fontRef>
-        </p:style>
-        <p:txBody>
-          <a:bodyPr rtlCol="0" anchor="ctr"/>
-          <a:lstStyle/>
-          <a:p>
-            <a:pPr algn="ctr"/>
-            <a:endParaRPr lang="en-US"/>
-          </a:p>
-        </p:txBody>
-      </p:sp>
-      <p:sp>
-        <p:nvSpPr>
-          <p:cNvPr id="14" name="TextBox 13">
-            <a:extLst>
-              <a:ext uri="{FF2B5EF4-FFF2-40B4-BE49-F238E27FC236}">
-                <a16:creationId xmlns:a16="http://schemas.microsoft.com/office/drawing/2014/main" id="{6571C49F-CBF8-F3D1-B9D6-030AC92ACE39}"/>
-              </a:ext>
-            </a:extLst>
-          </p:cNvPr>
-          <p:cNvSpPr txBox="1"/>
-          <p:nvPr/>
-        </p:nvSpPr>
-        <p:spPr>
-          <a:xfrm>
-            <a:off x="3255848" y="3396734"/>
-            <a:ext cx="1201363" cy="369332"/>
-          </a:xfrm>
-          <a:prstGeom prst="rect">
-            <a:avLst/>
-          </a:prstGeom>
-          <a:noFill/>
-        </p:spPr>
-        <p:txBody>
-          <a:bodyPr wrap="square" rtlCol="0">
-            <a:spAutoFit/>
-          </a:bodyPr>
-          <a:lstStyle/>
-          <a:p>
-            <a:pPr algn="ctr"/>
-            <a:r>
-              <a:rPr lang="en-US" b="1" dirty="0">
-                <a:latin typeface="Calibri" panose="020F0502020204030204" pitchFamily="34" charset="0"/>
-                <a:cs typeface="Calibri" panose="020F0502020204030204" pitchFamily="34" charset="0"/>
-              </a:rPr>
-              <a:t>Model</a:t>
-            </a:r>
-          </a:p>
-        </p:txBody>
-      </p:sp>
-      <p:sp>
-        <p:nvSpPr>
-          <p:cNvPr id="15" name="TextBox 14">
-            <a:extLst>
-              <a:ext uri="{FF2B5EF4-FFF2-40B4-BE49-F238E27FC236}">
-                <a16:creationId xmlns:a16="http://schemas.microsoft.com/office/drawing/2014/main" id="{12F61870-84F3-46FD-CE30-DDF5AC694642}"/>
-              </a:ext>
-            </a:extLst>
-          </p:cNvPr>
-          <p:cNvSpPr txBox="1"/>
-          <p:nvPr/>
-        </p:nvSpPr>
-        <p:spPr>
-          <a:xfrm>
-            <a:off x="7731542" y="3401598"/>
-            <a:ext cx="1201363" cy="369332"/>
-          </a:xfrm>
-          <a:prstGeom prst="rect">
-            <a:avLst/>
-          </a:prstGeom>
-          <a:noFill/>
-        </p:spPr>
-        <p:txBody>
-          <a:bodyPr wrap="square" rtlCol="0">
-            <a:spAutoFit/>
-          </a:bodyPr>
-          <a:lstStyle/>
-          <a:p>
-            <a:pPr algn="ctr"/>
-            <a:r>
-              <a:rPr lang="en-US" b="1" dirty="0">
-                <a:latin typeface="Calibri" panose="020F0502020204030204" pitchFamily="34" charset="0"/>
-                <a:cs typeface="Calibri" panose="020F0502020204030204" pitchFamily="34" charset="0"/>
-              </a:rPr>
-              <a:t>View</a:t>
-            </a:r>
-          </a:p>
-        </p:txBody>
-      </p:sp>
-      <p:sp>
-        <p:nvSpPr>
-          <p:cNvPr id="16" name="TextBox 15">
-            <a:extLst>
-              <a:ext uri="{FF2B5EF4-FFF2-40B4-BE49-F238E27FC236}">
-                <a16:creationId xmlns:a16="http://schemas.microsoft.com/office/drawing/2014/main" id="{9DE5026F-86B2-5E80-92EE-4002066CC50C}"/>
-              </a:ext>
-            </a:extLst>
-          </p:cNvPr>
-          <p:cNvSpPr txBox="1"/>
-          <p:nvPr/>
-        </p:nvSpPr>
-        <p:spPr>
-          <a:xfrm>
-            <a:off x="5493695" y="3367547"/>
-            <a:ext cx="1201363" cy="369332"/>
-          </a:xfrm>
-          <a:prstGeom prst="rect">
-            <a:avLst/>
-          </a:prstGeom>
-          <a:noFill/>
-        </p:spPr>
-        <p:txBody>
-          <a:bodyPr wrap="square" rtlCol="0">
-            <a:spAutoFit/>
-          </a:bodyPr>
-          <a:lstStyle/>
-          <a:p>
-            <a:pPr algn="ctr"/>
-            <a:r>
-              <a:rPr lang="en-US" b="1" dirty="0">
-                <a:latin typeface="Calibri" panose="020F0502020204030204" pitchFamily="34" charset="0"/>
-                <a:cs typeface="Calibri" panose="020F0502020204030204" pitchFamily="34" charset="0"/>
-              </a:rPr>
-              <a:t>Controller</a:t>
-            </a:r>
-          </a:p>
-        </p:txBody>
-      </p:sp>
-      <p:sp>
-        <p:nvSpPr>
-          <p:cNvPr id="17" name="Rectangle: Rounded Corners 16">
-            <a:extLst>
-              <a:ext uri="{FF2B5EF4-FFF2-40B4-BE49-F238E27FC236}">
-                <a16:creationId xmlns:a16="http://schemas.microsoft.com/office/drawing/2014/main" id="{44AAF8FD-D3A1-E2C4-F022-B1F216CD8580}"/>
-              </a:ext>
-            </a:extLst>
-          </p:cNvPr>
-          <p:cNvSpPr/>
-          <p:nvPr/>
-        </p:nvSpPr>
-        <p:spPr>
-          <a:xfrm>
-            <a:off x="3184838" y="4680626"/>
-            <a:ext cx="1343385" cy="627434"/>
-          </a:xfrm>
-          <a:prstGeom prst="roundRect">
-            <a:avLst/>
-          </a:prstGeom>
-          <a:noFill/>
-        </p:spPr>
-        <p:style>
-          <a:lnRef idx="2">
-            <a:schemeClr val="accent1">
-              <a:shade val="15000"/>
-            </a:schemeClr>
-          </a:lnRef>
-          <a:fillRef idx="1">
-            <a:schemeClr val="accent1"/>
-          </a:fillRef>
-          <a:effectRef idx="0">
-            <a:schemeClr val="accent1"/>
-          </a:effectRef>
-          <a:fontRef idx="minor">
-            <a:schemeClr val="lt1"/>
-          </a:fontRef>
-        </p:style>
-        <p:txBody>
-          <a:bodyPr rtlCol="0" anchor="ctr"/>
-          <a:lstStyle/>
-          <a:p>
-            <a:pPr algn="ctr"/>
-            <a:endParaRPr lang="en-US"/>
-          </a:p>
-        </p:txBody>
-      </p:sp>
-      <p:sp>
-        <p:nvSpPr>
-          <p:cNvPr id="18" name="Rectangle: Rounded Corners 17">
-            <a:extLst>
-              <a:ext uri="{FF2B5EF4-FFF2-40B4-BE49-F238E27FC236}">
-                <a16:creationId xmlns:a16="http://schemas.microsoft.com/office/drawing/2014/main" id="{E1A506A8-6887-FA29-DCE2-A44F8E77AEB0}"/>
-              </a:ext>
-            </a:extLst>
-          </p:cNvPr>
-          <p:cNvSpPr/>
-          <p:nvPr/>
-        </p:nvSpPr>
-        <p:spPr>
-          <a:xfrm>
-            <a:off x="4856372" y="4680626"/>
-            <a:ext cx="1343385" cy="627434"/>
-          </a:xfrm>
-          <a:prstGeom prst="roundRect">
-            <a:avLst/>
-          </a:prstGeom>
-          <a:noFill/>
-        </p:spPr>
-        <p:style>
-          <a:lnRef idx="2">
-            <a:schemeClr val="accent1">
-              <a:shade val="15000"/>
-            </a:schemeClr>
-          </a:lnRef>
-          <a:fillRef idx="1">
-            <a:schemeClr val="accent1"/>
-          </a:fillRef>
-          <a:effectRef idx="0">
-            <a:schemeClr val="accent1"/>
-          </a:effectRef>
-          <a:fontRef idx="minor">
-            <a:schemeClr val="lt1"/>
-          </a:fontRef>
-        </p:style>
-        <p:txBody>
-          <a:bodyPr rtlCol="0" anchor="ctr"/>
-          <a:lstStyle/>
-          <a:p>
-            <a:pPr algn="ctr"/>
-            <a:endParaRPr lang="en-US"/>
-          </a:p>
-        </p:txBody>
-      </p:sp>
-      <p:cxnSp>
-        <p:nvCxnSpPr>
-          <p:cNvPr id="20" name="Straight Arrow Connector 19">
-            <a:extLst>
-              <a:ext uri="{FF2B5EF4-FFF2-40B4-BE49-F238E27FC236}">
-                <a16:creationId xmlns:a16="http://schemas.microsoft.com/office/drawing/2014/main" id="{F6C154BA-8D97-0616-3975-7CE06440F999}"/>
-              </a:ext>
-            </a:extLst>
-          </p:cNvPr>
-          <p:cNvCxnSpPr>
-            <a:stCxn id="8" idx="4"/>
-            <a:endCxn id="10" idx="0"/>
-          </p:cNvCxnSpPr>
-          <p:nvPr/>
-        </p:nvCxnSpPr>
-        <p:spPr>
-          <a:xfrm flipH="1">
-            <a:off x="3856531" y="2489243"/>
-            <a:ext cx="2237848" cy="778440"/>
-          </a:xfrm>
-          <a:prstGeom prst="straightConnector1">
-            <a:avLst/>
-          </a:prstGeom>
-          <a:ln>
-            <a:tailEnd type="triangle"/>
-          </a:ln>
-        </p:spPr>
-        <p:style>
-          <a:lnRef idx="2">
-            <a:schemeClr val="dk1"/>
-          </a:lnRef>
-          <a:fillRef idx="0">
-            <a:schemeClr val="dk1"/>
-          </a:fillRef>
-          <a:effectRef idx="1">
-            <a:schemeClr val="dk1"/>
-          </a:effectRef>
-          <a:fontRef idx="minor">
-            <a:schemeClr val="tx1"/>
-          </a:fontRef>
-        </p:style>
-      </p:cxnSp>
-      <p:cxnSp>
-        <p:nvCxnSpPr>
-          <p:cNvPr id="22" name="Straight Arrow Connector 21">
-            <a:extLst>
-              <a:ext uri="{FF2B5EF4-FFF2-40B4-BE49-F238E27FC236}">
-                <a16:creationId xmlns:a16="http://schemas.microsoft.com/office/drawing/2014/main" id="{25FBCC56-E23A-FA05-DF41-02C15F03321D}"/>
-              </a:ext>
-            </a:extLst>
-          </p:cNvPr>
-          <p:cNvCxnSpPr>
-            <a:stCxn id="8" idx="4"/>
-            <a:endCxn id="11" idx="0"/>
-          </p:cNvCxnSpPr>
-          <p:nvPr/>
-        </p:nvCxnSpPr>
-        <p:spPr>
-          <a:xfrm flipH="1">
-            <a:off x="6094378" y="2489243"/>
-            <a:ext cx="1" cy="778440"/>
-          </a:xfrm>
-          <a:prstGeom prst="straightConnector1">
-            <a:avLst/>
-          </a:prstGeom>
-          <a:ln>
-            <a:tailEnd type="triangle"/>
-          </a:ln>
-        </p:spPr>
-        <p:style>
-          <a:lnRef idx="2">
-            <a:schemeClr val="dk1"/>
-          </a:lnRef>
-          <a:fillRef idx="0">
-            <a:schemeClr val="dk1"/>
-          </a:fillRef>
-          <a:effectRef idx="1">
-            <a:schemeClr val="dk1"/>
-          </a:effectRef>
-          <a:fontRef idx="minor">
-            <a:schemeClr val="tx1"/>
-          </a:fontRef>
-        </p:style>
-      </p:cxnSp>
-      <p:cxnSp>
-        <p:nvCxnSpPr>
-          <p:cNvPr id="24" name="Straight Arrow Connector 23">
-            <a:extLst>
-              <a:ext uri="{FF2B5EF4-FFF2-40B4-BE49-F238E27FC236}">
-                <a16:creationId xmlns:a16="http://schemas.microsoft.com/office/drawing/2014/main" id="{69DACD34-859E-3927-93DD-9ADF7DC5489C}"/>
-              </a:ext>
-            </a:extLst>
-          </p:cNvPr>
-          <p:cNvCxnSpPr>
-            <a:stCxn id="8" idx="4"/>
-            <a:endCxn id="12" idx="0"/>
-          </p:cNvCxnSpPr>
-          <p:nvPr/>
-        </p:nvCxnSpPr>
-        <p:spPr>
-          <a:xfrm>
-            <a:off x="6094379" y="2489243"/>
-            <a:ext cx="2237846" cy="778440"/>
-          </a:xfrm>
-          <a:prstGeom prst="straightConnector1">
-            <a:avLst/>
-          </a:prstGeom>
-          <a:ln>
-            <a:tailEnd type="triangle"/>
-          </a:ln>
-        </p:spPr>
-        <p:style>
-          <a:lnRef idx="2">
-            <a:schemeClr val="dk1"/>
-          </a:lnRef>
-          <a:fillRef idx="0">
-            <a:schemeClr val="dk1"/>
-          </a:fillRef>
-          <a:effectRef idx="1">
-            <a:schemeClr val="dk1"/>
-          </a:effectRef>
-          <a:fontRef idx="minor">
-            <a:schemeClr val="tx1"/>
-          </a:fontRef>
-        </p:style>
-      </p:cxnSp>
-      <p:sp>
-        <p:nvSpPr>
-          <p:cNvPr id="25" name="TextBox 24">
-            <a:extLst>
-              <a:ext uri="{FF2B5EF4-FFF2-40B4-BE49-F238E27FC236}">
-                <a16:creationId xmlns:a16="http://schemas.microsoft.com/office/drawing/2014/main" id="{5DF104F1-B1BE-7FCD-9E6E-A4889F63606E}"/>
-              </a:ext>
-            </a:extLst>
-          </p:cNvPr>
-          <p:cNvSpPr txBox="1"/>
-          <p:nvPr/>
-        </p:nvSpPr>
-        <p:spPr>
-          <a:xfrm>
-            <a:off x="1584314" y="4809677"/>
-            <a:ext cx="1201363" cy="646331"/>
-          </a:xfrm>
-          <a:prstGeom prst="rect">
-            <a:avLst/>
-          </a:prstGeom>
-          <a:noFill/>
-        </p:spPr>
-        <p:txBody>
-          <a:bodyPr wrap="square" rtlCol="0">
-            <a:spAutoFit/>
-          </a:bodyPr>
-          <a:lstStyle/>
-          <a:p>
-            <a:pPr algn="ctr"/>
-            <a:r>
-              <a:rPr lang="en-US" b="1" dirty="0">
-                <a:latin typeface="Calibri" panose="020F0502020204030204" pitchFamily="34" charset="0"/>
-                <a:cs typeface="Calibri" panose="020F0502020204030204" pitchFamily="34" charset="0"/>
-              </a:rPr>
-              <a:t>Entity Layer</a:t>
-            </a:r>
-          </a:p>
-        </p:txBody>
-      </p:sp>
-      <p:sp>
-        <p:nvSpPr>
-          <p:cNvPr id="26" name="TextBox 25">
-            <a:extLst>
-              <a:ext uri="{FF2B5EF4-FFF2-40B4-BE49-F238E27FC236}">
-                <a16:creationId xmlns:a16="http://schemas.microsoft.com/office/drawing/2014/main" id="{232E2194-6043-CB9E-474F-C7FB55A7A102}"/>
-              </a:ext>
-            </a:extLst>
-          </p:cNvPr>
-          <p:cNvSpPr txBox="1"/>
-          <p:nvPr/>
-        </p:nvSpPr>
-        <p:spPr>
-          <a:xfrm>
-            <a:off x="3255848" y="4809677"/>
-            <a:ext cx="1201363" cy="923330"/>
-          </a:xfrm>
-          <a:prstGeom prst="rect">
-            <a:avLst/>
-          </a:prstGeom>
-          <a:noFill/>
-        </p:spPr>
-        <p:txBody>
-          <a:bodyPr wrap="square" rtlCol="0">
-            <a:spAutoFit/>
-          </a:bodyPr>
-          <a:lstStyle/>
-          <a:p>
-            <a:pPr algn="ctr"/>
-            <a:r>
-              <a:rPr lang="en-US" b="1" dirty="0">
-                <a:latin typeface="Calibri" panose="020F0502020204030204" pitchFamily="34" charset="0"/>
-                <a:cs typeface="Calibri" panose="020F0502020204030204" pitchFamily="34" charset="0"/>
-              </a:rPr>
-              <a:t>Data Access Layer</a:t>
-            </a:r>
-          </a:p>
-        </p:txBody>
-      </p:sp>
-      <p:sp>
-        <p:nvSpPr>
-          <p:cNvPr id="27" name="TextBox 26">
-            <a:extLst>
-              <a:ext uri="{FF2B5EF4-FFF2-40B4-BE49-F238E27FC236}">
-                <a16:creationId xmlns:a16="http://schemas.microsoft.com/office/drawing/2014/main" id="{0ED5E48A-5C38-A587-BFED-763A199BEB85}"/>
-              </a:ext>
-            </a:extLst>
-          </p:cNvPr>
-          <p:cNvSpPr txBox="1"/>
-          <p:nvPr/>
-        </p:nvSpPr>
-        <p:spPr>
-          <a:xfrm>
-            <a:off x="4927382" y="4811294"/>
-            <a:ext cx="1201363" cy="923330"/>
-          </a:xfrm>
-          <a:prstGeom prst="rect">
-            <a:avLst/>
-          </a:prstGeom>
-          <a:noFill/>
-        </p:spPr>
-        <p:txBody>
-          <a:bodyPr wrap="square" rtlCol="0">
-            <a:spAutoFit/>
-          </a:bodyPr>
-          <a:lstStyle/>
-          <a:p>
-            <a:pPr algn="ctr"/>
-            <a:r>
-              <a:rPr lang="en-US" b="1" dirty="0">
-                <a:latin typeface="Calibri" panose="020F0502020204030204" pitchFamily="34" charset="0"/>
-                <a:cs typeface="Calibri" panose="020F0502020204030204" pitchFamily="34" charset="0"/>
-              </a:rPr>
-              <a:t>Business Logic Layer</a:t>
-            </a:r>
-          </a:p>
-        </p:txBody>
-      </p:sp>
-    </p:spTree>
-    <p:extLst>
-      <p:ext uri="{BB962C8B-B14F-4D97-AF65-F5344CB8AC3E}">
-        <p14:creationId xmlns:p14="http://schemas.microsoft.com/office/powerpoint/2010/main" val="755369980"/>
       </p:ext>
     </p:extLst>
   </p:cSld>
@@ -7528,2595 +5499,6 @@
           <p:cNvPr id="2" name="Content Placeholder 4">
             <a:extLst>
               <a:ext uri="{FF2B5EF4-FFF2-40B4-BE49-F238E27FC236}">
-                <a16:creationId xmlns:a16="http://schemas.microsoft.com/office/drawing/2014/main" id="{09E8E48C-96DD-8D11-1686-41B07659EC8C}"/>
-              </a:ext>
-            </a:extLst>
-          </p:cNvPr>
-          <p:cNvPicPr>
-            <a:picLocks noChangeAspect="1"/>
-          </p:cNvPicPr>
-          <p:nvPr/>
-        </p:nvPicPr>
-        <p:blipFill>
-          <a:blip r:embed="rId2">
-            <a:extLst>
-              <a:ext uri="{28A0092B-C50C-407E-A947-70E740481C1C}">
-                <a14:useLocalDpi xmlns:a14="http://schemas.microsoft.com/office/drawing/2010/main" val="0"/>
-              </a:ext>
-            </a:extLst>
-          </a:blip>
-          <a:stretch>
-            <a:fillRect/>
-          </a:stretch>
-        </p:blipFill>
-        <p:spPr>
-          <a:xfrm>
-            <a:off x="580642" y="181028"/>
-            <a:ext cx="2416558" cy="943267"/>
-          </a:xfrm>
-          <a:prstGeom prst="rect">
-            <a:avLst/>
-          </a:prstGeom>
-        </p:spPr>
-      </p:pic>
-      <p:grpSp>
-        <p:nvGrpSpPr>
-          <p:cNvPr id="3" name="Group 2">
-            <a:extLst>
-              <a:ext uri="{FF2B5EF4-FFF2-40B4-BE49-F238E27FC236}">
-                <a16:creationId xmlns:a16="http://schemas.microsoft.com/office/drawing/2014/main" id="{3F0FD4B9-0F06-CD60-8307-D094B201A7C9}"/>
-              </a:ext>
-            </a:extLst>
-          </p:cNvPr>
-          <p:cNvGrpSpPr/>
-          <p:nvPr/>
-        </p:nvGrpSpPr>
-        <p:grpSpPr>
-          <a:xfrm>
-            <a:off x="11694698" y="6473245"/>
-            <a:ext cx="216000" cy="216000"/>
-            <a:chOff x="2772000" y="1932221"/>
-            <a:chExt cx="2340000" cy="2340000"/>
-          </a:xfrm>
-        </p:grpSpPr>
-        <p:sp>
-          <p:nvSpPr>
-            <p:cNvPr id="4" name="Rectangle 3">
-              <a:extLst>
-                <a:ext uri="{FF2B5EF4-FFF2-40B4-BE49-F238E27FC236}">
-                  <a16:creationId xmlns:a16="http://schemas.microsoft.com/office/drawing/2014/main" id="{8FEDBB53-8739-FE6D-3CB7-E178221158F1}"/>
-                </a:ext>
-              </a:extLst>
-            </p:cNvPr>
-            <p:cNvSpPr/>
-            <p:nvPr/>
-          </p:nvSpPr>
-          <p:spPr>
-            <a:xfrm>
-              <a:off x="2772000" y="1932221"/>
-              <a:ext cx="2340000" cy="2340000"/>
-            </a:xfrm>
-            <a:prstGeom prst="rect">
-              <a:avLst/>
-            </a:prstGeom>
-            <a:solidFill>
-              <a:schemeClr val="accent1"/>
-            </a:solidFill>
-            <a:ln>
-              <a:solidFill>
-                <a:schemeClr val="accent1"/>
-              </a:solidFill>
-            </a:ln>
-          </p:spPr>
-          <p:style>
-            <a:lnRef idx="2">
-              <a:schemeClr val="accent1">
-                <a:shade val="50000"/>
-              </a:schemeClr>
-            </a:lnRef>
-            <a:fillRef idx="1">
-              <a:schemeClr val="accent1"/>
-            </a:fillRef>
-            <a:effectRef idx="0">
-              <a:schemeClr val="accent1"/>
-            </a:effectRef>
-            <a:fontRef idx="minor">
-              <a:schemeClr val="lt1"/>
-            </a:fontRef>
-          </p:style>
-          <p:txBody>
-            <a:bodyPr rtlCol="0" anchor="ctr"/>
-            <a:lstStyle/>
-            <a:p>
-              <a:pPr algn="ctr"/>
-              <a:endParaRPr lang="en-US" dirty="0">
-                <a:ln>
-                  <a:solidFill>
-                    <a:schemeClr val="bg2">
-                      <a:lumMod val="75000"/>
-                    </a:schemeClr>
-                  </a:solidFill>
-                </a:ln>
-                <a:solidFill>
-                  <a:schemeClr val="accent1"/>
-                </a:solidFill>
-                <a:latin typeface="Calibri" panose="020F0502020204030204" pitchFamily="34" charset="0"/>
-                <a:cs typeface="Calibri" panose="020F0502020204030204" pitchFamily="34" charset="0"/>
-              </a:endParaRPr>
-            </a:p>
-          </p:txBody>
-        </p:sp>
-        <p:sp>
-          <p:nvSpPr>
-            <p:cNvPr id="5" name="Rectangle 4">
-              <a:extLst>
-                <a:ext uri="{FF2B5EF4-FFF2-40B4-BE49-F238E27FC236}">
-                  <a16:creationId xmlns:a16="http://schemas.microsoft.com/office/drawing/2014/main" id="{1E8579A9-FC67-446F-D87F-FD42984AF5BA}"/>
-                </a:ext>
-              </a:extLst>
-            </p:cNvPr>
-            <p:cNvSpPr/>
-            <p:nvPr/>
-          </p:nvSpPr>
-          <p:spPr>
-            <a:xfrm>
-              <a:off x="3546000" y="2706221"/>
-              <a:ext cx="792000" cy="792000"/>
-            </a:xfrm>
-            <a:prstGeom prst="rect">
-              <a:avLst/>
-            </a:prstGeom>
-            <a:solidFill>
-              <a:schemeClr val="bg1"/>
-            </a:solidFill>
-            <a:ln>
-              <a:solidFill>
-                <a:schemeClr val="accent1"/>
-              </a:solidFill>
-            </a:ln>
-          </p:spPr>
-          <p:style>
-            <a:lnRef idx="2">
-              <a:schemeClr val="accent1">
-                <a:shade val="50000"/>
-              </a:schemeClr>
-            </a:lnRef>
-            <a:fillRef idx="1">
-              <a:schemeClr val="accent1"/>
-            </a:fillRef>
-            <a:effectRef idx="0">
-              <a:schemeClr val="accent1"/>
-            </a:effectRef>
-            <a:fontRef idx="minor">
-              <a:schemeClr val="lt1"/>
-            </a:fontRef>
-          </p:style>
-          <p:txBody>
-            <a:bodyPr rtlCol="0" anchor="ctr"/>
-            <a:lstStyle/>
-            <a:p>
-              <a:pPr algn="ctr"/>
-              <a:endParaRPr lang="en-US" dirty="0">
-                <a:ln>
-                  <a:solidFill>
-                    <a:schemeClr val="bg2">
-                      <a:lumMod val="75000"/>
-                    </a:schemeClr>
-                  </a:solidFill>
-                </a:ln>
-                <a:solidFill>
-                  <a:schemeClr val="accent1"/>
-                </a:solidFill>
-                <a:latin typeface="Calibri" panose="020F0502020204030204" pitchFamily="34" charset="0"/>
-                <a:cs typeface="Calibri" panose="020F0502020204030204" pitchFamily="34" charset="0"/>
-              </a:endParaRPr>
-            </a:p>
-          </p:txBody>
-        </p:sp>
-      </p:grpSp>
-      <p:sp>
-        <p:nvSpPr>
-          <p:cNvPr id="6" name="TextBox 5">
-            <a:extLst>
-              <a:ext uri="{FF2B5EF4-FFF2-40B4-BE49-F238E27FC236}">
-                <a16:creationId xmlns:a16="http://schemas.microsoft.com/office/drawing/2014/main" id="{973BDA5E-B446-254A-DB5F-CBFA64BFC34B}"/>
-              </a:ext>
-            </a:extLst>
-          </p:cNvPr>
-          <p:cNvSpPr txBox="1"/>
-          <p:nvPr/>
-        </p:nvSpPr>
-        <p:spPr>
-          <a:xfrm>
-            <a:off x="3574568" y="292364"/>
-            <a:ext cx="5297058" cy="954107"/>
-          </a:xfrm>
-          <a:prstGeom prst="rect">
-            <a:avLst/>
-          </a:prstGeom>
-          <a:noFill/>
-        </p:spPr>
-        <p:txBody>
-          <a:bodyPr wrap="square" rtlCol="0">
-            <a:spAutoFit/>
-          </a:bodyPr>
-          <a:lstStyle/>
-          <a:p>
-            <a:pPr algn="ctr"/>
-            <a:r>
-              <a:rPr lang="en-US" sz="2800" b="1" dirty="0" err="1">
-                <a:latin typeface="Calibri" panose="020F0502020204030204" pitchFamily="34" charset="0"/>
-                <a:cs typeface="Calibri" panose="020F0502020204030204" pitchFamily="34" charset="0"/>
-              </a:rPr>
-              <a:t>Prezentarea</a:t>
-            </a:r>
-            <a:r>
-              <a:rPr lang="en-US" sz="2800" b="1" dirty="0">
-                <a:latin typeface="Calibri" panose="020F0502020204030204" pitchFamily="34" charset="0"/>
-                <a:cs typeface="Calibri" panose="020F0502020204030204" pitchFamily="34" charset="0"/>
-              </a:rPr>
-              <a:t> </a:t>
-            </a:r>
-            <a:r>
-              <a:rPr lang="en-US" sz="2800" b="1" dirty="0" err="1">
-                <a:latin typeface="Calibri" panose="020F0502020204030204" pitchFamily="34" charset="0"/>
-                <a:cs typeface="Calibri" panose="020F0502020204030204" pitchFamily="34" charset="0"/>
-              </a:rPr>
-              <a:t>dezvoltării</a:t>
-            </a:r>
-            <a:r>
-              <a:rPr lang="en-US" sz="2800" b="1" dirty="0">
-                <a:latin typeface="Calibri" panose="020F0502020204030204" pitchFamily="34" charset="0"/>
-                <a:cs typeface="Calibri" panose="020F0502020204030204" pitchFamily="34" charset="0"/>
-              </a:rPr>
-              <a:t> </a:t>
-            </a:r>
-            <a:r>
-              <a:rPr lang="en-US" sz="2800" b="1" dirty="0" err="1">
-                <a:latin typeface="Calibri" panose="020F0502020204030204" pitchFamily="34" charset="0"/>
-                <a:cs typeface="Calibri" panose="020F0502020204030204" pitchFamily="34" charset="0"/>
-              </a:rPr>
-              <a:t>sistemului</a:t>
-            </a:r>
-            <a:r>
-              <a:rPr lang="en-US" sz="2800" b="1" dirty="0">
-                <a:latin typeface="Calibri" panose="020F0502020204030204" pitchFamily="34" charset="0"/>
-                <a:cs typeface="Calibri" panose="020F0502020204030204" pitchFamily="34" charset="0"/>
-              </a:rPr>
-              <a:t> de </a:t>
-            </a:r>
-            <a:r>
-              <a:rPr lang="en-US" sz="2800" b="1" dirty="0" err="1">
-                <a:latin typeface="Calibri" panose="020F0502020204030204" pitchFamily="34" charset="0"/>
-                <a:cs typeface="Calibri" panose="020F0502020204030204" pitchFamily="34" charset="0"/>
-              </a:rPr>
-              <a:t>monitorizate</a:t>
-            </a:r>
-            <a:r>
-              <a:rPr lang="en-US" sz="2800" b="1" dirty="0">
-                <a:latin typeface="Calibri" panose="020F0502020204030204" pitchFamily="34" charset="0"/>
-                <a:cs typeface="Calibri" panose="020F0502020204030204" pitchFamily="34" charset="0"/>
-              </a:rPr>
-              <a:t> </a:t>
-            </a:r>
-            <a:r>
-              <a:rPr lang="en-US" sz="2800" b="1" dirty="0" err="1">
-                <a:latin typeface="Calibri" panose="020F0502020204030204" pitchFamily="34" charset="0"/>
-                <a:cs typeface="Calibri" panose="020F0502020204030204" pitchFamily="34" charset="0"/>
-              </a:rPr>
-              <a:t>și</a:t>
-            </a:r>
-            <a:r>
-              <a:rPr lang="en-US" sz="2800" b="1" dirty="0">
-                <a:latin typeface="Calibri" panose="020F0502020204030204" pitchFamily="34" charset="0"/>
-                <a:cs typeface="Calibri" panose="020F0502020204030204" pitchFamily="34" charset="0"/>
-              </a:rPr>
-              <a:t> </a:t>
-            </a:r>
-            <a:r>
-              <a:rPr lang="en-US" sz="2800" b="1" dirty="0" err="1">
-                <a:latin typeface="Calibri" panose="020F0502020204030204" pitchFamily="34" charset="0"/>
-                <a:cs typeface="Calibri" panose="020F0502020204030204" pitchFamily="34" charset="0"/>
-              </a:rPr>
-              <a:t>gestionare</a:t>
-            </a:r>
-            <a:endParaRPr lang="en-US" sz="2800" b="1" dirty="0">
-              <a:latin typeface="Calibri" panose="020F0502020204030204" pitchFamily="34" charset="0"/>
-              <a:cs typeface="Calibri" panose="020F0502020204030204" pitchFamily="34" charset="0"/>
-            </a:endParaRPr>
-          </a:p>
-        </p:txBody>
-      </p:sp>
-      <p:pic>
-        <p:nvPicPr>
-          <p:cNvPr id="8" name="Picture 7">
-            <a:extLst>
-              <a:ext uri="{FF2B5EF4-FFF2-40B4-BE49-F238E27FC236}">
-                <a16:creationId xmlns:a16="http://schemas.microsoft.com/office/drawing/2014/main" id="{76027EA2-920A-76D1-6738-AE9AED6B503B}"/>
-              </a:ext>
-            </a:extLst>
-          </p:cNvPr>
-          <p:cNvPicPr>
-            <a:picLocks noChangeAspect="1"/>
-          </p:cNvPicPr>
-          <p:nvPr/>
-        </p:nvPicPr>
-        <p:blipFill>
-          <a:blip r:embed="rId3">
-            <a:extLst>
-              <a:ext uri="{28A0092B-C50C-407E-A947-70E740481C1C}">
-                <a14:useLocalDpi xmlns:a14="http://schemas.microsoft.com/office/drawing/2010/main" val="0"/>
-              </a:ext>
-            </a:extLst>
-          </a:blip>
-          <a:stretch>
-            <a:fillRect/>
-          </a:stretch>
-        </p:blipFill>
-        <p:spPr>
-          <a:xfrm>
-            <a:off x="905325" y="1544581"/>
-            <a:ext cx="1767191" cy="1580745"/>
-          </a:xfrm>
-          <a:prstGeom prst="rect">
-            <a:avLst/>
-          </a:prstGeom>
-        </p:spPr>
-      </p:pic>
-      <p:pic>
-        <p:nvPicPr>
-          <p:cNvPr id="12" name="Picture 11" descr="A black text on a white background&#10;&#10;Description automatically generated">
-            <a:extLst>
-              <a:ext uri="{FF2B5EF4-FFF2-40B4-BE49-F238E27FC236}">
-                <a16:creationId xmlns:a16="http://schemas.microsoft.com/office/drawing/2014/main" id="{915ACA04-F041-D2C2-5124-D2BFDFDE105D}"/>
-              </a:ext>
-            </a:extLst>
-          </p:cNvPr>
-          <p:cNvPicPr>
-            <a:picLocks noChangeAspect="1"/>
-          </p:cNvPicPr>
-          <p:nvPr/>
-        </p:nvPicPr>
-        <p:blipFill>
-          <a:blip r:embed="rId4">
-            <a:extLst>
-              <a:ext uri="{28A0092B-C50C-407E-A947-70E740481C1C}">
-                <a14:useLocalDpi xmlns:a14="http://schemas.microsoft.com/office/drawing/2010/main" val="0"/>
-              </a:ext>
-            </a:extLst>
-          </a:blip>
-          <a:stretch>
-            <a:fillRect/>
-          </a:stretch>
-        </p:blipFill>
-        <p:spPr>
-          <a:xfrm>
-            <a:off x="6553909" y="3705164"/>
-            <a:ext cx="1900386" cy="952500"/>
-          </a:xfrm>
-          <a:prstGeom prst="rect">
-            <a:avLst/>
-          </a:prstGeom>
-        </p:spPr>
-      </p:pic>
-      <p:sp>
-        <p:nvSpPr>
-          <p:cNvPr id="13" name="Oval 12">
-            <a:extLst>
-              <a:ext uri="{FF2B5EF4-FFF2-40B4-BE49-F238E27FC236}">
-                <a16:creationId xmlns:a16="http://schemas.microsoft.com/office/drawing/2014/main" id="{D312CC1B-F009-EB9A-480E-A21528779D24}"/>
-              </a:ext>
-            </a:extLst>
-          </p:cNvPr>
-          <p:cNvSpPr/>
-          <p:nvPr/>
-        </p:nvSpPr>
-        <p:spPr>
-          <a:xfrm>
-            <a:off x="2689498" y="1997052"/>
-            <a:ext cx="1498060" cy="700392"/>
-          </a:xfrm>
-          <a:prstGeom prst="ellipse">
-            <a:avLst/>
-          </a:prstGeom>
-          <a:solidFill>
-            <a:srgbClr val="FFC000">
-              <a:alpha val="30000"/>
-            </a:srgbClr>
-          </a:solidFill>
-        </p:spPr>
-        <p:style>
-          <a:lnRef idx="2">
-            <a:schemeClr val="accent1">
-              <a:shade val="15000"/>
-            </a:schemeClr>
-          </a:lnRef>
-          <a:fillRef idx="1">
-            <a:schemeClr val="accent1"/>
-          </a:fillRef>
-          <a:effectRef idx="0">
-            <a:schemeClr val="accent1"/>
-          </a:effectRef>
-          <a:fontRef idx="minor">
-            <a:schemeClr val="lt1"/>
-          </a:fontRef>
-        </p:style>
-        <p:txBody>
-          <a:bodyPr rtlCol="0" anchor="ctr"/>
-          <a:lstStyle/>
-          <a:p>
-            <a:pPr algn="ctr"/>
-            <a:endParaRPr lang="en-US"/>
-          </a:p>
-        </p:txBody>
-      </p:sp>
-      <p:sp>
-        <p:nvSpPr>
-          <p:cNvPr id="16" name="Rectangle: Rounded Corners 15">
-            <a:extLst>
-              <a:ext uri="{FF2B5EF4-FFF2-40B4-BE49-F238E27FC236}">
-                <a16:creationId xmlns:a16="http://schemas.microsoft.com/office/drawing/2014/main" id="{5C92CA3B-E199-0E65-84DB-7F7147EC8FBC}"/>
-              </a:ext>
-            </a:extLst>
-          </p:cNvPr>
-          <p:cNvSpPr/>
-          <p:nvPr/>
-        </p:nvSpPr>
-        <p:spPr>
-          <a:xfrm>
-            <a:off x="4829299" y="2082452"/>
-            <a:ext cx="1291594" cy="523220"/>
-          </a:xfrm>
-          <a:prstGeom prst="roundRect">
-            <a:avLst/>
-          </a:prstGeom>
-          <a:noFill/>
-        </p:spPr>
-        <p:style>
-          <a:lnRef idx="2">
-            <a:schemeClr val="accent1">
-              <a:shade val="15000"/>
-            </a:schemeClr>
-          </a:lnRef>
-          <a:fillRef idx="1">
-            <a:schemeClr val="accent1"/>
-          </a:fillRef>
-          <a:effectRef idx="0">
-            <a:schemeClr val="accent1"/>
-          </a:effectRef>
-          <a:fontRef idx="minor">
-            <a:schemeClr val="lt1"/>
-          </a:fontRef>
-        </p:style>
-        <p:txBody>
-          <a:bodyPr rtlCol="0" anchor="ctr"/>
-          <a:lstStyle/>
-          <a:p>
-            <a:pPr algn="ctr"/>
-            <a:endParaRPr lang="en-US"/>
-          </a:p>
-        </p:txBody>
-      </p:sp>
-      <p:sp>
-        <p:nvSpPr>
-          <p:cNvPr id="17" name="Rectangle: Rounded Corners 16">
-            <a:extLst>
-              <a:ext uri="{FF2B5EF4-FFF2-40B4-BE49-F238E27FC236}">
-                <a16:creationId xmlns:a16="http://schemas.microsoft.com/office/drawing/2014/main" id="{1A9865E3-55A2-7677-602F-25A1FF660953}"/>
-              </a:ext>
-            </a:extLst>
-          </p:cNvPr>
-          <p:cNvSpPr/>
-          <p:nvPr/>
-        </p:nvSpPr>
-        <p:spPr>
-          <a:xfrm>
-            <a:off x="6553909" y="2082452"/>
-            <a:ext cx="1763240" cy="523220"/>
-          </a:xfrm>
-          <a:prstGeom prst="roundRect">
-            <a:avLst/>
-          </a:prstGeom>
-          <a:noFill/>
-        </p:spPr>
-        <p:style>
-          <a:lnRef idx="2">
-            <a:schemeClr val="accent1">
-              <a:shade val="15000"/>
-            </a:schemeClr>
-          </a:lnRef>
-          <a:fillRef idx="1">
-            <a:schemeClr val="accent1"/>
-          </a:fillRef>
-          <a:effectRef idx="0">
-            <a:schemeClr val="accent1"/>
-          </a:effectRef>
-          <a:fontRef idx="minor">
-            <a:schemeClr val="lt1"/>
-          </a:fontRef>
-        </p:style>
-        <p:txBody>
-          <a:bodyPr rtlCol="0" anchor="ctr"/>
-          <a:lstStyle/>
-          <a:p>
-            <a:pPr algn="ctr"/>
-            <a:endParaRPr lang="en-US"/>
-          </a:p>
-        </p:txBody>
-      </p:sp>
-      <p:sp>
-        <p:nvSpPr>
-          <p:cNvPr id="18" name="Oval 17">
-            <a:extLst>
-              <a:ext uri="{FF2B5EF4-FFF2-40B4-BE49-F238E27FC236}">
-                <a16:creationId xmlns:a16="http://schemas.microsoft.com/office/drawing/2014/main" id="{8A1C7410-4C18-9FDF-15C1-8CE243C689D5}"/>
-              </a:ext>
-            </a:extLst>
-          </p:cNvPr>
-          <p:cNvSpPr/>
-          <p:nvPr/>
-        </p:nvSpPr>
-        <p:spPr>
-          <a:xfrm>
-            <a:off x="9422205" y="2656620"/>
-            <a:ext cx="1498060" cy="700392"/>
-          </a:xfrm>
-          <a:prstGeom prst="ellipse">
-            <a:avLst/>
-          </a:prstGeom>
-          <a:solidFill>
-            <a:srgbClr val="FFC000">
-              <a:alpha val="30000"/>
-            </a:srgbClr>
-          </a:solidFill>
-        </p:spPr>
-        <p:style>
-          <a:lnRef idx="2">
-            <a:schemeClr val="accent1">
-              <a:shade val="15000"/>
-            </a:schemeClr>
-          </a:lnRef>
-          <a:fillRef idx="1">
-            <a:schemeClr val="accent1"/>
-          </a:fillRef>
-          <a:effectRef idx="0">
-            <a:schemeClr val="accent1"/>
-          </a:effectRef>
-          <a:fontRef idx="minor">
-            <a:schemeClr val="lt1"/>
-          </a:fontRef>
-        </p:style>
-        <p:txBody>
-          <a:bodyPr rtlCol="0" anchor="ctr"/>
-          <a:lstStyle/>
-          <a:p>
-            <a:pPr algn="ctr"/>
-            <a:endParaRPr lang="en-US"/>
-          </a:p>
-        </p:txBody>
-      </p:sp>
-      <p:sp>
-        <p:nvSpPr>
-          <p:cNvPr id="21" name="Oval 20">
-            <a:extLst>
-              <a:ext uri="{FF2B5EF4-FFF2-40B4-BE49-F238E27FC236}">
-                <a16:creationId xmlns:a16="http://schemas.microsoft.com/office/drawing/2014/main" id="{449232F7-9C65-0703-225A-6186DDE39A9C}"/>
-              </a:ext>
-            </a:extLst>
-          </p:cNvPr>
-          <p:cNvSpPr/>
-          <p:nvPr/>
-        </p:nvSpPr>
-        <p:spPr>
-          <a:xfrm>
-            <a:off x="6742777" y="3181620"/>
-            <a:ext cx="1498060" cy="700392"/>
-          </a:xfrm>
-          <a:prstGeom prst="ellipse">
-            <a:avLst/>
-          </a:prstGeom>
-          <a:solidFill>
-            <a:srgbClr val="FFC000">
-              <a:alpha val="30000"/>
-            </a:srgbClr>
-          </a:solidFill>
-        </p:spPr>
-        <p:style>
-          <a:lnRef idx="2">
-            <a:schemeClr val="accent1">
-              <a:shade val="15000"/>
-            </a:schemeClr>
-          </a:lnRef>
-          <a:fillRef idx="1">
-            <a:schemeClr val="accent1"/>
-          </a:fillRef>
-          <a:effectRef idx="0">
-            <a:schemeClr val="accent1"/>
-          </a:effectRef>
-          <a:fontRef idx="minor">
-            <a:schemeClr val="lt1"/>
-          </a:fontRef>
-        </p:style>
-        <p:txBody>
-          <a:bodyPr rtlCol="0" anchor="ctr"/>
-          <a:lstStyle/>
-          <a:p>
-            <a:pPr algn="ctr"/>
-            <a:endParaRPr lang="en-US"/>
-          </a:p>
-        </p:txBody>
-      </p:sp>
-      <p:sp>
-        <p:nvSpPr>
-          <p:cNvPr id="22" name="Oval 21">
-            <a:extLst>
-              <a:ext uri="{FF2B5EF4-FFF2-40B4-BE49-F238E27FC236}">
-                <a16:creationId xmlns:a16="http://schemas.microsoft.com/office/drawing/2014/main" id="{E3013C48-7823-C096-9F3D-B9C54F3379C7}"/>
-              </a:ext>
-            </a:extLst>
-          </p:cNvPr>
-          <p:cNvSpPr/>
-          <p:nvPr/>
-        </p:nvSpPr>
-        <p:spPr>
-          <a:xfrm>
-            <a:off x="1305088" y="3822485"/>
-            <a:ext cx="1498060" cy="700392"/>
-          </a:xfrm>
-          <a:prstGeom prst="ellipse">
-            <a:avLst/>
-          </a:prstGeom>
-          <a:solidFill>
-            <a:srgbClr val="FFC000">
-              <a:alpha val="30000"/>
-            </a:srgbClr>
-          </a:solidFill>
-        </p:spPr>
-        <p:style>
-          <a:lnRef idx="2">
-            <a:schemeClr val="accent1">
-              <a:shade val="15000"/>
-            </a:schemeClr>
-          </a:lnRef>
-          <a:fillRef idx="1">
-            <a:schemeClr val="accent1"/>
-          </a:fillRef>
-          <a:effectRef idx="0">
-            <a:schemeClr val="accent1"/>
-          </a:effectRef>
-          <a:fontRef idx="minor">
-            <a:schemeClr val="lt1"/>
-          </a:fontRef>
-        </p:style>
-        <p:txBody>
-          <a:bodyPr rtlCol="0" anchor="ctr"/>
-          <a:lstStyle/>
-          <a:p>
-            <a:pPr algn="ctr"/>
-            <a:endParaRPr lang="en-US"/>
-          </a:p>
-        </p:txBody>
-      </p:sp>
-      <p:sp>
-        <p:nvSpPr>
-          <p:cNvPr id="23" name="Rectangle: Rounded Corners 22">
-            <a:extLst>
-              <a:ext uri="{FF2B5EF4-FFF2-40B4-BE49-F238E27FC236}">
-                <a16:creationId xmlns:a16="http://schemas.microsoft.com/office/drawing/2014/main" id="{D805336D-DA17-1EF3-13A0-D24DD15BB794}"/>
-              </a:ext>
-            </a:extLst>
-          </p:cNvPr>
-          <p:cNvSpPr/>
-          <p:nvPr/>
-        </p:nvSpPr>
-        <p:spPr>
-          <a:xfrm>
-            <a:off x="2583912" y="5395634"/>
-            <a:ext cx="1709231" cy="654186"/>
-          </a:xfrm>
-          <a:prstGeom prst="roundRect">
-            <a:avLst/>
-          </a:prstGeom>
-          <a:noFill/>
-        </p:spPr>
-        <p:style>
-          <a:lnRef idx="2">
-            <a:schemeClr val="accent1">
-              <a:shade val="15000"/>
-            </a:schemeClr>
-          </a:lnRef>
-          <a:fillRef idx="1">
-            <a:schemeClr val="accent1"/>
-          </a:fillRef>
-          <a:effectRef idx="0">
-            <a:schemeClr val="accent1"/>
-          </a:effectRef>
-          <a:fontRef idx="minor">
-            <a:schemeClr val="lt1"/>
-          </a:fontRef>
-        </p:style>
-        <p:txBody>
-          <a:bodyPr rtlCol="0" anchor="ctr"/>
-          <a:lstStyle/>
-          <a:p>
-            <a:pPr algn="ctr"/>
-            <a:endParaRPr lang="en-US"/>
-          </a:p>
-        </p:txBody>
-      </p:sp>
-      <p:sp>
-        <p:nvSpPr>
-          <p:cNvPr id="25" name="Oval 24">
-            <a:extLst>
-              <a:ext uri="{FF2B5EF4-FFF2-40B4-BE49-F238E27FC236}">
-                <a16:creationId xmlns:a16="http://schemas.microsoft.com/office/drawing/2014/main" id="{25698D79-8F79-5604-BB90-03723132F456}"/>
-              </a:ext>
-            </a:extLst>
-          </p:cNvPr>
-          <p:cNvSpPr/>
-          <p:nvPr/>
-        </p:nvSpPr>
-        <p:spPr>
-          <a:xfrm>
-            <a:off x="5121689" y="4582108"/>
-            <a:ext cx="1498060" cy="700392"/>
-          </a:xfrm>
-          <a:prstGeom prst="ellipse">
-            <a:avLst/>
-          </a:prstGeom>
-          <a:solidFill>
-            <a:srgbClr val="FFC000">
-              <a:alpha val="30000"/>
-            </a:srgbClr>
-          </a:solidFill>
-        </p:spPr>
-        <p:style>
-          <a:lnRef idx="2">
-            <a:schemeClr val="accent1">
-              <a:shade val="15000"/>
-            </a:schemeClr>
-          </a:lnRef>
-          <a:fillRef idx="1">
-            <a:schemeClr val="accent1"/>
-          </a:fillRef>
-          <a:effectRef idx="0">
-            <a:schemeClr val="accent1"/>
-          </a:effectRef>
-          <a:fontRef idx="minor">
-            <a:schemeClr val="lt1"/>
-          </a:fontRef>
-        </p:style>
-        <p:txBody>
-          <a:bodyPr rtlCol="0" anchor="ctr"/>
-          <a:lstStyle/>
-          <a:p>
-            <a:pPr algn="ctr"/>
-            <a:endParaRPr lang="en-US"/>
-          </a:p>
-        </p:txBody>
-      </p:sp>
-      <p:sp>
-        <p:nvSpPr>
-          <p:cNvPr id="26" name="TextBox 25">
-            <a:extLst>
-              <a:ext uri="{FF2B5EF4-FFF2-40B4-BE49-F238E27FC236}">
-                <a16:creationId xmlns:a16="http://schemas.microsoft.com/office/drawing/2014/main" id="{9DF9FA09-C22B-66EA-1BD1-64FD7931BCAE}"/>
-              </a:ext>
-            </a:extLst>
-          </p:cNvPr>
-          <p:cNvSpPr txBox="1"/>
-          <p:nvPr/>
-        </p:nvSpPr>
-        <p:spPr>
-          <a:xfrm>
-            <a:off x="2645403" y="2073343"/>
-            <a:ext cx="1616640" cy="492443"/>
-          </a:xfrm>
-          <a:prstGeom prst="rect">
-            <a:avLst/>
-          </a:prstGeom>
-          <a:noFill/>
-        </p:spPr>
-        <p:txBody>
-          <a:bodyPr wrap="square" rtlCol="0">
-            <a:spAutoFit/>
-          </a:bodyPr>
-          <a:lstStyle/>
-          <a:p>
-            <a:pPr algn="ctr"/>
-            <a:r>
-              <a:rPr lang="en-US" sz="1300" b="1" dirty="0">
-                <a:latin typeface="Calibri" panose="020F0502020204030204" pitchFamily="34" charset="0"/>
-                <a:cs typeface="Calibri" panose="020F0502020204030204" pitchFamily="34" charset="0"/>
-              </a:rPr>
-              <a:t>Imagine de </a:t>
-            </a:r>
-            <a:r>
-              <a:rPr lang="en-US" sz="1300" b="1" dirty="0" err="1">
-                <a:latin typeface="Calibri" panose="020F0502020204030204" pitchFamily="34" charset="0"/>
-                <a:cs typeface="Calibri" panose="020F0502020204030204" pitchFamily="34" charset="0"/>
-              </a:rPr>
-              <a:t>intrare</a:t>
-            </a:r>
-            <a:r>
-              <a:rPr lang="en-US" sz="1300" b="1" dirty="0">
-                <a:latin typeface="Calibri" panose="020F0502020204030204" pitchFamily="34" charset="0"/>
-                <a:cs typeface="Calibri" panose="020F0502020204030204" pitchFamily="34" charset="0"/>
-              </a:rPr>
-              <a:t> de la camera video</a:t>
-            </a:r>
-          </a:p>
-        </p:txBody>
-      </p:sp>
-      <p:sp>
-        <p:nvSpPr>
-          <p:cNvPr id="27" name="TextBox 26">
-            <a:extLst>
-              <a:ext uri="{FF2B5EF4-FFF2-40B4-BE49-F238E27FC236}">
-                <a16:creationId xmlns:a16="http://schemas.microsoft.com/office/drawing/2014/main" id="{81AF1914-0464-C40F-7F8D-59416A343CD7}"/>
-              </a:ext>
-            </a:extLst>
-          </p:cNvPr>
-          <p:cNvSpPr txBox="1"/>
-          <p:nvPr/>
-        </p:nvSpPr>
-        <p:spPr>
-          <a:xfrm>
-            <a:off x="4909711" y="2163273"/>
-            <a:ext cx="1417648" cy="307777"/>
-          </a:xfrm>
-          <a:prstGeom prst="rect">
-            <a:avLst/>
-          </a:prstGeom>
-          <a:noFill/>
-        </p:spPr>
-        <p:txBody>
-          <a:bodyPr wrap="square" rtlCol="0">
-            <a:spAutoFit/>
-          </a:bodyPr>
-          <a:lstStyle/>
-          <a:p>
-            <a:r>
-              <a:rPr lang="en-US" sz="1400" b="1" dirty="0" err="1">
-                <a:latin typeface="Calibri" panose="020F0502020204030204" pitchFamily="34" charset="0"/>
-                <a:cs typeface="Calibri" panose="020F0502020204030204" pitchFamily="34" charset="0"/>
-              </a:rPr>
-              <a:t>Preprocesare</a:t>
-            </a:r>
-            <a:endParaRPr lang="en-US" sz="1400" b="1" dirty="0">
-              <a:latin typeface="Calibri" panose="020F0502020204030204" pitchFamily="34" charset="0"/>
-              <a:cs typeface="Calibri" panose="020F0502020204030204" pitchFamily="34" charset="0"/>
-            </a:endParaRPr>
-          </a:p>
-        </p:txBody>
-      </p:sp>
-      <p:pic>
-        <p:nvPicPr>
-          <p:cNvPr id="30" name="Picture 29">
-            <a:extLst>
-              <a:ext uri="{FF2B5EF4-FFF2-40B4-BE49-F238E27FC236}">
-                <a16:creationId xmlns:a16="http://schemas.microsoft.com/office/drawing/2014/main" id="{BA8EB1B1-4EF0-593B-065F-2BBBAE200432}"/>
-              </a:ext>
-            </a:extLst>
-          </p:cNvPr>
-          <p:cNvPicPr>
-            <a:picLocks noChangeAspect="1"/>
-          </p:cNvPicPr>
-          <p:nvPr/>
-        </p:nvPicPr>
-        <p:blipFill>
-          <a:blip r:embed="rId5">
-            <a:extLst>
-              <a:ext uri="{28A0092B-C50C-407E-A947-70E740481C1C}">
-                <a14:useLocalDpi xmlns:a14="http://schemas.microsoft.com/office/drawing/2010/main" val="0"/>
-              </a:ext>
-            </a:extLst>
-          </a:blip>
-          <a:stretch>
-            <a:fillRect/>
-          </a:stretch>
-        </p:blipFill>
-        <p:spPr>
-          <a:xfrm>
-            <a:off x="9216354" y="2029658"/>
-            <a:ext cx="1909762" cy="610590"/>
-          </a:xfrm>
-          <a:prstGeom prst="rect">
-            <a:avLst/>
-          </a:prstGeom>
-        </p:spPr>
-      </p:pic>
-      <p:sp>
-        <p:nvSpPr>
-          <p:cNvPr id="31" name="TextBox 30">
-            <a:extLst>
-              <a:ext uri="{FF2B5EF4-FFF2-40B4-BE49-F238E27FC236}">
-                <a16:creationId xmlns:a16="http://schemas.microsoft.com/office/drawing/2014/main" id="{6D88EF40-1505-835C-C406-82E5078C9558}"/>
-              </a:ext>
-            </a:extLst>
-          </p:cNvPr>
-          <p:cNvSpPr txBox="1"/>
-          <p:nvPr/>
-        </p:nvSpPr>
-        <p:spPr>
-          <a:xfrm>
-            <a:off x="6388539" y="2087188"/>
-            <a:ext cx="2093980" cy="523220"/>
-          </a:xfrm>
-          <a:prstGeom prst="rect">
-            <a:avLst/>
-          </a:prstGeom>
-          <a:noFill/>
-        </p:spPr>
-        <p:txBody>
-          <a:bodyPr wrap="square" rtlCol="0">
-            <a:spAutoFit/>
-          </a:bodyPr>
-          <a:lstStyle/>
-          <a:p>
-            <a:pPr algn="ctr"/>
-            <a:r>
-              <a:rPr lang="en-US" sz="1400" b="1" dirty="0" err="1">
-                <a:latin typeface="Calibri" panose="020F0502020204030204" pitchFamily="34" charset="0"/>
-                <a:cs typeface="Calibri" panose="020F0502020204030204" pitchFamily="34" charset="0"/>
-              </a:rPr>
-              <a:t>Extragerea</a:t>
-            </a:r>
-            <a:r>
-              <a:rPr lang="en-US" sz="1400" b="1" dirty="0">
-                <a:latin typeface="Calibri" panose="020F0502020204030204" pitchFamily="34" charset="0"/>
-                <a:cs typeface="Calibri" panose="020F0502020204030204" pitchFamily="34" charset="0"/>
-              </a:rPr>
-              <a:t> </a:t>
-            </a:r>
-            <a:r>
-              <a:rPr lang="en-US" sz="1400" b="1" dirty="0" err="1">
-                <a:latin typeface="Calibri" panose="020F0502020204030204" pitchFamily="34" charset="0"/>
-                <a:cs typeface="Calibri" panose="020F0502020204030204" pitchFamily="34" charset="0"/>
-              </a:rPr>
-              <a:t>plăcuței</a:t>
-            </a:r>
-            <a:r>
-              <a:rPr lang="en-US" sz="1400" b="1" dirty="0">
-                <a:latin typeface="Calibri" panose="020F0502020204030204" pitchFamily="34" charset="0"/>
-                <a:cs typeface="Calibri" panose="020F0502020204030204" pitchFamily="34" charset="0"/>
-              </a:rPr>
-              <a:t> de </a:t>
-            </a:r>
-            <a:r>
-              <a:rPr lang="en-US" sz="1400" b="1" dirty="0" err="1">
-                <a:latin typeface="Calibri" panose="020F0502020204030204" pitchFamily="34" charset="0"/>
-                <a:cs typeface="Calibri" panose="020F0502020204030204" pitchFamily="34" charset="0"/>
-              </a:rPr>
-              <a:t>înmatriculare</a:t>
-            </a:r>
-            <a:endParaRPr lang="en-US" sz="1400" b="1" dirty="0"/>
-          </a:p>
-        </p:txBody>
-      </p:sp>
-      <p:sp>
-        <p:nvSpPr>
-          <p:cNvPr id="32" name="TextBox 31">
-            <a:extLst>
-              <a:ext uri="{FF2B5EF4-FFF2-40B4-BE49-F238E27FC236}">
-                <a16:creationId xmlns:a16="http://schemas.microsoft.com/office/drawing/2014/main" id="{B0F44F68-6BD7-7D53-68BA-19493FF7F3F1}"/>
-              </a:ext>
-            </a:extLst>
-          </p:cNvPr>
-          <p:cNvSpPr txBox="1"/>
-          <p:nvPr/>
-        </p:nvSpPr>
-        <p:spPr>
-          <a:xfrm>
-            <a:off x="9422205" y="2718802"/>
-            <a:ext cx="1498060" cy="523220"/>
-          </a:xfrm>
-          <a:prstGeom prst="rect">
-            <a:avLst/>
-          </a:prstGeom>
-          <a:noFill/>
-        </p:spPr>
-        <p:txBody>
-          <a:bodyPr wrap="square" rtlCol="0">
-            <a:spAutoFit/>
-          </a:bodyPr>
-          <a:lstStyle/>
-          <a:p>
-            <a:pPr algn="ctr"/>
-            <a:r>
-              <a:rPr lang="en-US" sz="1400" b="1" dirty="0" err="1">
-                <a:latin typeface="Calibri" panose="020F0502020204030204" pitchFamily="34" charset="0"/>
-                <a:cs typeface="Calibri" panose="020F0502020204030204" pitchFamily="34" charset="0"/>
-              </a:rPr>
-              <a:t>Plăcuța</a:t>
-            </a:r>
-            <a:r>
-              <a:rPr lang="en-US" sz="1400" b="1" dirty="0">
-                <a:latin typeface="Calibri" panose="020F0502020204030204" pitchFamily="34" charset="0"/>
-                <a:cs typeface="Calibri" panose="020F0502020204030204" pitchFamily="34" charset="0"/>
-              </a:rPr>
-              <a:t> de </a:t>
-            </a:r>
-            <a:r>
-              <a:rPr lang="en-US" sz="1400" b="1" dirty="0" err="1">
-                <a:latin typeface="Calibri" panose="020F0502020204030204" pitchFamily="34" charset="0"/>
-                <a:cs typeface="Calibri" panose="020F0502020204030204" pitchFamily="34" charset="0"/>
-              </a:rPr>
-              <a:t>înmatriculare</a:t>
-            </a:r>
-            <a:endParaRPr lang="en-US" sz="1400" dirty="0"/>
-          </a:p>
-        </p:txBody>
-      </p:sp>
-      <p:sp>
-        <p:nvSpPr>
-          <p:cNvPr id="33" name="TextBox 32">
-            <a:extLst>
-              <a:ext uri="{FF2B5EF4-FFF2-40B4-BE49-F238E27FC236}">
-                <a16:creationId xmlns:a16="http://schemas.microsoft.com/office/drawing/2014/main" id="{732E82C3-4059-1A20-252D-ACFF2ACFC7F3}"/>
-              </a:ext>
-            </a:extLst>
-          </p:cNvPr>
-          <p:cNvSpPr txBox="1"/>
-          <p:nvPr/>
-        </p:nvSpPr>
-        <p:spPr>
-          <a:xfrm>
-            <a:off x="9583832" y="4027525"/>
-            <a:ext cx="1542284" cy="307777"/>
-          </a:xfrm>
-          <a:prstGeom prst="rect">
-            <a:avLst/>
-          </a:prstGeom>
-          <a:noFill/>
-        </p:spPr>
-        <p:txBody>
-          <a:bodyPr wrap="square" rtlCol="0">
-            <a:spAutoFit/>
-          </a:bodyPr>
-          <a:lstStyle/>
-          <a:p>
-            <a:r>
-              <a:rPr lang="en-US" sz="1400" b="1" dirty="0" err="1">
-                <a:latin typeface="Calibri" panose="020F0502020204030204" pitchFamily="34" charset="0"/>
-                <a:cs typeface="Calibri" panose="020F0502020204030204" pitchFamily="34" charset="0"/>
-              </a:rPr>
-              <a:t>Preprocesare</a:t>
-            </a:r>
-            <a:endParaRPr lang="en-US" sz="1400" b="1" dirty="0">
-              <a:latin typeface="Calibri" panose="020F0502020204030204" pitchFamily="34" charset="0"/>
-              <a:cs typeface="Calibri" panose="020F0502020204030204" pitchFamily="34" charset="0"/>
-            </a:endParaRPr>
-          </a:p>
-        </p:txBody>
-      </p:sp>
-      <p:sp>
-        <p:nvSpPr>
-          <p:cNvPr id="34" name="Rectangle: Rounded Corners 33">
-            <a:extLst>
-              <a:ext uri="{FF2B5EF4-FFF2-40B4-BE49-F238E27FC236}">
-                <a16:creationId xmlns:a16="http://schemas.microsoft.com/office/drawing/2014/main" id="{6DD92773-58FF-F356-620C-ADC2D9BD3F29}"/>
-              </a:ext>
-            </a:extLst>
-          </p:cNvPr>
-          <p:cNvSpPr/>
-          <p:nvPr/>
-        </p:nvSpPr>
-        <p:spPr>
-          <a:xfrm>
-            <a:off x="9525438" y="3919804"/>
-            <a:ext cx="1291594" cy="523220"/>
-          </a:xfrm>
-          <a:prstGeom prst="roundRect">
-            <a:avLst/>
-          </a:prstGeom>
-          <a:noFill/>
-        </p:spPr>
-        <p:style>
-          <a:lnRef idx="2">
-            <a:schemeClr val="accent1">
-              <a:shade val="15000"/>
-            </a:schemeClr>
-          </a:lnRef>
-          <a:fillRef idx="1">
-            <a:schemeClr val="accent1"/>
-          </a:fillRef>
-          <a:effectRef idx="0">
-            <a:schemeClr val="accent1"/>
-          </a:effectRef>
-          <a:fontRef idx="minor">
-            <a:schemeClr val="lt1"/>
-          </a:fontRef>
-        </p:style>
-        <p:txBody>
-          <a:bodyPr rtlCol="0" anchor="ctr"/>
-          <a:lstStyle/>
-          <a:p>
-            <a:pPr algn="ctr"/>
-            <a:endParaRPr lang="en-US"/>
-          </a:p>
-        </p:txBody>
-      </p:sp>
-      <p:sp>
-        <p:nvSpPr>
-          <p:cNvPr id="35" name="Rectangle: Rounded Corners 34">
-            <a:extLst>
-              <a:ext uri="{FF2B5EF4-FFF2-40B4-BE49-F238E27FC236}">
-                <a16:creationId xmlns:a16="http://schemas.microsoft.com/office/drawing/2014/main" id="{0AC022FF-7A2D-D183-5F38-42281AD3407A}"/>
-              </a:ext>
-            </a:extLst>
-          </p:cNvPr>
-          <p:cNvSpPr/>
-          <p:nvPr/>
-        </p:nvSpPr>
-        <p:spPr>
-          <a:xfrm>
-            <a:off x="4817542" y="3919804"/>
-            <a:ext cx="1291594" cy="523220"/>
-          </a:xfrm>
-          <a:prstGeom prst="roundRect">
-            <a:avLst/>
-          </a:prstGeom>
-          <a:noFill/>
-        </p:spPr>
-        <p:style>
-          <a:lnRef idx="2">
-            <a:schemeClr val="accent1">
-              <a:shade val="15000"/>
-            </a:schemeClr>
-          </a:lnRef>
-          <a:fillRef idx="1">
-            <a:schemeClr val="accent1"/>
-          </a:fillRef>
-          <a:effectRef idx="0">
-            <a:schemeClr val="accent1"/>
-          </a:effectRef>
-          <a:fontRef idx="minor">
-            <a:schemeClr val="lt1"/>
-          </a:fontRef>
-        </p:style>
-        <p:txBody>
-          <a:bodyPr rtlCol="0" anchor="ctr"/>
-          <a:lstStyle/>
-          <a:p>
-            <a:pPr algn="ctr"/>
-            <a:endParaRPr lang="en-US"/>
-          </a:p>
-        </p:txBody>
-      </p:sp>
-      <p:cxnSp>
-        <p:nvCxnSpPr>
-          <p:cNvPr id="37" name="Straight Arrow Connector 36">
-            <a:extLst>
-              <a:ext uri="{FF2B5EF4-FFF2-40B4-BE49-F238E27FC236}">
-                <a16:creationId xmlns:a16="http://schemas.microsoft.com/office/drawing/2014/main" id="{F7F0259A-A2BB-B92B-8943-E4BA1D7DF3F0}"/>
-              </a:ext>
-            </a:extLst>
-          </p:cNvPr>
-          <p:cNvCxnSpPr>
-            <a:cxnSpLocks/>
-            <a:stCxn id="34" idx="1"/>
-            <a:endCxn id="12" idx="3"/>
-          </p:cNvCxnSpPr>
-          <p:nvPr/>
-        </p:nvCxnSpPr>
-        <p:spPr>
-          <a:xfrm flipH="1">
-            <a:off x="8454295" y="4181414"/>
-            <a:ext cx="1071143" cy="0"/>
-          </a:xfrm>
-          <a:prstGeom prst="straightConnector1">
-            <a:avLst/>
-          </a:prstGeom>
-          <a:ln>
-            <a:tailEnd type="triangle"/>
-          </a:ln>
-        </p:spPr>
-        <p:style>
-          <a:lnRef idx="2">
-            <a:schemeClr val="dk1"/>
-          </a:lnRef>
-          <a:fillRef idx="0">
-            <a:schemeClr val="dk1"/>
-          </a:fillRef>
-          <a:effectRef idx="1">
-            <a:schemeClr val="dk1"/>
-          </a:effectRef>
-          <a:fontRef idx="minor">
-            <a:schemeClr val="tx1"/>
-          </a:fontRef>
-        </p:style>
-      </p:cxnSp>
-      <p:cxnSp>
-        <p:nvCxnSpPr>
-          <p:cNvPr id="41" name="Straight Arrow Connector 40">
-            <a:extLst>
-              <a:ext uri="{FF2B5EF4-FFF2-40B4-BE49-F238E27FC236}">
-                <a16:creationId xmlns:a16="http://schemas.microsoft.com/office/drawing/2014/main" id="{5CB224B9-4FC3-B9D1-4A69-C833EE1A943E}"/>
-              </a:ext>
-            </a:extLst>
-          </p:cNvPr>
-          <p:cNvCxnSpPr>
-            <a:cxnSpLocks/>
-            <a:stCxn id="13" idx="6"/>
-            <a:endCxn id="16" idx="1"/>
-          </p:cNvCxnSpPr>
-          <p:nvPr/>
-        </p:nvCxnSpPr>
-        <p:spPr>
-          <a:xfrm flipV="1">
-            <a:off x="4187558" y="2344062"/>
-            <a:ext cx="641741" cy="3186"/>
-          </a:xfrm>
-          <a:prstGeom prst="straightConnector1">
-            <a:avLst/>
-          </a:prstGeom>
-          <a:ln>
-            <a:tailEnd type="triangle"/>
-          </a:ln>
-        </p:spPr>
-        <p:style>
-          <a:lnRef idx="2">
-            <a:schemeClr val="dk1"/>
-          </a:lnRef>
-          <a:fillRef idx="0">
-            <a:schemeClr val="dk1"/>
-          </a:fillRef>
-          <a:effectRef idx="1">
-            <a:schemeClr val="dk1"/>
-          </a:effectRef>
-          <a:fontRef idx="minor">
-            <a:schemeClr val="tx1"/>
-          </a:fontRef>
-        </p:style>
-      </p:cxnSp>
-      <p:cxnSp>
-        <p:nvCxnSpPr>
-          <p:cNvPr id="46" name="Straight Arrow Connector 45">
-            <a:extLst>
-              <a:ext uri="{FF2B5EF4-FFF2-40B4-BE49-F238E27FC236}">
-                <a16:creationId xmlns:a16="http://schemas.microsoft.com/office/drawing/2014/main" id="{B6C1CA78-60F6-C7CB-9275-6D16BAFAAB81}"/>
-              </a:ext>
-            </a:extLst>
-          </p:cNvPr>
-          <p:cNvCxnSpPr>
-            <a:stCxn id="16" idx="3"/>
-            <a:endCxn id="17" idx="1"/>
-          </p:cNvCxnSpPr>
-          <p:nvPr/>
-        </p:nvCxnSpPr>
-        <p:spPr>
-          <a:xfrm>
-            <a:off x="6120893" y="2344062"/>
-            <a:ext cx="433016" cy="0"/>
-          </a:xfrm>
-          <a:prstGeom prst="straightConnector1">
-            <a:avLst/>
-          </a:prstGeom>
-          <a:ln>
-            <a:tailEnd type="triangle"/>
-          </a:ln>
-        </p:spPr>
-        <p:style>
-          <a:lnRef idx="2">
-            <a:schemeClr val="dk1"/>
-          </a:lnRef>
-          <a:fillRef idx="0">
-            <a:schemeClr val="dk1"/>
-          </a:fillRef>
-          <a:effectRef idx="1">
-            <a:schemeClr val="dk1"/>
-          </a:effectRef>
-          <a:fontRef idx="minor">
-            <a:schemeClr val="tx1"/>
-          </a:fontRef>
-        </p:style>
-      </p:cxnSp>
-      <p:cxnSp>
-        <p:nvCxnSpPr>
-          <p:cNvPr id="48" name="Straight Arrow Connector 47">
-            <a:extLst>
-              <a:ext uri="{FF2B5EF4-FFF2-40B4-BE49-F238E27FC236}">
-                <a16:creationId xmlns:a16="http://schemas.microsoft.com/office/drawing/2014/main" id="{A6A97C53-CD90-E870-5B91-546125635991}"/>
-              </a:ext>
-            </a:extLst>
-          </p:cNvPr>
-          <p:cNvCxnSpPr>
-            <a:stCxn id="17" idx="3"/>
-            <a:endCxn id="30" idx="1"/>
-          </p:cNvCxnSpPr>
-          <p:nvPr/>
-        </p:nvCxnSpPr>
-        <p:spPr>
-          <a:xfrm flipV="1">
-            <a:off x="8317149" y="2334953"/>
-            <a:ext cx="899205" cy="9109"/>
-          </a:xfrm>
-          <a:prstGeom prst="straightConnector1">
-            <a:avLst/>
-          </a:prstGeom>
-          <a:ln>
-            <a:tailEnd type="triangle"/>
-          </a:ln>
-        </p:spPr>
-        <p:style>
-          <a:lnRef idx="2">
-            <a:schemeClr val="dk1"/>
-          </a:lnRef>
-          <a:fillRef idx="0">
-            <a:schemeClr val="dk1"/>
-          </a:fillRef>
-          <a:effectRef idx="1">
-            <a:schemeClr val="dk1"/>
-          </a:effectRef>
-          <a:fontRef idx="minor">
-            <a:schemeClr val="tx1"/>
-          </a:fontRef>
-        </p:style>
-      </p:cxnSp>
-      <p:cxnSp>
-        <p:nvCxnSpPr>
-          <p:cNvPr id="54" name="Straight Arrow Connector 53">
-            <a:extLst>
-              <a:ext uri="{FF2B5EF4-FFF2-40B4-BE49-F238E27FC236}">
-                <a16:creationId xmlns:a16="http://schemas.microsoft.com/office/drawing/2014/main" id="{BDAF1BB0-A2C3-BD52-9FC5-BECEFB0582FC}"/>
-              </a:ext>
-            </a:extLst>
-          </p:cNvPr>
-          <p:cNvCxnSpPr>
-            <a:stCxn id="18" idx="4"/>
-            <a:endCxn id="34" idx="0"/>
-          </p:cNvCxnSpPr>
-          <p:nvPr/>
-        </p:nvCxnSpPr>
-        <p:spPr>
-          <a:xfrm>
-            <a:off x="10171235" y="3357012"/>
-            <a:ext cx="0" cy="562792"/>
-          </a:xfrm>
-          <a:prstGeom prst="straightConnector1">
-            <a:avLst/>
-          </a:prstGeom>
-          <a:ln>
-            <a:tailEnd type="triangle"/>
-          </a:ln>
-        </p:spPr>
-        <p:style>
-          <a:lnRef idx="2">
-            <a:schemeClr val="dk1"/>
-          </a:lnRef>
-          <a:fillRef idx="0">
-            <a:schemeClr val="dk1"/>
-          </a:fillRef>
-          <a:effectRef idx="1">
-            <a:schemeClr val="dk1"/>
-          </a:effectRef>
-          <a:fontRef idx="minor">
-            <a:schemeClr val="tx1"/>
-          </a:fontRef>
-        </p:style>
-      </p:cxnSp>
-      <p:cxnSp>
-        <p:nvCxnSpPr>
-          <p:cNvPr id="56" name="Straight Arrow Connector 55">
-            <a:extLst>
-              <a:ext uri="{FF2B5EF4-FFF2-40B4-BE49-F238E27FC236}">
-                <a16:creationId xmlns:a16="http://schemas.microsoft.com/office/drawing/2014/main" id="{98762F3F-F09A-76FD-9E26-AC2BD1921CC8}"/>
-              </a:ext>
-            </a:extLst>
-          </p:cNvPr>
-          <p:cNvCxnSpPr>
-            <a:stCxn id="12" idx="1"/>
-            <a:endCxn id="35" idx="3"/>
-          </p:cNvCxnSpPr>
-          <p:nvPr/>
-        </p:nvCxnSpPr>
-        <p:spPr>
-          <a:xfrm flipH="1">
-            <a:off x="6109136" y="4181414"/>
-            <a:ext cx="444773" cy="0"/>
-          </a:xfrm>
-          <a:prstGeom prst="straightConnector1">
-            <a:avLst/>
-          </a:prstGeom>
-          <a:ln>
-            <a:tailEnd type="triangle"/>
-          </a:ln>
-        </p:spPr>
-        <p:style>
-          <a:lnRef idx="2">
-            <a:schemeClr val="dk1"/>
-          </a:lnRef>
-          <a:fillRef idx="0">
-            <a:schemeClr val="dk1"/>
-          </a:fillRef>
-          <a:effectRef idx="1">
-            <a:schemeClr val="dk1"/>
-          </a:effectRef>
-          <a:fontRef idx="minor">
-            <a:schemeClr val="tx1"/>
-          </a:fontRef>
-        </p:style>
-      </p:cxnSp>
-      <p:cxnSp>
-        <p:nvCxnSpPr>
-          <p:cNvPr id="58" name="Straight Arrow Connector 57">
-            <a:extLst>
-              <a:ext uri="{FF2B5EF4-FFF2-40B4-BE49-F238E27FC236}">
-                <a16:creationId xmlns:a16="http://schemas.microsoft.com/office/drawing/2014/main" id="{94259B9A-13EE-B1F5-8C1F-C86088660C3E}"/>
-              </a:ext>
-            </a:extLst>
-          </p:cNvPr>
-          <p:cNvCxnSpPr>
-            <a:cxnSpLocks/>
-            <a:stCxn id="35" idx="1"/>
-            <a:endCxn id="7" idx="3"/>
-          </p:cNvCxnSpPr>
-          <p:nvPr/>
-        </p:nvCxnSpPr>
-        <p:spPr>
-          <a:xfrm flipH="1" flipV="1">
-            <a:off x="4097732" y="4178228"/>
-            <a:ext cx="719810" cy="3186"/>
-          </a:xfrm>
-          <a:prstGeom prst="straightConnector1">
-            <a:avLst/>
-          </a:prstGeom>
-          <a:ln>
-            <a:tailEnd type="triangle"/>
-          </a:ln>
-        </p:spPr>
-        <p:style>
-          <a:lnRef idx="2">
-            <a:schemeClr val="dk1"/>
-          </a:lnRef>
-          <a:fillRef idx="0">
-            <a:schemeClr val="dk1"/>
-          </a:fillRef>
-          <a:effectRef idx="1">
-            <a:schemeClr val="dk1"/>
-          </a:effectRef>
-          <a:fontRef idx="minor">
-            <a:schemeClr val="tx1"/>
-          </a:fontRef>
-        </p:style>
-      </p:cxnSp>
-      <p:sp>
-        <p:nvSpPr>
-          <p:cNvPr id="60" name="TextBox 59">
-            <a:extLst>
-              <a:ext uri="{FF2B5EF4-FFF2-40B4-BE49-F238E27FC236}">
-                <a16:creationId xmlns:a16="http://schemas.microsoft.com/office/drawing/2014/main" id="{91404C0B-A4D5-BD15-44F8-93B4DF3ED477}"/>
-              </a:ext>
-            </a:extLst>
-          </p:cNvPr>
-          <p:cNvSpPr txBox="1"/>
-          <p:nvPr/>
-        </p:nvSpPr>
-        <p:spPr>
-          <a:xfrm>
-            <a:off x="6828031" y="3344205"/>
-            <a:ext cx="1352141" cy="307777"/>
-          </a:xfrm>
-          <a:prstGeom prst="rect">
-            <a:avLst/>
-          </a:prstGeom>
-          <a:noFill/>
-        </p:spPr>
-        <p:txBody>
-          <a:bodyPr wrap="square" rtlCol="0">
-            <a:spAutoFit/>
-          </a:bodyPr>
-          <a:lstStyle/>
-          <a:p>
-            <a:r>
-              <a:rPr lang="en-US" sz="1400" b="1" dirty="0" err="1">
-                <a:latin typeface="Calibri" panose="020F0502020204030204" pitchFamily="34" charset="0"/>
-                <a:cs typeface="Calibri" panose="020F0502020204030204" pitchFamily="34" charset="0"/>
-              </a:rPr>
-              <a:t>Textul</a:t>
-            </a:r>
-            <a:r>
-              <a:rPr lang="en-US" sz="1400" b="1" dirty="0">
-                <a:latin typeface="Calibri" panose="020F0502020204030204" pitchFamily="34" charset="0"/>
-                <a:cs typeface="Calibri" panose="020F0502020204030204" pitchFamily="34" charset="0"/>
-              </a:rPr>
-              <a:t> </a:t>
-            </a:r>
-            <a:r>
-              <a:rPr lang="en-US" sz="1400" b="1" dirty="0" err="1">
-                <a:latin typeface="Calibri" panose="020F0502020204030204" pitchFamily="34" charset="0"/>
-                <a:cs typeface="Calibri" panose="020F0502020204030204" pitchFamily="34" charset="0"/>
-              </a:rPr>
-              <a:t>plăcuței</a:t>
-            </a:r>
-            <a:endParaRPr lang="en-US" sz="1400" b="1" dirty="0">
-              <a:latin typeface="Calibri" panose="020F0502020204030204" pitchFamily="34" charset="0"/>
-              <a:cs typeface="Calibri" panose="020F0502020204030204" pitchFamily="34" charset="0"/>
-            </a:endParaRPr>
-          </a:p>
-        </p:txBody>
-      </p:sp>
-      <p:sp>
-        <p:nvSpPr>
-          <p:cNvPr id="61" name="TextBox 60">
-            <a:extLst>
-              <a:ext uri="{FF2B5EF4-FFF2-40B4-BE49-F238E27FC236}">
-                <a16:creationId xmlns:a16="http://schemas.microsoft.com/office/drawing/2014/main" id="{E46DF95A-36BF-928C-87EF-002109CF7F9D}"/>
-              </a:ext>
-            </a:extLst>
-          </p:cNvPr>
-          <p:cNvSpPr txBox="1"/>
-          <p:nvPr/>
-        </p:nvSpPr>
-        <p:spPr>
-          <a:xfrm>
-            <a:off x="4566233" y="3916618"/>
-            <a:ext cx="1833066" cy="523220"/>
-          </a:xfrm>
-          <a:prstGeom prst="rect">
-            <a:avLst/>
-          </a:prstGeom>
-          <a:noFill/>
-        </p:spPr>
-        <p:txBody>
-          <a:bodyPr wrap="square" rtlCol="0">
-            <a:spAutoFit/>
-          </a:bodyPr>
-          <a:lstStyle/>
-          <a:p>
-            <a:pPr algn="ctr"/>
-            <a:r>
-              <a:rPr lang="en-US" sz="1400" b="1" dirty="0" err="1">
-                <a:latin typeface="Calibri" panose="020F0502020204030204" pitchFamily="34" charset="0"/>
-                <a:cs typeface="Calibri" panose="020F0502020204030204" pitchFamily="34" charset="0"/>
-              </a:rPr>
-              <a:t>Detectarea</a:t>
-            </a:r>
-            <a:r>
-              <a:rPr lang="en-US" sz="1400" b="1" dirty="0">
-                <a:latin typeface="Calibri" panose="020F0502020204030204" pitchFamily="34" charset="0"/>
-                <a:cs typeface="Calibri" panose="020F0502020204030204" pitchFamily="34" charset="0"/>
-              </a:rPr>
-              <a:t> </a:t>
-            </a:r>
-            <a:r>
-              <a:rPr lang="en-US" sz="1400" b="1" dirty="0" err="1">
-                <a:latin typeface="Calibri" panose="020F0502020204030204" pitchFamily="34" charset="0"/>
-                <a:cs typeface="Calibri" panose="020F0502020204030204" pitchFamily="34" charset="0"/>
-              </a:rPr>
-              <a:t>caracterelor</a:t>
-            </a:r>
-            <a:endParaRPr lang="en-US" sz="1400" b="1" dirty="0">
-              <a:latin typeface="Calibri" panose="020F0502020204030204" pitchFamily="34" charset="0"/>
-              <a:cs typeface="Calibri" panose="020F0502020204030204" pitchFamily="34" charset="0"/>
-            </a:endParaRPr>
-          </a:p>
-        </p:txBody>
-      </p:sp>
-      <p:sp>
-        <p:nvSpPr>
-          <p:cNvPr id="64" name="TextBox 63">
-            <a:extLst>
-              <a:ext uri="{FF2B5EF4-FFF2-40B4-BE49-F238E27FC236}">
-                <a16:creationId xmlns:a16="http://schemas.microsoft.com/office/drawing/2014/main" id="{1BCFB40E-C5BA-1B17-1D9A-D19D0E8863D7}"/>
-              </a:ext>
-            </a:extLst>
-          </p:cNvPr>
-          <p:cNvSpPr txBox="1"/>
-          <p:nvPr/>
-        </p:nvSpPr>
-        <p:spPr>
-          <a:xfrm>
-            <a:off x="1521128" y="4025932"/>
-            <a:ext cx="1157525" cy="307777"/>
-          </a:xfrm>
-          <a:prstGeom prst="rect">
-            <a:avLst/>
-          </a:prstGeom>
-          <a:noFill/>
-        </p:spPr>
-        <p:txBody>
-          <a:bodyPr wrap="square" rtlCol="0">
-            <a:spAutoFit/>
-          </a:bodyPr>
-          <a:lstStyle/>
-          <a:p>
-            <a:r>
-              <a:rPr lang="en-US" sz="1400" b="1" dirty="0">
-                <a:latin typeface="Calibri" panose="020F0502020204030204" pitchFamily="34" charset="0"/>
-                <a:cs typeface="Calibri" panose="020F0502020204030204" pitchFamily="34" charset="0"/>
-              </a:rPr>
-              <a:t>Output text</a:t>
-            </a:r>
-          </a:p>
-        </p:txBody>
-      </p:sp>
-      <p:sp>
-        <p:nvSpPr>
-          <p:cNvPr id="7" name="TextBox 6">
-            <a:extLst>
-              <a:ext uri="{FF2B5EF4-FFF2-40B4-BE49-F238E27FC236}">
-                <a16:creationId xmlns:a16="http://schemas.microsoft.com/office/drawing/2014/main" id="{BCF9D500-18B1-973A-8D51-15DDAB0EC0C9}"/>
-              </a:ext>
-            </a:extLst>
-          </p:cNvPr>
-          <p:cNvSpPr txBox="1"/>
-          <p:nvPr/>
-        </p:nvSpPr>
-        <p:spPr>
-          <a:xfrm>
-            <a:off x="2812722" y="3978173"/>
-            <a:ext cx="1285010" cy="400110"/>
-          </a:xfrm>
-          <a:prstGeom prst="rect">
-            <a:avLst/>
-          </a:prstGeom>
-          <a:noFill/>
-        </p:spPr>
-        <p:txBody>
-          <a:bodyPr wrap="square" rtlCol="0">
-            <a:spAutoFit/>
-          </a:bodyPr>
-          <a:lstStyle/>
-          <a:p>
-            <a:r>
-              <a:rPr lang="en-US" sz="2000" b="1" dirty="0">
-                <a:latin typeface="Calibri" panose="020F0502020204030204" pitchFamily="34" charset="0"/>
-                <a:cs typeface="Calibri" panose="020F0502020204030204" pitchFamily="34" charset="0"/>
-              </a:rPr>
-              <a:t>BV20WXP</a:t>
-            </a:r>
-          </a:p>
-        </p:txBody>
-      </p:sp>
-      <p:cxnSp>
-        <p:nvCxnSpPr>
-          <p:cNvPr id="14" name="Straight Arrow Connector 13">
-            <a:extLst>
-              <a:ext uri="{FF2B5EF4-FFF2-40B4-BE49-F238E27FC236}">
-                <a16:creationId xmlns:a16="http://schemas.microsoft.com/office/drawing/2014/main" id="{D8C9C8BF-CA4C-E018-96ED-09AD4149A5D3}"/>
-              </a:ext>
-            </a:extLst>
-          </p:cNvPr>
-          <p:cNvCxnSpPr>
-            <a:stCxn id="7" idx="2"/>
-            <a:endCxn id="23" idx="0"/>
-          </p:cNvCxnSpPr>
-          <p:nvPr/>
-        </p:nvCxnSpPr>
-        <p:spPr>
-          <a:xfrm flipH="1">
-            <a:off x="3438528" y="4378283"/>
-            <a:ext cx="16699" cy="1017351"/>
-          </a:xfrm>
-          <a:prstGeom prst="straightConnector1">
-            <a:avLst/>
-          </a:prstGeom>
-          <a:ln>
-            <a:tailEnd type="triangle"/>
-          </a:ln>
-        </p:spPr>
-        <p:style>
-          <a:lnRef idx="2">
-            <a:schemeClr val="dk1"/>
-          </a:lnRef>
-          <a:fillRef idx="0">
-            <a:schemeClr val="dk1"/>
-          </a:fillRef>
-          <a:effectRef idx="1">
-            <a:schemeClr val="dk1"/>
-          </a:effectRef>
-          <a:fontRef idx="minor">
-            <a:schemeClr val="tx1"/>
-          </a:fontRef>
-        </p:style>
-      </p:cxnSp>
-      <p:sp>
-        <p:nvSpPr>
-          <p:cNvPr id="19" name="TextBox 18">
-            <a:extLst>
-              <a:ext uri="{FF2B5EF4-FFF2-40B4-BE49-F238E27FC236}">
-                <a16:creationId xmlns:a16="http://schemas.microsoft.com/office/drawing/2014/main" id="{C87FCC27-1494-C778-E7AF-09FA64E91FCB}"/>
-              </a:ext>
-            </a:extLst>
-          </p:cNvPr>
-          <p:cNvSpPr txBox="1"/>
-          <p:nvPr/>
-        </p:nvSpPr>
-        <p:spPr>
-          <a:xfrm>
-            <a:off x="2540437" y="5437250"/>
-            <a:ext cx="1835128" cy="523220"/>
-          </a:xfrm>
-          <a:prstGeom prst="rect">
-            <a:avLst/>
-          </a:prstGeom>
-          <a:noFill/>
-        </p:spPr>
-        <p:txBody>
-          <a:bodyPr wrap="square" rtlCol="0">
-            <a:spAutoFit/>
-          </a:bodyPr>
-          <a:lstStyle/>
-          <a:p>
-            <a:pPr algn="ctr"/>
-            <a:r>
-              <a:rPr lang="en-US" sz="1400" b="1" dirty="0" err="1">
-                <a:latin typeface="Calibri" panose="020F0502020204030204" pitchFamily="34" charset="0"/>
-                <a:cs typeface="Calibri" panose="020F0502020204030204" pitchFamily="34" charset="0"/>
-              </a:rPr>
-              <a:t>Validare</a:t>
-            </a:r>
-            <a:r>
-              <a:rPr lang="en-US" sz="1400" b="1" dirty="0">
-                <a:latin typeface="Calibri" panose="020F0502020204030204" pitchFamily="34" charset="0"/>
-                <a:cs typeface="Calibri" panose="020F0502020204030204" pitchFamily="34" charset="0"/>
-              </a:rPr>
-              <a:t> text </a:t>
-            </a:r>
-            <a:r>
-              <a:rPr lang="en-US" sz="1400" b="1" dirty="0" err="1">
-                <a:latin typeface="Calibri" panose="020F0502020204030204" pitchFamily="34" charset="0"/>
-                <a:cs typeface="Calibri" panose="020F0502020204030204" pitchFamily="34" charset="0"/>
-              </a:rPr>
-              <a:t>și</a:t>
-            </a:r>
-            <a:r>
-              <a:rPr lang="en-US" sz="1400" b="1" dirty="0">
-                <a:latin typeface="Calibri" panose="020F0502020204030204" pitchFamily="34" charset="0"/>
-                <a:cs typeface="Calibri" panose="020F0502020204030204" pitchFamily="34" charset="0"/>
-              </a:rPr>
-              <a:t> </a:t>
-            </a:r>
-            <a:r>
-              <a:rPr lang="en-US" sz="1400" b="1" dirty="0" err="1">
-                <a:latin typeface="Calibri" panose="020F0502020204030204" pitchFamily="34" charset="0"/>
-                <a:cs typeface="Calibri" panose="020F0502020204030204" pitchFamily="34" charset="0"/>
-              </a:rPr>
-              <a:t>salvare</a:t>
-            </a:r>
-            <a:r>
-              <a:rPr lang="en-US" sz="1400" b="1" dirty="0">
-                <a:latin typeface="Calibri" panose="020F0502020204030204" pitchFamily="34" charset="0"/>
-                <a:cs typeface="Calibri" panose="020F0502020204030204" pitchFamily="34" charset="0"/>
-              </a:rPr>
-              <a:t> </a:t>
-            </a:r>
-            <a:r>
-              <a:rPr lang="en-US" sz="1400" b="1" dirty="0" err="1">
-                <a:latin typeface="Calibri" panose="020F0502020204030204" pitchFamily="34" charset="0"/>
-                <a:cs typeface="Calibri" panose="020F0502020204030204" pitchFamily="34" charset="0"/>
-              </a:rPr>
-              <a:t>în</a:t>
-            </a:r>
-            <a:r>
-              <a:rPr lang="en-US" sz="1400" b="1" dirty="0">
-                <a:latin typeface="Calibri" panose="020F0502020204030204" pitchFamily="34" charset="0"/>
-                <a:cs typeface="Calibri" panose="020F0502020204030204" pitchFamily="34" charset="0"/>
-              </a:rPr>
-              <a:t> </a:t>
-            </a:r>
-            <a:r>
-              <a:rPr lang="en-US" sz="1400" b="1" dirty="0" err="1">
-                <a:latin typeface="Calibri" panose="020F0502020204030204" pitchFamily="34" charset="0"/>
-                <a:cs typeface="Calibri" panose="020F0502020204030204" pitchFamily="34" charset="0"/>
-              </a:rPr>
-              <a:t>baza</a:t>
-            </a:r>
-            <a:r>
-              <a:rPr lang="en-US" sz="1400" b="1" dirty="0">
-                <a:latin typeface="Calibri" panose="020F0502020204030204" pitchFamily="34" charset="0"/>
-                <a:cs typeface="Calibri" panose="020F0502020204030204" pitchFamily="34" charset="0"/>
-              </a:rPr>
-              <a:t> de date</a:t>
-            </a:r>
-          </a:p>
-        </p:txBody>
-      </p:sp>
-      <p:sp>
-        <p:nvSpPr>
-          <p:cNvPr id="24" name="Oval 23">
-            <a:extLst>
-              <a:ext uri="{FF2B5EF4-FFF2-40B4-BE49-F238E27FC236}">
-                <a16:creationId xmlns:a16="http://schemas.microsoft.com/office/drawing/2014/main" id="{126D5DC6-BE6E-609B-0C86-EDA7A47363D8}"/>
-              </a:ext>
-            </a:extLst>
-          </p:cNvPr>
-          <p:cNvSpPr/>
-          <p:nvPr/>
-        </p:nvSpPr>
-        <p:spPr>
-          <a:xfrm>
-            <a:off x="7151447" y="5375730"/>
-            <a:ext cx="1498060" cy="700392"/>
-          </a:xfrm>
-          <a:prstGeom prst="ellipse">
-            <a:avLst/>
-          </a:prstGeom>
-          <a:solidFill>
-            <a:srgbClr val="FFC000">
-              <a:alpha val="30000"/>
-            </a:srgbClr>
-          </a:solidFill>
-        </p:spPr>
-        <p:style>
-          <a:lnRef idx="2">
-            <a:schemeClr val="accent1">
-              <a:shade val="15000"/>
-            </a:schemeClr>
-          </a:lnRef>
-          <a:fillRef idx="1">
-            <a:schemeClr val="accent1"/>
-          </a:fillRef>
-          <a:effectRef idx="0">
-            <a:schemeClr val="accent1"/>
-          </a:effectRef>
-          <a:fontRef idx="minor">
-            <a:schemeClr val="lt1"/>
-          </a:fontRef>
-        </p:style>
-        <p:txBody>
-          <a:bodyPr rtlCol="0" anchor="ctr"/>
-          <a:lstStyle/>
-          <a:p>
-            <a:pPr algn="ctr"/>
-            <a:endParaRPr lang="en-US"/>
-          </a:p>
-        </p:txBody>
-      </p:sp>
-      <p:sp>
-        <p:nvSpPr>
-          <p:cNvPr id="28" name="Oval 27">
-            <a:extLst>
-              <a:ext uri="{FF2B5EF4-FFF2-40B4-BE49-F238E27FC236}">
-                <a16:creationId xmlns:a16="http://schemas.microsoft.com/office/drawing/2014/main" id="{32BE8CFF-BF3A-F227-F218-3D95FCD0C25A}"/>
-              </a:ext>
-            </a:extLst>
-          </p:cNvPr>
-          <p:cNvSpPr/>
-          <p:nvPr/>
-        </p:nvSpPr>
-        <p:spPr>
-          <a:xfrm>
-            <a:off x="7160655" y="6123049"/>
-            <a:ext cx="1498060" cy="700392"/>
-          </a:xfrm>
-          <a:prstGeom prst="ellipse">
-            <a:avLst/>
-          </a:prstGeom>
-          <a:solidFill>
-            <a:srgbClr val="FFC000">
-              <a:alpha val="30000"/>
-            </a:srgbClr>
-          </a:solidFill>
-        </p:spPr>
-        <p:style>
-          <a:lnRef idx="2">
-            <a:schemeClr val="accent1">
-              <a:shade val="15000"/>
-            </a:schemeClr>
-          </a:lnRef>
-          <a:fillRef idx="1">
-            <a:schemeClr val="accent1"/>
-          </a:fillRef>
-          <a:effectRef idx="0">
-            <a:schemeClr val="accent1"/>
-          </a:effectRef>
-          <a:fontRef idx="minor">
-            <a:schemeClr val="lt1"/>
-          </a:fontRef>
-        </p:style>
-        <p:txBody>
-          <a:bodyPr rtlCol="0" anchor="ctr"/>
-          <a:lstStyle/>
-          <a:p>
-            <a:pPr algn="ctr"/>
-            <a:endParaRPr lang="en-US"/>
-          </a:p>
-        </p:txBody>
-      </p:sp>
-      <p:cxnSp>
-        <p:nvCxnSpPr>
-          <p:cNvPr id="36" name="Straight Arrow Connector 35">
-            <a:extLst>
-              <a:ext uri="{FF2B5EF4-FFF2-40B4-BE49-F238E27FC236}">
-                <a16:creationId xmlns:a16="http://schemas.microsoft.com/office/drawing/2014/main" id="{3C4C668A-D35B-5373-71C2-0CEC9ED4FD88}"/>
-              </a:ext>
-            </a:extLst>
-          </p:cNvPr>
-          <p:cNvCxnSpPr>
-            <a:stCxn id="23" idx="3"/>
-            <a:endCxn id="25" idx="2"/>
-          </p:cNvCxnSpPr>
-          <p:nvPr/>
-        </p:nvCxnSpPr>
-        <p:spPr>
-          <a:xfrm flipV="1">
-            <a:off x="4293143" y="4932304"/>
-            <a:ext cx="828546" cy="790423"/>
-          </a:xfrm>
-          <a:prstGeom prst="straightConnector1">
-            <a:avLst/>
-          </a:prstGeom>
-          <a:ln>
-            <a:tailEnd type="triangle"/>
-          </a:ln>
-        </p:spPr>
-        <p:style>
-          <a:lnRef idx="2">
-            <a:schemeClr val="dk1"/>
-          </a:lnRef>
-          <a:fillRef idx="0">
-            <a:schemeClr val="dk1"/>
-          </a:fillRef>
-          <a:effectRef idx="1">
-            <a:schemeClr val="dk1"/>
-          </a:effectRef>
-          <a:fontRef idx="minor">
-            <a:schemeClr val="tx1"/>
-          </a:fontRef>
-        </p:style>
-      </p:cxnSp>
-      <p:sp>
-        <p:nvSpPr>
-          <p:cNvPr id="38" name="TextBox 37">
-            <a:extLst>
-              <a:ext uri="{FF2B5EF4-FFF2-40B4-BE49-F238E27FC236}">
-                <a16:creationId xmlns:a16="http://schemas.microsoft.com/office/drawing/2014/main" id="{2D4D1945-1026-F155-F508-E38017006972}"/>
-              </a:ext>
-            </a:extLst>
-          </p:cNvPr>
-          <p:cNvSpPr txBox="1"/>
-          <p:nvPr/>
-        </p:nvSpPr>
-        <p:spPr>
-          <a:xfrm rot="18937125">
-            <a:off x="4317903" y="5041988"/>
-            <a:ext cx="811979" cy="307777"/>
-          </a:xfrm>
-          <a:prstGeom prst="rect">
-            <a:avLst/>
-          </a:prstGeom>
-          <a:noFill/>
-        </p:spPr>
-        <p:txBody>
-          <a:bodyPr wrap="square" rtlCol="0">
-            <a:spAutoFit/>
-          </a:bodyPr>
-          <a:lstStyle/>
-          <a:p>
-            <a:r>
-              <a:rPr lang="en-US" sz="1400" b="1" dirty="0" err="1">
-                <a:latin typeface="Calibri" panose="020F0502020204030204" pitchFamily="34" charset="0"/>
-                <a:cs typeface="Calibri" panose="020F0502020204030204" pitchFamily="34" charset="0"/>
-              </a:rPr>
-              <a:t>Intrare</a:t>
-            </a:r>
-            <a:endParaRPr lang="en-US" sz="1400" b="1" dirty="0">
-              <a:latin typeface="Calibri" panose="020F0502020204030204" pitchFamily="34" charset="0"/>
-              <a:cs typeface="Calibri" panose="020F0502020204030204" pitchFamily="34" charset="0"/>
-            </a:endParaRPr>
-          </a:p>
-        </p:txBody>
-      </p:sp>
-      <p:cxnSp>
-        <p:nvCxnSpPr>
-          <p:cNvPr id="40" name="Straight Arrow Connector 39">
-            <a:extLst>
-              <a:ext uri="{FF2B5EF4-FFF2-40B4-BE49-F238E27FC236}">
-                <a16:creationId xmlns:a16="http://schemas.microsoft.com/office/drawing/2014/main" id="{88A6C57F-4F25-F3A1-AD0E-1A41640ADE34}"/>
-              </a:ext>
-            </a:extLst>
-          </p:cNvPr>
-          <p:cNvCxnSpPr>
-            <a:cxnSpLocks/>
-            <a:stCxn id="23" idx="3"/>
-            <a:endCxn id="52" idx="1"/>
-          </p:cNvCxnSpPr>
-          <p:nvPr/>
-        </p:nvCxnSpPr>
-        <p:spPr>
-          <a:xfrm>
-            <a:off x="4293143" y="5722727"/>
-            <a:ext cx="876388" cy="3656"/>
-          </a:xfrm>
-          <a:prstGeom prst="straightConnector1">
-            <a:avLst/>
-          </a:prstGeom>
-          <a:ln>
-            <a:tailEnd type="triangle"/>
-          </a:ln>
-        </p:spPr>
-        <p:style>
-          <a:lnRef idx="2">
-            <a:schemeClr val="dk1"/>
-          </a:lnRef>
-          <a:fillRef idx="0">
-            <a:schemeClr val="dk1"/>
-          </a:fillRef>
-          <a:effectRef idx="1">
-            <a:schemeClr val="dk1"/>
-          </a:effectRef>
-          <a:fontRef idx="minor">
-            <a:schemeClr val="tx1"/>
-          </a:fontRef>
-        </p:style>
-      </p:cxnSp>
-      <p:sp>
-        <p:nvSpPr>
-          <p:cNvPr id="42" name="TextBox 41">
-            <a:extLst>
-              <a:ext uri="{FF2B5EF4-FFF2-40B4-BE49-F238E27FC236}">
-                <a16:creationId xmlns:a16="http://schemas.microsoft.com/office/drawing/2014/main" id="{C69C6C56-906B-EBE9-AC22-870FBB0A3F68}"/>
-              </a:ext>
-            </a:extLst>
-          </p:cNvPr>
-          <p:cNvSpPr txBox="1"/>
-          <p:nvPr/>
-        </p:nvSpPr>
-        <p:spPr>
-          <a:xfrm>
-            <a:off x="6432786" y="5485995"/>
-            <a:ext cx="774217" cy="292388"/>
-          </a:xfrm>
-          <a:prstGeom prst="rect">
-            <a:avLst/>
-          </a:prstGeom>
-          <a:noFill/>
-        </p:spPr>
-        <p:txBody>
-          <a:bodyPr wrap="square" rtlCol="0">
-            <a:spAutoFit/>
-          </a:bodyPr>
-          <a:lstStyle/>
-          <a:p>
-            <a:r>
-              <a:rPr lang="en-US" sz="1300" b="1" dirty="0" err="1">
-                <a:latin typeface="Calibri" panose="020F0502020204030204" pitchFamily="34" charset="0"/>
-                <a:cs typeface="Calibri" panose="020F0502020204030204" pitchFamily="34" charset="0"/>
-              </a:rPr>
-              <a:t>Parcare</a:t>
-            </a:r>
-            <a:endParaRPr lang="en-US" sz="1300" b="1" dirty="0">
-              <a:latin typeface="Calibri" panose="020F0502020204030204" pitchFamily="34" charset="0"/>
-              <a:cs typeface="Calibri" panose="020F0502020204030204" pitchFamily="34" charset="0"/>
-            </a:endParaRPr>
-          </a:p>
-        </p:txBody>
-      </p:sp>
-      <p:sp>
-        <p:nvSpPr>
-          <p:cNvPr id="45" name="TextBox 44">
-            <a:extLst>
-              <a:ext uri="{FF2B5EF4-FFF2-40B4-BE49-F238E27FC236}">
-                <a16:creationId xmlns:a16="http://schemas.microsoft.com/office/drawing/2014/main" id="{E77771F6-1A1F-5B09-FC02-5FBDEF5BA601}"/>
-              </a:ext>
-            </a:extLst>
-          </p:cNvPr>
-          <p:cNvSpPr txBox="1"/>
-          <p:nvPr/>
-        </p:nvSpPr>
-        <p:spPr>
-          <a:xfrm rot="2718537">
-            <a:off x="6566955" y="5952265"/>
-            <a:ext cx="774217" cy="307777"/>
-          </a:xfrm>
-          <a:prstGeom prst="rect">
-            <a:avLst/>
-          </a:prstGeom>
-          <a:noFill/>
-        </p:spPr>
-        <p:txBody>
-          <a:bodyPr wrap="square" rtlCol="0">
-            <a:spAutoFit/>
-          </a:bodyPr>
-          <a:lstStyle/>
-          <a:p>
-            <a:r>
-              <a:rPr lang="en-US" sz="1400" b="1" dirty="0" err="1">
-                <a:latin typeface="Calibri" panose="020F0502020204030204" pitchFamily="34" charset="0"/>
-                <a:cs typeface="Calibri" panose="020F0502020204030204" pitchFamily="34" charset="0"/>
-              </a:rPr>
-              <a:t>Ieșire</a:t>
-            </a:r>
-            <a:endParaRPr lang="en-US" sz="1400" b="1" dirty="0">
-              <a:latin typeface="Calibri" panose="020F0502020204030204" pitchFamily="34" charset="0"/>
-              <a:cs typeface="Calibri" panose="020F0502020204030204" pitchFamily="34" charset="0"/>
-            </a:endParaRPr>
-          </a:p>
-        </p:txBody>
-      </p:sp>
-      <p:sp>
-        <p:nvSpPr>
-          <p:cNvPr id="47" name="TextBox 46">
-            <a:extLst>
-              <a:ext uri="{FF2B5EF4-FFF2-40B4-BE49-F238E27FC236}">
-                <a16:creationId xmlns:a16="http://schemas.microsoft.com/office/drawing/2014/main" id="{71BC75C9-4B1A-88D7-8062-B856A3AFFBAD}"/>
-              </a:ext>
-            </a:extLst>
-          </p:cNvPr>
-          <p:cNvSpPr txBox="1"/>
-          <p:nvPr/>
-        </p:nvSpPr>
-        <p:spPr>
-          <a:xfrm>
-            <a:off x="5247736" y="4607189"/>
-            <a:ext cx="1180127" cy="523220"/>
-          </a:xfrm>
-          <a:prstGeom prst="rect">
-            <a:avLst/>
-          </a:prstGeom>
-          <a:noFill/>
-        </p:spPr>
-        <p:txBody>
-          <a:bodyPr wrap="square" rtlCol="0">
-            <a:spAutoFit/>
-          </a:bodyPr>
-          <a:lstStyle/>
-          <a:p>
-            <a:pPr algn="ctr"/>
-            <a:r>
-              <a:rPr lang="en-US" sz="1400" b="1" dirty="0" err="1">
-                <a:latin typeface="Calibri" panose="020F0502020204030204" pitchFamily="34" charset="0"/>
-                <a:cs typeface="Calibri" panose="020F0502020204030204" pitchFamily="34" charset="0"/>
-              </a:rPr>
-              <a:t>Creare</a:t>
-            </a:r>
-            <a:r>
-              <a:rPr lang="en-US" sz="1400" b="1" dirty="0">
-                <a:latin typeface="Calibri" panose="020F0502020204030204" pitchFamily="34" charset="0"/>
-                <a:cs typeface="Calibri" panose="020F0502020204030204" pitchFamily="34" charset="0"/>
-              </a:rPr>
-              <a:t> </a:t>
-            </a:r>
-            <a:r>
-              <a:rPr lang="en-US" sz="1400" b="1" dirty="0" err="1">
-                <a:latin typeface="Calibri" panose="020F0502020204030204" pitchFamily="34" charset="0"/>
-                <a:cs typeface="Calibri" panose="020F0502020204030204" pitchFamily="34" charset="0"/>
-              </a:rPr>
-              <a:t>sesiune</a:t>
-            </a:r>
-            <a:r>
-              <a:rPr lang="en-US" sz="1400" b="1" dirty="0">
-                <a:latin typeface="Calibri" panose="020F0502020204030204" pitchFamily="34" charset="0"/>
-                <a:cs typeface="Calibri" panose="020F0502020204030204" pitchFamily="34" charset="0"/>
-              </a:rPr>
-              <a:t> </a:t>
-            </a:r>
-            <a:r>
-              <a:rPr lang="en-US" sz="1400" b="1" dirty="0" err="1">
-                <a:latin typeface="Calibri" panose="020F0502020204030204" pitchFamily="34" charset="0"/>
-                <a:cs typeface="Calibri" panose="020F0502020204030204" pitchFamily="34" charset="0"/>
-              </a:rPr>
-              <a:t>nouă</a:t>
-            </a:r>
-            <a:endParaRPr lang="en-US" sz="1400" b="1" dirty="0">
-              <a:latin typeface="Calibri" panose="020F0502020204030204" pitchFamily="34" charset="0"/>
-              <a:cs typeface="Calibri" panose="020F0502020204030204" pitchFamily="34" charset="0"/>
-            </a:endParaRPr>
-          </a:p>
-        </p:txBody>
-      </p:sp>
-      <p:sp>
-        <p:nvSpPr>
-          <p:cNvPr id="50" name="TextBox 49">
-            <a:extLst>
-              <a:ext uri="{FF2B5EF4-FFF2-40B4-BE49-F238E27FC236}">
-                <a16:creationId xmlns:a16="http://schemas.microsoft.com/office/drawing/2014/main" id="{886C26CB-63FC-0069-2D93-5E9F265BB170}"/>
-              </a:ext>
-            </a:extLst>
-          </p:cNvPr>
-          <p:cNvSpPr txBox="1"/>
-          <p:nvPr/>
-        </p:nvSpPr>
-        <p:spPr>
-          <a:xfrm>
-            <a:off x="7160655" y="6255864"/>
-            <a:ext cx="1479644" cy="523220"/>
-          </a:xfrm>
-          <a:prstGeom prst="rect">
-            <a:avLst/>
-          </a:prstGeom>
-          <a:noFill/>
-        </p:spPr>
-        <p:txBody>
-          <a:bodyPr wrap="square" rtlCol="0">
-            <a:spAutoFit/>
-          </a:bodyPr>
-          <a:lstStyle/>
-          <a:p>
-            <a:pPr algn="ctr"/>
-            <a:r>
-              <a:rPr lang="en-US" sz="1400" b="1" dirty="0" err="1">
-                <a:latin typeface="Calibri" panose="020F0502020204030204" pitchFamily="34" charset="0"/>
-                <a:cs typeface="Calibri" panose="020F0502020204030204" pitchFamily="34" charset="0"/>
-              </a:rPr>
-              <a:t>Încheiere</a:t>
-            </a:r>
-            <a:r>
-              <a:rPr lang="en-US" sz="1400" b="1" dirty="0">
-                <a:latin typeface="Calibri" panose="020F0502020204030204" pitchFamily="34" charset="0"/>
-                <a:cs typeface="Calibri" panose="020F0502020204030204" pitchFamily="34" charset="0"/>
-              </a:rPr>
-              <a:t> </a:t>
-            </a:r>
-            <a:r>
-              <a:rPr lang="en-US" sz="1400" b="1" dirty="0" err="1">
-                <a:latin typeface="Calibri" panose="020F0502020204030204" pitchFamily="34" charset="0"/>
-                <a:cs typeface="Calibri" panose="020F0502020204030204" pitchFamily="34" charset="0"/>
-              </a:rPr>
-              <a:t>sesiune</a:t>
-            </a:r>
-            <a:r>
-              <a:rPr lang="en-US" sz="1400" b="1" dirty="0">
-                <a:latin typeface="Calibri" panose="020F0502020204030204" pitchFamily="34" charset="0"/>
-                <a:cs typeface="Calibri" panose="020F0502020204030204" pitchFamily="34" charset="0"/>
-              </a:rPr>
-              <a:t> </a:t>
-            </a:r>
-            <a:r>
-              <a:rPr lang="en-US" sz="1400" b="1" dirty="0" err="1">
-                <a:latin typeface="Calibri" panose="020F0502020204030204" pitchFamily="34" charset="0"/>
-                <a:cs typeface="Calibri" panose="020F0502020204030204" pitchFamily="34" charset="0"/>
-              </a:rPr>
-              <a:t>curentă</a:t>
-            </a:r>
-            <a:endParaRPr lang="en-US" sz="1400" b="1" dirty="0"/>
-          </a:p>
-        </p:txBody>
-      </p:sp>
-      <p:sp>
-        <p:nvSpPr>
-          <p:cNvPr id="51" name="TextBox 50">
-            <a:extLst>
-              <a:ext uri="{FF2B5EF4-FFF2-40B4-BE49-F238E27FC236}">
-                <a16:creationId xmlns:a16="http://schemas.microsoft.com/office/drawing/2014/main" id="{E67B564A-3B37-AC7E-05BA-C5B207E3052C}"/>
-              </a:ext>
-            </a:extLst>
-          </p:cNvPr>
-          <p:cNvSpPr txBox="1"/>
-          <p:nvPr/>
-        </p:nvSpPr>
-        <p:spPr>
-          <a:xfrm>
-            <a:off x="7169864" y="5453018"/>
-            <a:ext cx="1479643" cy="523220"/>
-          </a:xfrm>
-          <a:prstGeom prst="rect">
-            <a:avLst/>
-          </a:prstGeom>
-          <a:noFill/>
-        </p:spPr>
-        <p:txBody>
-          <a:bodyPr wrap="square" rtlCol="0">
-            <a:spAutoFit/>
-          </a:bodyPr>
-          <a:lstStyle/>
-          <a:p>
-            <a:pPr algn="ctr"/>
-            <a:r>
-              <a:rPr lang="en-US" sz="1400" b="1" dirty="0" err="1">
-                <a:latin typeface="Calibri" panose="020F0502020204030204" pitchFamily="34" charset="0"/>
-                <a:cs typeface="Calibri" panose="020F0502020204030204" pitchFamily="34" charset="0"/>
-              </a:rPr>
-              <a:t>Actualizare</a:t>
-            </a:r>
-            <a:r>
-              <a:rPr lang="en-US" sz="1400" b="1" dirty="0">
-                <a:latin typeface="Calibri" panose="020F0502020204030204" pitchFamily="34" charset="0"/>
-                <a:cs typeface="Calibri" panose="020F0502020204030204" pitchFamily="34" charset="0"/>
-              </a:rPr>
-              <a:t> </a:t>
-            </a:r>
-            <a:r>
-              <a:rPr lang="en-US" sz="1400" b="1" dirty="0" err="1">
-                <a:latin typeface="Calibri" panose="020F0502020204030204" pitchFamily="34" charset="0"/>
-                <a:cs typeface="Calibri" panose="020F0502020204030204" pitchFamily="34" charset="0"/>
-              </a:rPr>
-              <a:t>sesiune</a:t>
-            </a:r>
-            <a:r>
-              <a:rPr lang="en-US" sz="1400" b="1" dirty="0">
-                <a:latin typeface="Calibri" panose="020F0502020204030204" pitchFamily="34" charset="0"/>
-                <a:cs typeface="Calibri" panose="020F0502020204030204" pitchFamily="34" charset="0"/>
-              </a:rPr>
-              <a:t> </a:t>
-            </a:r>
-            <a:r>
-              <a:rPr lang="en-US" sz="1400" b="1" dirty="0" err="1">
-                <a:latin typeface="Calibri" panose="020F0502020204030204" pitchFamily="34" charset="0"/>
-                <a:cs typeface="Calibri" panose="020F0502020204030204" pitchFamily="34" charset="0"/>
-              </a:rPr>
-              <a:t>curentă</a:t>
-            </a:r>
-            <a:endParaRPr lang="en-US" sz="1400" b="1" dirty="0">
-              <a:latin typeface="Calibri" panose="020F0502020204030204" pitchFamily="34" charset="0"/>
-              <a:cs typeface="Calibri" panose="020F0502020204030204" pitchFamily="34" charset="0"/>
-            </a:endParaRPr>
-          </a:p>
-        </p:txBody>
-      </p:sp>
-      <p:sp>
-        <p:nvSpPr>
-          <p:cNvPr id="52" name="Rectangle: Rounded Corners 51">
-            <a:extLst>
-              <a:ext uri="{FF2B5EF4-FFF2-40B4-BE49-F238E27FC236}">
-                <a16:creationId xmlns:a16="http://schemas.microsoft.com/office/drawing/2014/main" id="{E593DCEA-2B24-7C1B-BB2A-A137CDC70FFD}"/>
-              </a:ext>
-            </a:extLst>
-          </p:cNvPr>
-          <p:cNvSpPr/>
-          <p:nvPr/>
-        </p:nvSpPr>
-        <p:spPr>
-          <a:xfrm>
-            <a:off x="5169531" y="5464773"/>
-            <a:ext cx="1291594" cy="523220"/>
-          </a:xfrm>
-          <a:prstGeom prst="roundRect">
-            <a:avLst/>
-          </a:prstGeom>
-          <a:noFill/>
-        </p:spPr>
-        <p:style>
-          <a:lnRef idx="2">
-            <a:schemeClr val="accent1">
-              <a:shade val="15000"/>
-            </a:schemeClr>
-          </a:lnRef>
-          <a:fillRef idx="1">
-            <a:schemeClr val="accent1"/>
-          </a:fillRef>
-          <a:effectRef idx="0">
-            <a:schemeClr val="accent1"/>
-          </a:effectRef>
-          <a:fontRef idx="minor">
-            <a:schemeClr val="lt1"/>
-          </a:fontRef>
-        </p:style>
-        <p:txBody>
-          <a:bodyPr rtlCol="0" anchor="ctr"/>
-          <a:lstStyle/>
-          <a:p>
-            <a:pPr algn="ctr"/>
-            <a:endParaRPr lang="en-US"/>
-          </a:p>
-        </p:txBody>
-      </p:sp>
-      <p:cxnSp>
-        <p:nvCxnSpPr>
-          <p:cNvPr id="62" name="Straight Arrow Connector 61">
-            <a:extLst>
-              <a:ext uri="{FF2B5EF4-FFF2-40B4-BE49-F238E27FC236}">
-                <a16:creationId xmlns:a16="http://schemas.microsoft.com/office/drawing/2014/main" id="{A337C504-54EC-D11C-1E08-F3A32DB00157}"/>
-              </a:ext>
-            </a:extLst>
-          </p:cNvPr>
-          <p:cNvCxnSpPr>
-            <a:stCxn id="52" idx="3"/>
-            <a:endCxn id="24" idx="2"/>
-          </p:cNvCxnSpPr>
-          <p:nvPr/>
-        </p:nvCxnSpPr>
-        <p:spPr>
-          <a:xfrm flipV="1">
-            <a:off x="6461125" y="5725926"/>
-            <a:ext cx="690322" cy="457"/>
-          </a:xfrm>
-          <a:prstGeom prst="straightConnector1">
-            <a:avLst/>
-          </a:prstGeom>
-          <a:ln>
-            <a:tailEnd type="triangle"/>
-          </a:ln>
-        </p:spPr>
-        <p:style>
-          <a:lnRef idx="2">
-            <a:schemeClr val="dk1"/>
-          </a:lnRef>
-          <a:fillRef idx="0">
-            <a:schemeClr val="dk1"/>
-          </a:fillRef>
-          <a:effectRef idx="1">
-            <a:schemeClr val="dk1"/>
-          </a:effectRef>
-          <a:fontRef idx="minor">
-            <a:schemeClr val="tx1"/>
-          </a:fontRef>
-        </p:style>
-      </p:cxnSp>
-      <p:cxnSp>
-        <p:nvCxnSpPr>
-          <p:cNvPr id="69" name="Straight Arrow Connector 68">
-            <a:extLst>
-              <a:ext uri="{FF2B5EF4-FFF2-40B4-BE49-F238E27FC236}">
-                <a16:creationId xmlns:a16="http://schemas.microsoft.com/office/drawing/2014/main" id="{2AE50239-6FFC-4888-DF40-C6AC1494A9F3}"/>
-              </a:ext>
-            </a:extLst>
-          </p:cNvPr>
-          <p:cNvCxnSpPr>
-            <a:cxnSpLocks/>
-            <a:stCxn id="75" idx="3"/>
-            <a:endCxn id="28" idx="2"/>
-          </p:cNvCxnSpPr>
-          <p:nvPr/>
-        </p:nvCxnSpPr>
-        <p:spPr>
-          <a:xfrm>
-            <a:off x="6442708" y="5718800"/>
-            <a:ext cx="717947" cy="754445"/>
-          </a:xfrm>
-          <a:prstGeom prst="straightConnector1">
-            <a:avLst/>
-          </a:prstGeom>
-          <a:ln>
-            <a:tailEnd type="triangle"/>
-          </a:ln>
-        </p:spPr>
-        <p:style>
-          <a:lnRef idx="2">
-            <a:schemeClr val="dk1"/>
-          </a:lnRef>
-          <a:fillRef idx="0">
-            <a:schemeClr val="dk1"/>
-          </a:fillRef>
-          <a:effectRef idx="1">
-            <a:schemeClr val="dk1"/>
-          </a:effectRef>
-          <a:fontRef idx="minor">
-            <a:schemeClr val="tx1"/>
-          </a:fontRef>
-        </p:style>
-      </p:cxnSp>
-      <p:sp>
-        <p:nvSpPr>
-          <p:cNvPr id="75" name="TextBox 74">
-            <a:extLst>
-              <a:ext uri="{FF2B5EF4-FFF2-40B4-BE49-F238E27FC236}">
-                <a16:creationId xmlns:a16="http://schemas.microsoft.com/office/drawing/2014/main" id="{996A79D9-A136-383F-7FE7-2FC7D22EFB75}"/>
-              </a:ext>
-            </a:extLst>
-          </p:cNvPr>
-          <p:cNvSpPr txBox="1"/>
-          <p:nvPr/>
-        </p:nvSpPr>
-        <p:spPr>
-          <a:xfrm>
-            <a:off x="5151114" y="5395634"/>
-            <a:ext cx="1291594" cy="646331"/>
-          </a:xfrm>
-          <a:prstGeom prst="rect">
-            <a:avLst/>
-          </a:prstGeom>
-          <a:noFill/>
-        </p:spPr>
-        <p:txBody>
-          <a:bodyPr wrap="square" rtlCol="0">
-            <a:spAutoFit/>
-          </a:bodyPr>
-          <a:lstStyle/>
-          <a:p>
-            <a:pPr algn="ctr"/>
-            <a:r>
-              <a:rPr lang="en-US" sz="1200" b="1" dirty="0" err="1">
-                <a:latin typeface="Calibri" panose="020F0502020204030204" pitchFamily="34" charset="0"/>
-                <a:cs typeface="Calibri" panose="020F0502020204030204" pitchFamily="34" charset="0"/>
-              </a:rPr>
-              <a:t>Căutare</a:t>
-            </a:r>
-            <a:r>
-              <a:rPr lang="en-US" sz="1200" b="1" dirty="0">
-                <a:latin typeface="Calibri" panose="020F0502020204030204" pitchFamily="34" charset="0"/>
-                <a:cs typeface="Calibri" panose="020F0502020204030204" pitchFamily="34" charset="0"/>
-              </a:rPr>
-              <a:t> </a:t>
-            </a:r>
-            <a:r>
-              <a:rPr lang="en-US" sz="1200" b="1" dirty="0" err="1">
-                <a:latin typeface="Calibri" panose="020F0502020204030204" pitchFamily="34" charset="0"/>
-                <a:cs typeface="Calibri" panose="020F0502020204030204" pitchFamily="34" charset="0"/>
-              </a:rPr>
-              <a:t>sesiune</a:t>
-            </a:r>
-            <a:r>
-              <a:rPr lang="en-US" sz="1200" b="1" dirty="0">
-                <a:latin typeface="Calibri" panose="020F0502020204030204" pitchFamily="34" charset="0"/>
-                <a:cs typeface="Calibri" panose="020F0502020204030204" pitchFamily="34" charset="0"/>
-              </a:rPr>
-              <a:t> </a:t>
-            </a:r>
-            <a:r>
-              <a:rPr lang="en-US" sz="1200" b="1" dirty="0" err="1">
-                <a:latin typeface="Calibri" panose="020F0502020204030204" pitchFamily="34" charset="0"/>
-                <a:cs typeface="Calibri" panose="020F0502020204030204" pitchFamily="34" charset="0"/>
-              </a:rPr>
-              <a:t>curentă</a:t>
-            </a:r>
-            <a:r>
-              <a:rPr lang="en-US" sz="1200" b="1" dirty="0">
-                <a:latin typeface="Calibri" panose="020F0502020204030204" pitchFamily="34" charset="0"/>
-                <a:cs typeface="Calibri" panose="020F0502020204030204" pitchFamily="34" charset="0"/>
-              </a:rPr>
-              <a:t> </a:t>
-            </a:r>
-            <a:r>
-              <a:rPr lang="en-US" sz="1200" b="1" dirty="0" err="1">
-                <a:latin typeface="Calibri" panose="020F0502020204030204" pitchFamily="34" charset="0"/>
-                <a:cs typeface="Calibri" panose="020F0502020204030204" pitchFamily="34" charset="0"/>
-              </a:rPr>
-              <a:t>după</a:t>
-            </a:r>
-            <a:r>
-              <a:rPr lang="en-US" sz="1200" b="1" dirty="0">
-                <a:latin typeface="Calibri" panose="020F0502020204030204" pitchFamily="34" charset="0"/>
-                <a:cs typeface="Calibri" panose="020F0502020204030204" pitchFamily="34" charset="0"/>
-              </a:rPr>
-              <a:t> </a:t>
-            </a:r>
-            <a:r>
-              <a:rPr lang="en-US" sz="1200" b="1" dirty="0" err="1">
-                <a:latin typeface="Calibri" panose="020F0502020204030204" pitchFamily="34" charset="0"/>
-                <a:cs typeface="Calibri" panose="020F0502020204030204" pitchFamily="34" charset="0"/>
-              </a:rPr>
-              <a:t>textul</a:t>
-            </a:r>
-            <a:r>
-              <a:rPr lang="en-US" sz="1200" b="1" dirty="0">
-                <a:latin typeface="Calibri" panose="020F0502020204030204" pitchFamily="34" charset="0"/>
-                <a:cs typeface="Calibri" panose="020F0502020204030204" pitchFamily="34" charset="0"/>
-              </a:rPr>
-              <a:t> </a:t>
-            </a:r>
-            <a:r>
-              <a:rPr lang="en-US" sz="1200" b="1" dirty="0" err="1">
-                <a:latin typeface="Calibri" panose="020F0502020204030204" pitchFamily="34" charset="0"/>
-                <a:cs typeface="Calibri" panose="020F0502020204030204" pitchFamily="34" charset="0"/>
-              </a:rPr>
-              <a:t>recunoscut</a:t>
-            </a:r>
-            <a:endParaRPr lang="en-US" sz="1200" b="1" dirty="0">
-              <a:latin typeface="Calibri" panose="020F0502020204030204" pitchFamily="34" charset="0"/>
-              <a:cs typeface="Calibri" panose="020F0502020204030204" pitchFamily="34" charset="0"/>
-            </a:endParaRPr>
-          </a:p>
-        </p:txBody>
-      </p:sp>
-    </p:spTree>
-    <p:extLst>
-      <p:ext uri="{BB962C8B-B14F-4D97-AF65-F5344CB8AC3E}">
-        <p14:creationId xmlns:p14="http://schemas.microsoft.com/office/powerpoint/2010/main" val="351663213"/>
-      </p:ext>
-    </p:extLst>
-  </p:cSld>
-  <p:clrMapOvr>
-    <a:masterClrMapping/>
-  </p:clrMapOvr>
-</p:sld>
-</file>
-
-<file path=ppt/slides/slide5.xml><?xml version="1.0" encoding="utf-8"?>
-<p:sld xmlns:a="http://schemas.openxmlformats.org/drawingml/2006/main" xmlns:r="http://schemas.openxmlformats.org/officeDocument/2006/relationships" xmlns:p="http://schemas.openxmlformats.org/presentationml/2006/main">
-  <p:cSld>
-    <p:spTree>
-      <p:nvGrpSpPr>
-        <p:cNvPr id="1" name=""/>
-        <p:cNvGrpSpPr/>
-        <p:nvPr/>
-      </p:nvGrpSpPr>
-      <p:grpSpPr>
-        <a:xfrm>
-          <a:off x="0" y="0"/>
-          <a:ext cx="0" cy="0"/>
-          <a:chOff x="0" y="0"/>
-          <a:chExt cx="0" cy="0"/>
-        </a:xfrm>
-      </p:grpSpPr>
-      <p:pic>
-        <p:nvPicPr>
-          <p:cNvPr id="2" name="Content Placeholder 4">
-            <a:extLst>
-              <a:ext uri="{FF2B5EF4-FFF2-40B4-BE49-F238E27FC236}">
                 <a16:creationId xmlns:a16="http://schemas.microsoft.com/office/drawing/2014/main" id="{F00F8938-337E-C23D-09CB-BCB208210D6A}"/>
               </a:ext>
             </a:extLst>
@@ -10318,7 +5700,7 @@
         <p:spPr>
           <a:xfrm>
             <a:off x="3447471" y="391051"/>
-            <a:ext cx="5297058" cy="523220"/>
+            <a:ext cx="5297058" cy="954107"/>
           </a:xfrm>
           <a:prstGeom prst="rect">
             <a:avLst/>
@@ -10331,6 +5713,7 @@
           </a:bodyPr>
           <a:lstStyle/>
           <a:p>
+            <a:pPr algn="ctr"/>
             <a:r>
               <a:rPr lang="en-US" sz="2800" b="1" dirty="0" err="1">
                 <a:latin typeface="Calibri" panose="020F0502020204030204" pitchFamily="34" charset="0"/>
@@ -10366,10 +5749,27 @@
               </a:rPr>
               <a:t>intrare</a:t>
             </a:r>
-            <a:endParaRPr lang="en-US" sz="2800" b="1" dirty="0">
-              <a:latin typeface="Calibri" panose="020F0502020204030204" pitchFamily="34" charset="0"/>
-              <a:cs typeface="Calibri" panose="020F0502020204030204" pitchFamily="34" charset="0"/>
-            </a:endParaRPr>
+            <a:r>
+              <a:rPr lang="en-US" sz="2800" b="1" dirty="0">
+                <a:latin typeface="Calibri" panose="020F0502020204030204" pitchFamily="34" charset="0"/>
+                <a:cs typeface="Calibri" panose="020F0502020204030204" pitchFamily="34" charset="0"/>
+              </a:rPr>
+              <a:t> de la o </a:t>
+            </a:r>
+            <a:r>
+              <a:rPr lang="en-US" sz="2800" b="1" dirty="0" err="1">
+                <a:latin typeface="Calibri" panose="020F0502020204030204" pitchFamily="34" charset="0"/>
+                <a:cs typeface="Calibri" panose="020F0502020204030204" pitchFamily="34" charset="0"/>
+              </a:rPr>
+              <a:t>cameră</a:t>
+            </a:r>
+            <a:r>
+              <a:rPr lang="en-US" sz="2800" b="1" dirty="0">
+                <a:latin typeface="Calibri" panose="020F0502020204030204" pitchFamily="34" charset="0"/>
+                <a:cs typeface="Calibri" panose="020F0502020204030204" pitchFamily="34" charset="0"/>
+              </a:rPr>
+              <a:t> video</a:t>
+            </a:r>
           </a:p>
         </p:txBody>
       </p:sp>
@@ -11813,7 +7213,7 @@
 </p:sld>
 </file>
 
-<file path=ppt/slides/slide6.xml><?xml version="1.0" encoding="utf-8"?>
+<file path=ppt/slides/slide5.xml><?xml version="1.0" encoding="utf-8"?>
 <p:sld xmlns:a="http://schemas.openxmlformats.org/drawingml/2006/main" xmlns:r="http://schemas.openxmlformats.org/officeDocument/2006/relationships" xmlns:p="http://schemas.openxmlformats.org/presentationml/2006/main">
   <p:cSld>
     <p:spTree>
@@ -12492,7 +7892,7 @@
 </p:sld>
 </file>
 
-<file path=ppt/slides/slide7.xml><?xml version="1.0" encoding="utf-8"?>
+<file path=ppt/slides/slide6.xml><?xml version="1.0" encoding="utf-8"?>
 <p:sld xmlns:a="http://schemas.openxmlformats.org/drawingml/2006/main" xmlns:r="http://schemas.openxmlformats.org/officeDocument/2006/relationships" xmlns:p="http://schemas.openxmlformats.org/presentationml/2006/main">
   <p:cSld>
     <p:spTree>
@@ -14701,7 +10101,7 @@
 </p:sld>
 </file>
 
-<file path=ppt/slides/slide8.xml><?xml version="1.0" encoding="utf-8"?>
+<file path=ppt/slides/slide7.xml><?xml version="1.0" encoding="utf-8"?>
 <p:sld xmlns:a="http://schemas.openxmlformats.org/drawingml/2006/main" xmlns:r="http://schemas.openxmlformats.org/officeDocument/2006/relationships" xmlns:p="http://schemas.openxmlformats.org/presentationml/2006/main">
   <p:cSld>
     <p:spTree>
@@ -15005,8 +10405,8 @@
         </p:nvSpPr>
         <p:spPr>
           <a:xfrm>
-            <a:off x="580642" y="3389178"/>
-            <a:ext cx="11462201" cy="2970044"/>
+            <a:off x="580642" y="3589138"/>
+            <a:ext cx="11462201" cy="2185214"/>
           </a:xfrm>
           <a:prstGeom prst="rect">
             <a:avLst/>
@@ -16008,523 +11408,6 @@
             </a:r>
           </a:p>
           <a:p>
-            <a:pPr>
-              <a:buFont typeface="Arial" panose="020B0604020202020204" pitchFamily="34" charset="0"/>
-              <a:buChar char="•"/>
-            </a:pPr>
-            <a:endParaRPr lang="en-US" sz="1700" b="0" i="0" dirty="0">
-              <a:solidFill>
-                <a:srgbClr val="0D0D0D"/>
-              </a:solidFill>
-              <a:effectLst/>
-              <a:highlight>
-                <a:srgbClr val="FFFFFF"/>
-              </a:highlight>
-              <a:latin typeface="Calibri" panose="020F0502020204030204" pitchFamily="34" charset="0"/>
-              <a:cs typeface="Calibri" panose="020F0502020204030204" pitchFamily="34" charset="0"/>
-            </a:endParaRPr>
-          </a:p>
-          <a:p>
-            <a:pPr>
-              <a:buFont typeface="Arial" panose="020B0604020202020204" pitchFamily="34" charset="0"/>
-              <a:buChar char="•"/>
-            </a:pPr>
-            <a:r>
-              <a:rPr lang="en-US" sz="1700" b="0" i="0" dirty="0">
-                <a:solidFill>
-                  <a:srgbClr val="0D0D0D"/>
-                </a:solidFill>
-                <a:effectLst/>
-                <a:highlight>
-                  <a:srgbClr val="FFFFFF"/>
-                </a:highlight>
-                <a:latin typeface="Calibri" panose="020F0502020204030204" pitchFamily="34" charset="0"/>
-                <a:cs typeface="Calibri" panose="020F0502020204030204" pitchFamily="34" charset="0"/>
-              </a:rPr>
-              <a:t> </a:t>
-            </a:r>
-            <a:r>
-              <a:rPr lang="en-US" sz="1700" b="0" i="0" dirty="0" err="1">
-                <a:solidFill>
-                  <a:srgbClr val="0D0D0D"/>
-                </a:solidFill>
-                <a:effectLst/>
-                <a:highlight>
-                  <a:srgbClr val="FFFFFF"/>
-                </a:highlight>
-                <a:latin typeface="Calibri" panose="020F0502020204030204" pitchFamily="34" charset="0"/>
-                <a:cs typeface="Calibri" panose="020F0502020204030204" pitchFamily="34" charset="0"/>
-              </a:rPr>
-              <a:t>Sistemul</a:t>
-            </a:r>
-            <a:r>
-              <a:rPr lang="en-US" sz="1700" b="0" i="0" dirty="0">
-                <a:solidFill>
-                  <a:srgbClr val="0D0D0D"/>
-                </a:solidFill>
-                <a:effectLst/>
-                <a:highlight>
-                  <a:srgbClr val="FFFFFF"/>
-                </a:highlight>
-                <a:latin typeface="Calibri" panose="020F0502020204030204" pitchFamily="34" charset="0"/>
-                <a:cs typeface="Calibri" panose="020F0502020204030204" pitchFamily="34" charset="0"/>
-              </a:rPr>
-              <a:t> </a:t>
-            </a:r>
-            <a:r>
-              <a:rPr lang="en-US" sz="1700" b="0" i="0" dirty="0" err="1">
-                <a:solidFill>
-                  <a:srgbClr val="0D0D0D"/>
-                </a:solidFill>
-                <a:effectLst/>
-                <a:highlight>
-                  <a:srgbClr val="FFFFFF"/>
-                </a:highlight>
-                <a:latin typeface="Calibri" panose="020F0502020204030204" pitchFamily="34" charset="0"/>
-                <a:cs typeface="Calibri" panose="020F0502020204030204" pitchFamily="34" charset="0"/>
-              </a:rPr>
-              <a:t>permite</a:t>
-            </a:r>
-            <a:r>
-              <a:rPr lang="en-US" sz="1700" b="0" i="0" dirty="0">
-                <a:solidFill>
-                  <a:srgbClr val="0D0D0D"/>
-                </a:solidFill>
-                <a:effectLst/>
-                <a:highlight>
-                  <a:srgbClr val="FFFFFF"/>
-                </a:highlight>
-                <a:latin typeface="Calibri" panose="020F0502020204030204" pitchFamily="34" charset="0"/>
-                <a:cs typeface="Calibri" panose="020F0502020204030204" pitchFamily="34" charset="0"/>
-              </a:rPr>
-              <a:t> </a:t>
-            </a:r>
-            <a:r>
-              <a:rPr lang="en-US" sz="1700" b="0" i="0" dirty="0" err="1">
-                <a:solidFill>
-                  <a:srgbClr val="0D0D0D"/>
-                </a:solidFill>
-                <a:effectLst/>
-                <a:highlight>
-                  <a:srgbClr val="FFFFFF"/>
-                </a:highlight>
-                <a:latin typeface="Calibri" panose="020F0502020204030204" pitchFamily="34" charset="0"/>
-                <a:cs typeface="Calibri" panose="020F0502020204030204" pitchFamily="34" charset="0"/>
-              </a:rPr>
-              <a:t>ieșirea</a:t>
-            </a:r>
-            <a:r>
-              <a:rPr lang="en-US" sz="1700" b="0" i="0" dirty="0">
-                <a:solidFill>
-                  <a:srgbClr val="0D0D0D"/>
-                </a:solidFill>
-                <a:effectLst/>
-                <a:highlight>
-                  <a:srgbClr val="FFFFFF"/>
-                </a:highlight>
-                <a:latin typeface="Calibri" panose="020F0502020204030204" pitchFamily="34" charset="0"/>
-                <a:cs typeface="Calibri" panose="020F0502020204030204" pitchFamily="34" charset="0"/>
-              </a:rPr>
-              <a:t> </a:t>
-            </a:r>
-            <a:r>
-              <a:rPr lang="en-US" sz="1700" b="0" i="0" dirty="0" err="1">
-                <a:solidFill>
-                  <a:srgbClr val="0D0D0D"/>
-                </a:solidFill>
-                <a:effectLst/>
-                <a:highlight>
-                  <a:srgbClr val="FFFFFF"/>
-                </a:highlight>
-                <a:latin typeface="Calibri" panose="020F0502020204030204" pitchFamily="34" charset="0"/>
-                <a:cs typeface="Calibri" panose="020F0502020204030204" pitchFamily="34" charset="0"/>
-              </a:rPr>
-              <a:t>automată</a:t>
-            </a:r>
-            <a:r>
-              <a:rPr lang="en-US" sz="1700" b="0" i="0" dirty="0">
-                <a:solidFill>
-                  <a:srgbClr val="0D0D0D"/>
-                </a:solidFill>
-                <a:effectLst/>
-                <a:highlight>
-                  <a:srgbClr val="FFFFFF"/>
-                </a:highlight>
-                <a:latin typeface="Calibri" panose="020F0502020204030204" pitchFamily="34" charset="0"/>
-                <a:cs typeface="Calibri" panose="020F0502020204030204" pitchFamily="34" charset="0"/>
-              </a:rPr>
-              <a:t> din </a:t>
-            </a:r>
-            <a:r>
-              <a:rPr lang="en-US" sz="1700" b="0" i="0" dirty="0" err="1">
-                <a:solidFill>
-                  <a:srgbClr val="0D0D0D"/>
-                </a:solidFill>
-                <a:effectLst/>
-                <a:highlight>
-                  <a:srgbClr val="FFFFFF"/>
-                </a:highlight>
-                <a:latin typeface="Calibri" panose="020F0502020204030204" pitchFamily="34" charset="0"/>
-                <a:cs typeface="Calibri" panose="020F0502020204030204" pitchFamily="34" charset="0"/>
-              </a:rPr>
-              <a:t>parcare</a:t>
-            </a:r>
-            <a:r>
-              <a:rPr lang="en-US" sz="1700" b="0" i="0" dirty="0">
-                <a:solidFill>
-                  <a:srgbClr val="0D0D0D"/>
-                </a:solidFill>
-                <a:effectLst/>
-                <a:highlight>
-                  <a:srgbClr val="FFFFFF"/>
-                </a:highlight>
-                <a:latin typeface="Calibri" panose="020F0502020204030204" pitchFamily="34" charset="0"/>
-                <a:cs typeface="Calibri" panose="020F0502020204030204" pitchFamily="34" charset="0"/>
-              </a:rPr>
-              <a:t> </a:t>
-            </a:r>
-            <a:r>
-              <a:rPr lang="en-US" sz="1700" b="0" i="0" dirty="0" err="1">
-                <a:solidFill>
-                  <a:srgbClr val="0D0D0D"/>
-                </a:solidFill>
-                <a:effectLst/>
-                <a:highlight>
-                  <a:srgbClr val="FFFFFF"/>
-                </a:highlight>
-                <a:latin typeface="Calibri" panose="020F0502020204030204" pitchFamily="34" charset="0"/>
-                <a:cs typeface="Calibri" panose="020F0502020204030204" pitchFamily="34" charset="0"/>
-              </a:rPr>
-              <a:t>prin</a:t>
-            </a:r>
-            <a:r>
-              <a:rPr lang="en-US" sz="1700" b="0" i="0" dirty="0">
-                <a:solidFill>
-                  <a:srgbClr val="0D0D0D"/>
-                </a:solidFill>
-                <a:effectLst/>
-                <a:highlight>
-                  <a:srgbClr val="FFFFFF"/>
-                </a:highlight>
-                <a:latin typeface="Calibri" panose="020F0502020204030204" pitchFamily="34" charset="0"/>
-                <a:cs typeface="Calibri" panose="020F0502020204030204" pitchFamily="34" charset="0"/>
-              </a:rPr>
-              <a:t> </a:t>
-            </a:r>
-            <a:r>
-              <a:rPr lang="en-US" sz="1700" b="0" i="0" dirty="0" err="1">
-                <a:solidFill>
-                  <a:srgbClr val="0D0D0D"/>
-                </a:solidFill>
-                <a:effectLst/>
-                <a:highlight>
-                  <a:srgbClr val="FFFFFF"/>
-                </a:highlight>
-                <a:latin typeface="Calibri" panose="020F0502020204030204" pitchFamily="34" charset="0"/>
-                <a:cs typeface="Calibri" panose="020F0502020204030204" pitchFamily="34" charset="0"/>
-              </a:rPr>
-              <a:t>intermediul</a:t>
-            </a:r>
-            <a:r>
-              <a:rPr lang="en-US" sz="1700" b="0" i="0" dirty="0">
-                <a:solidFill>
-                  <a:srgbClr val="0D0D0D"/>
-                </a:solidFill>
-                <a:effectLst/>
-                <a:highlight>
-                  <a:srgbClr val="FFFFFF"/>
-                </a:highlight>
-                <a:latin typeface="Calibri" panose="020F0502020204030204" pitchFamily="34" charset="0"/>
-                <a:cs typeface="Calibri" panose="020F0502020204030204" pitchFamily="34" charset="0"/>
-              </a:rPr>
-              <a:t> “</a:t>
-            </a:r>
-            <a:r>
-              <a:rPr lang="en-US" sz="1700" b="0" i="0" dirty="0" err="1">
-                <a:solidFill>
-                  <a:srgbClr val="0D0D0D"/>
-                </a:solidFill>
-                <a:effectLst/>
-                <a:highlight>
-                  <a:srgbClr val="FFFFFF"/>
-                </a:highlight>
-                <a:latin typeface="Calibri" panose="020F0502020204030204" pitchFamily="34" charset="0"/>
-                <a:cs typeface="Calibri" panose="020F0502020204030204" pitchFamily="34" charset="0"/>
-              </a:rPr>
-              <a:t>SecretID-ului</a:t>
-            </a:r>
-            <a:r>
-              <a:rPr lang="en-US" sz="1700" b="0" i="0" dirty="0">
-                <a:solidFill>
-                  <a:srgbClr val="0D0D0D"/>
-                </a:solidFill>
-                <a:effectLst/>
-                <a:highlight>
-                  <a:srgbClr val="FFFFFF"/>
-                </a:highlight>
-                <a:latin typeface="Calibri" panose="020F0502020204030204" pitchFamily="34" charset="0"/>
-                <a:cs typeface="Calibri" panose="020F0502020204030204" pitchFamily="34" charset="0"/>
-              </a:rPr>
-              <a:t>”, </a:t>
-            </a:r>
-            <a:r>
-              <a:rPr lang="en-US" sz="1700" b="0" i="0" dirty="0" err="1">
-                <a:solidFill>
-                  <a:srgbClr val="0D0D0D"/>
-                </a:solidFill>
-                <a:effectLst/>
-                <a:highlight>
-                  <a:srgbClr val="FFFFFF"/>
-                </a:highlight>
-                <a:latin typeface="Calibri" panose="020F0502020204030204" pitchFamily="34" charset="0"/>
-                <a:cs typeface="Calibri" panose="020F0502020204030204" pitchFamily="34" charset="0"/>
-              </a:rPr>
-              <a:t>eliminând</a:t>
-            </a:r>
-            <a:r>
-              <a:rPr lang="en-US" sz="1700" b="0" i="0" dirty="0">
-                <a:solidFill>
-                  <a:srgbClr val="0D0D0D"/>
-                </a:solidFill>
-                <a:effectLst/>
-                <a:highlight>
-                  <a:srgbClr val="FFFFFF"/>
-                </a:highlight>
-                <a:latin typeface="Calibri" panose="020F0502020204030204" pitchFamily="34" charset="0"/>
-                <a:cs typeface="Calibri" panose="020F0502020204030204" pitchFamily="34" charset="0"/>
-              </a:rPr>
-              <a:t> </a:t>
-            </a:r>
-            <a:r>
-              <a:rPr lang="en-US" sz="1700" b="0" i="0" dirty="0" err="1">
-                <a:solidFill>
-                  <a:srgbClr val="0D0D0D"/>
-                </a:solidFill>
-                <a:effectLst/>
-                <a:highlight>
-                  <a:srgbClr val="FFFFFF"/>
-                </a:highlight>
-                <a:latin typeface="Calibri" panose="020F0502020204030204" pitchFamily="34" charset="0"/>
-                <a:cs typeface="Calibri" panose="020F0502020204030204" pitchFamily="34" charset="0"/>
-              </a:rPr>
-              <a:t>necesitatea</a:t>
-            </a:r>
-            <a:r>
-              <a:rPr lang="en-US" sz="1700" b="0" i="0" dirty="0">
-                <a:solidFill>
-                  <a:srgbClr val="0D0D0D"/>
-                </a:solidFill>
-                <a:effectLst/>
-                <a:highlight>
-                  <a:srgbClr val="FFFFFF"/>
-                </a:highlight>
-                <a:latin typeface="Calibri" panose="020F0502020204030204" pitchFamily="34" charset="0"/>
-                <a:cs typeface="Calibri" panose="020F0502020204030204" pitchFamily="34" charset="0"/>
-              </a:rPr>
-              <a:t> </a:t>
-            </a:r>
-            <a:r>
-              <a:rPr lang="en-US" sz="1700" b="0" i="0" dirty="0" err="1">
-                <a:solidFill>
-                  <a:srgbClr val="0D0D0D"/>
-                </a:solidFill>
-                <a:effectLst/>
-                <a:highlight>
-                  <a:srgbClr val="FFFFFF"/>
-                </a:highlight>
-                <a:latin typeface="Calibri" panose="020F0502020204030204" pitchFamily="34" charset="0"/>
-                <a:cs typeface="Calibri" panose="020F0502020204030204" pitchFamily="34" charset="0"/>
-              </a:rPr>
-              <a:t>intervenției</a:t>
-            </a:r>
-            <a:r>
-              <a:rPr lang="en-US" sz="1700" b="0" i="0" dirty="0">
-                <a:solidFill>
-                  <a:srgbClr val="0D0D0D"/>
-                </a:solidFill>
-                <a:effectLst/>
-                <a:highlight>
-                  <a:srgbClr val="FFFFFF"/>
-                </a:highlight>
-                <a:latin typeface="Calibri" panose="020F0502020204030204" pitchFamily="34" charset="0"/>
-                <a:cs typeface="Calibri" panose="020F0502020204030204" pitchFamily="34" charset="0"/>
-              </a:rPr>
-              <a:t> </a:t>
-            </a:r>
-            <a:r>
-              <a:rPr lang="en-US" sz="1700" b="0" i="0" dirty="0" err="1">
-                <a:solidFill>
-                  <a:srgbClr val="0D0D0D"/>
-                </a:solidFill>
-                <a:effectLst/>
-                <a:highlight>
-                  <a:srgbClr val="FFFFFF"/>
-                </a:highlight>
-                <a:latin typeface="Calibri" panose="020F0502020204030204" pitchFamily="34" charset="0"/>
-                <a:cs typeface="Calibri" panose="020F0502020204030204" pitchFamily="34" charset="0"/>
-              </a:rPr>
-              <a:t>manuale</a:t>
-            </a:r>
-            <a:r>
-              <a:rPr lang="en-US" sz="1700" b="0" i="0" dirty="0">
-                <a:solidFill>
-                  <a:srgbClr val="0D0D0D"/>
-                </a:solidFill>
-                <a:effectLst/>
-                <a:highlight>
-                  <a:srgbClr val="FFFFFF"/>
-                </a:highlight>
-                <a:latin typeface="Calibri" panose="020F0502020204030204" pitchFamily="34" charset="0"/>
-                <a:cs typeface="Calibri" panose="020F0502020204030204" pitchFamily="34" charset="0"/>
-              </a:rPr>
-              <a:t> </a:t>
-            </a:r>
-            <a:r>
-              <a:rPr lang="en-US" sz="1700" b="0" i="0" dirty="0" err="1">
-                <a:solidFill>
-                  <a:srgbClr val="0D0D0D"/>
-                </a:solidFill>
-                <a:effectLst/>
-                <a:highlight>
-                  <a:srgbClr val="FFFFFF"/>
-                </a:highlight>
-                <a:latin typeface="Calibri" panose="020F0502020204030204" pitchFamily="34" charset="0"/>
-                <a:cs typeface="Calibri" panose="020F0502020204030204" pitchFamily="34" charset="0"/>
-              </a:rPr>
-              <a:t>și</a:t>
-            </a:r>
-            <a:r>
-              <a:rPr lang="en-US" sz="1700" b="0" i="0" dirty="0">
-                <a:solidFill>
-                  <a:srgbClr val="0D0D0D"/>
-                </a:solidFill>
-                <a:effectLst/>
-                <a:highlight>
-                  <a:srgbClr val="FFFFFF"/>
-                </a:highlight>
-                <a:latin typeface="Calibri" panose="020F0502020204030204" pitchFamily="34" charset="0"/>
-                <a:cs typeface="Calibri" panose="020F0502020204030204" pitchFamily="34" charset="0"/>
-              </a:rPr>
-              <a:t> </a:t>
-            </a:r>
-            <a:r>
-              <a:rPr lang="en-US" sz="1700" b="0" i="0" dirty="0" err="1">
-                <a:solidFill>
-                  <a:srgbClr val="0D0D0D"/>
-                </a:solidFill>
-                <a:effectLst/>
-                <a:highlight>
-                  <a:srgbClr val="FFFFFF"/>
-                </a:highlight>
-                <a:latin typeface="Calibri" panose="020F0502020204030204" pitchFamily="34" charset="0"/>
-                <a:cs typeface="Calibri" panose="020F0502020204030204" pitchFamily="34" charset="0"/>
-              </a:rPr>
-              <a:t>simplificând</a:t>
-            </a:r>
-            <a:r>
-              <a:rPr lang="en-US" sz="1700" b="0" i="0" dirty="0">
-                <a:solidFill>
-                  <a:srgbClr val="0D0D0D"/>
-                </a:solidFill>
-                <a:effectLst/>
-                <a:highlight>
-                  <a:srgbClr val="FFFFFF"/>
-                </a:highlight>
-                <a:latin typeface="Calibri" panose="020F0502020204030204" pitchFamily="34" charset="0"/>
-                <a:cs typeface="Calibri" panose="020F0502020204030204" pitchFamily="34" charset="0"/>
-              </a:rPr>
-              <a:t> </a:t>
-            </a:r>
-            <a:r>
-              <a:rPr lang="en-US" sz="1700" b="0" i="0" dirty="0" err="1">
-                <a:solidFill>
-                  <a:srgbClr val="0D0D0D"/>
-                </a:solidFill>
-                <a:effectLst/>
-                <a:highlight>
-                  <a:srgbClr val="FFFFFF"/>
-                </a:highlight>
-                <a:latin typeface="Calibri" panose="020F0502020204030204" pitchFamily="34" charset="0"/>
-                <a:cs typeface="Calibri" panose="020F0502020204030204" pitchFamily="34" charset="0"/>
-              </a:rPr>
-              <a:t>procesul</a:t>
-            </a:r>
-            <a:r>
-              <a:rPr lang="en-US" sz="1700" b="0" i="0" dirty="0">
-                <a:solidFill>
-                  <a:srgbClr val="0D0D0D"/>
-                </a:solidFill>
-                <a:effectLst/>
-                <a:highlight>
-                  <a:srgbClr val="FFFFFF"/>
-                </a:highlight>
-                <a:latin typeface="Calibri" panose="020F0502020204030204" pitchFamily="34" charset="0"/>
-                <a:cs typeface="Calibri" panose="020F0502020204030204" pitchFamily="34" charset="0"/>
-              </a:rPr>
-              <a:t> </a:t>
-            </a:r>
-            <a:r>
-              <a:rPr lang="en-US" sz="1700" b="0" i="0" dirty="0" err="1">
-                <a:solidFill>
-                  <a:srgbClr val="0D0D0D"/>
-                </a:solidFill>
-                <a:effectLst/>
-                <a:highlight>
-                  <a:srgbClr val="FFFFFF"/>
-                </a:highlight>
-                <a:latin typeface="Calibri" panose="020F0502020204030204" pitchFamily="34" charset="0"/>
-                <a:cs typeface="Calibri" panose="020F0502020204030204" pitchFamily="34" charset="0"/>
-              </a:rPr>
-              <a:t>pentru</a:t>
-            </a:r>
-            <a:r>
-              <a:rPr lang="en-US" sz="1700" b="0" i="0" dirty="0">
-                <a:solidFill>
-                  <a:srgbClr val="0D0D0D"/>
-                </a:solidFill>
-                <a:effectLst/>
-                <a:highlight>
-                  <a:srgbClr val="FFFFFF"/>
-                </a:highlight>
-                <a:latin typeface="Calibri" panose="020F0502020204030204" pitchFamily="34" charset="0"/>
-                <a:cs typeface="Calibri" panose="020F0502020204030204" pitchFamily="34" charset="0"/>
-              </a:rPr>
-              <a:t> </a:t>
-            </a:r>
-            <a:r>
-              <a:rPr lang="en-US" sz="1700" b="0" i="0" dirty="0" err="1">
-                <a:solidFill>
-                  <a:srgbClr val="0D0D0D"/>
-                </a:solidFill>
-                <a:effectLst/>
-                <a:highlight>
-                  <a:srgbClr val="FFFFFF"/>
-                </a:highlight>
-                <a:latin typeface="Calibri" panose="020F0502020204030204" pitchFamily="34" charset="0"/>
-                <a:cs typeface="Calibri" panose="020F0502020204030204" pitchFamily="34" charset="0"/>
-              </a:rPr>
-              <a:t>utilizatori</a:t>
-            </a:r>
-            <a:r>
-              <a:rPr lang="en-US" sz="1700" b="0" i="0" dirty="0">
-                <a:solidFill>
-                  <a:srgbClr val="0D0D0D"/>
-                </a:solidFill>
-                <a:effectLst/>
-                <a:highlight>
-                  <a:srgbClr val="FFFFFF"/>
-                </a:highlight>
-                <a:latin typeface="Calibri" panose="020F0502020204030204" pitchFamily="34" charset="0"/>
-                <a:cs typeface="Calibri" panose="020F0502020204030204" pitchFamily="34" charset="0"/>
-              </a:rPr>
-              <a:t>.</a:t>
-            </a:r>
-          </a:p>
-          <a:p>
-            <a:pPr>
-              <a:buFont typeface="Arial" panose="020B0604020202020204" pitchFamily="34" charset="0"/>
-              <a:buChar char="•"/>
-            </a:pPr>
             <a:endParaRPr lang="en-US" sz="1700" b="0" i="0" dirty="0">
               <a:solidFill>
                 <a:srgbClr val="0D0D0D"/>
@@ -17111,7 +11994,7 @@
 </p:sld>
 </file>
 
-<file path=ppt/slides/slide9.xml><?xml version="1.0" encoding="utf-8"?>
+<file path=ppt/slides/slide8.xml><?xml version="1.0" encoding="utf-8"?>
 <p:sld xmlns:a="http://schemas.openxmlformats.org/drawingml/2006/main" xmlns:r="http://schemas.openxmlformats.org/officeDocument/2006/relationships" xmlns:p="http://schemas.openxmlformats.org/presentationml/2006/main">
   <p:cSld>
     <p:spTree>
@@ -18220,6 +13103,880 @@
     <p:extLst>
       <p:ext uri="{BB962C8B-B14F-4D97-AF65-F5344CB8AC3E}">
         <p14:creationId xmlns:p14="http://schemas.microsoft.com/office/powerpoint/2010/main" val="3035915892"/>
+      </p:ext>
+    </p:extLst>
+  </p:cSld>
+  <p:clrMapOvr>
+    <a:masterClrMapping/>
+  </p:clrMapOvr>
+</p:sld>
+</file>
+
+<file path=ppt/slides/slide9.xml><?xml version="1.0" encoding="utf-8"?>
+<p:sld xmlns:a="http://schemas.openxmlformats.org/drawingml/2006/main" xmlns:r="http://schemas.openxmlformats.org/officeDocument/2006/relationships" xmlns:p="http://schemas.openxmlformats.org/presentationml/2006/main">
+  <p:cSld>
+    <p:spTree>
+      <p:nvGrpSpPr>
+        <p:cNvPr id="1" name=""/>
+        <p:cNvGrpSpPr/>
+        <p:nvPr/>
+      </p:nvGrpSpPr>
+      <p:grpSpPr>
+        <a:xfrm>
+          <a:off x="0" y="0"/>
+          <a:ext cx="0" cy="0"/>
+          <a:chOff x="0" y="0"/>
+          <a:chExt cx="0" cy="0"/>
+        </a:xfrm>
+      </p:grpSpPr>
+      <p:pic>
+        <p:nvPicPr>
+          <p:cNvPr id="2" name="Content Placeholder 4">
+            <a:extLst>
+              <a:ext uri="{FF2B5EF4-FFF2-40B4-BE49-F238E27FC236}">
+                <a16:creationId xmlns:a16="http://schemas.microsoft.com/office/drawing/2014/main" id="{07BD7252-E50E-754F-7448-3A8E92AEBC31}"/>
+              </a:ext>
+            </a:extLst>
+          </p:cNvPr>
+          <p:cNvPicPr>
+            <a:picLocks noChangeAspect="1"/>
+          </p:cNvPicPr>
+          <p:nvPr/>
+        </p:nvPicPr>
+        <p:blipFill>
+          <a:blip r:embed="rId2">
+            <a:extLst>
+              <a:ext uri="{28A0092B-C50C-407E-A947-70E740481C1C}">
+                <a14:useLocalDpi xmlns:a14="http://schemas.microsoft.com/office/drawing/2010/main" val="0"/>
+              </a:ext>
+            </a:extLst>
+          </a:blip>
+          <a:stretch>
+            <a:fillRect/>
+          </a:stretch>
+        </p:blipFill>
+        <p:spPr>
+          <a:xfrm>
+            <a:off x="580642" y="181028"/>
+            <a:ext cx="2416558" cy="943267"/>
+          </a:xfrm>
+          <a:prstGeom prst="rect">
+            <a:avLst/>
+          </a:prstGeom>
+        </p:spPr>
+      </p:pic>
+      <p:grpSp>
+        <p:nvGrpSpPr>
+          <p:cNvPr id="3" name="Group 2">
+            <a:extLst>
+              <a:ext uri="{FF2B5EF4-FFF2-40B4-BE49-F238E27FC236}">
+                <a16:creationId xmlns:a16="http://schemas.microsoft.com/office/drawing/2014/main" id="{8A70A64A-BEB5-8666-EEC2-075831939D7F}"/>
+              </a:ext>
+            </a:extLst>
+          </p:cNvPr>
+          <p:cNvGrpSpPr/>
+          <p:nvPr/>
+        </p:nvGrpSpPr>
+        <p:grpSpPr>
+          <a:xfrm>
+            <a:off x="11694698" y="6473245"/>
+            <a:ext cx="216000" cy="216000"/>
+            <a:chOff x="2772000" y="1932221"/>
+            <a:chExt cx="2340000" cy="2340000"/>
+          </a:xfrm>
+        </p:grpSpPr>
+        <p:sp>
+          <p:nvSpPr>
+            <p:cNvPr id="4" name="Rectangle 3">
+              <a:extLst>
+                <a:ext uri="{FF2B5EF4-FFF2-40B4-BE49-F238E27FC236}">
+                  <a16:creationId xmlns:a16="http://schemas.microsoft.com/office/drawing/2014/main" id="{0B2CEDE8-5FF2-F824-DE89-8A7A9BDDE286}"/>
+                </a:ext>
+              </a:extLst>
+            </p:cNvPr>
+            <p:cNvSpPr/>
+            <p:nvPr/>
+          </p:nvSpPr>
+          <p:spPr>
+            <a:xfrm>
+              <a:off x="2772000" y="1932221"/>
+              <a:ext cx="2340000" cy="2340000"/>
+            </a:xfrm>
+            <a:prstGeom prst="rect">
+              <a:avLst/>
+            </a:prstGeom>
+            <a:solidFill>
+              <a:schemeClr val="accent1"/>
+            </a:solidFill>
+            <a:ln>
+              <a:solidFill>
+                <a:schemeClr val="accent1"/>
+              </a:solidFill>
+            </a:ln>
+          </p:spPr>
+          <p:style>
+            <a:lnRef idx="2">
+              <a:schemeClr val="accent1">
+                <a:shade val="50000"/>
+              </a:schemeClr>
+            </a:lnRef>
+            <a:fillRef idx="1">
+              <a:schemeClr val="accent1"/>
+            </a:fillRef>
+            <a:effectRef idx="0">
+              <a:schemeClr val="accent1"/>
+            </a:effectRef>
+            <a:fontRef idx="minor">
+              <a:schemeClr val="lt1"/>
+            </a:fontRef>
+          </p:style>
+          <p:txBody>
+            <a:bodyPr rtlCol="0" anchor="ctr"/>
+            <a:lstStyle/>
+            <a:p>
+              <a:pPr algn="ctr"/>
+              <a:endParaRPr lang="en-US" dirty="0">
+                <a:ln>
+                  <a:solidFill>
+                    <a:schemeClr val="bg2">
+                      <a:lumMod val="75000"/>
+                    </a:schemeClr>
+                  </a:solidFill>
+                </a:ln>
+                <a:solidFill>
+                  <a:schemeClr val="accent1"/>
+                </a:solidFill>
+                <a:latin typeface="Calibri" panose="020F0502020204030204" pitchFamily="34" charset="0"/>
+                <a:cs typeface="Calibri" panose="020F0502020204030204" pitchFamily="34" charset="0"/>
+              </a:endParaRPr>
+            </a:p>
+          </p:txBody>
+        </p:sp>
+        <p:sp>
+          <p:nvSpPr>
+            <p:cNvPr id="5" name="Rectangle 4">
+              <a:extLst>
+                <a:ext uri="{FF2B5EF4-FFF2-40B4-BE49-F238E27FC236}">
+                  <a16:creationId xmlns:a16="http://schemas.microsoft.com/office/drawing/2014/main" id="{0913F907-0224-B96B-8B74-8965779D79DE}"/>
+                </a:ext>
+              </a:extLst>
+            </p:cNvPr>
+            <p:cNvSpPr/>
+            <p:nvPr/>
+          </p:nvSpPr>
+          <p:spPr>
+            <a:xfrm>
+              <a:off x="3546000" y="2706221"/>
+              <a:ext cx="792000" cy="792000"/>
+            </a:xfrm>
+            <a:prstGeom prst="rect">
+              <a:avLst/>
+            </a:prstGeom>
+            <a:solidFill>
+              <a:schemeClr val="bg1"/>
+            </a:solidFill>
+            <a:ln>
+              <a:solidFill>
+                <a:schemeClr val="accent1"/>
+              </a:solidFill>
+            </a:ln>
+          </p:spPr>
+          <p:style>
+            <a:lnRef idx="2">
+              <a:schemeClr val="accent1">
+                <a:shade val="50000"/>
+              </a:schemeClr>
+            </a:lnRef>
+            <a:fillRef idx="1">
+              <a:schemeClr val="accent1"/>
+            </a:fillRef>
+            <a:effectRef idx="0">
+              <a:schemeClr val="accent1"/>
+            </a:effectRef>
+            <a:fontRef idx="minor">
+              <a:schemeClr val="lt1"/>
+            </a:fontRef>
+          </p:style>
+          <p:txBody>
+            <a:bodyPr rtlCol="0" anchor="ctr"/>
+            <a:lstStyle/>
+            <a:p>
+              <a:pPr algn="ctr"/>
+              <a:endParaRPr lang="en-US" dirty="0">
+                <a:ln>
+                  <a:solidFill>
+                    <a:schemeClr val="bg2">
+                      <a:lumMod val="75000"/>
+                    </a:schemeClr>
+                  </a:solidFill>
+                </a:ln>
+                <a:solidFill>
+                  <a:schemeClr val="accent1"/>
+                </a:solidFill>
+                <a:latin typeface="Calibri" panose="020F0502020204030204" pitchFamily="34" charset="0"/>
+                <a:cs typeface="Calibri" panose="020F0502020204030204" pitchFamily="34" charset="0"/>
+              </a:endParaRPr>
+            </a:p>
+          </p:txBody>
+        </p:sp>
+      </p:grpSp>
+      <p:sp>
+        <p:nvSpPr>
+          <p:cNvPr id="6" name="TextBox 5">
+            <a:extLst>
+              <a:ext uri="{FF2B5EF4-FFF2-40B4-BE49-F238E27FC236}">
+                <a16:creationId xmlns:a16="http://schemas.microsoft.com/office/drawing/2014/main" id="{48873882-96AE-7D5B-18CB-75EC7FB5A316}"/>
+              </a:ext>
+            </a:extLst>
+          </p:cNvPr>
+          <p:cNvSpPr txBox="1"/>
+          <p:nvPr/>
+        </p:nvSpPr>
+        <p:spPr>
+          <a:xfrm>
+            <a:off x="580642" y="1652772"/>
+            <a:ext cx="11330056" cy="3851504"/>
+          </a:xfrm>
+          <a:prstGeom prst="rect">
+            <a:avLst/>
+          </a:prstGeom>
+          <a:noFill/>
+        </p:spPr>
+        <p:txBody>
+          <a:bodyPr wrap="square" rtlCol="0">
+            <a:spAutoFit/>
+          </a:bodyPr>
+          <a:lstStyle/>
+          <a:p>
+            <a:r>
+              <a:rPr lang="ro-RO" sz="3200" b="1" dirty="0">
+                <a:latin typeface="Calibri" panose="020F0502020204030204" pitchFamily="34" charset="0"/>
+                <a:cs typeface="Calibri" panose="020F0502020204030204" pitchFamily="34" charset="0"/>
+              </a:rPr>
+              <a:t>Concluzii generale:</a:t>
+            </a:r>
+          </a:p>
+          <a:p>
+            <a:pPr>
+              <a:lnSpc>
+                <a:spcPct val="150000"/>
+              </a:lnSpc>
+            </a:pPr>
+            <a:endParaRPr lang="ro-RO" sz="2400" dirty="0">
+              <a:latin typeface="Calibri" panose="020F0502020204030204" pitchFamily="34" charset="0"/>
+              <a:cs typeface="Calibri" panose="020F0502020204030204" pitchFamily="34" charset="0"/>
+            </a:endParaRPr>
+          </a:p>
+          <a:p>
+            <a:pPr marL="342900" indent="-342900">
+              <a:lnSpc>
+                <a:spcPct val="150000"/>
+              </a:lnSpc>
+              <a:buClr>
+                <a:schemeClr val="accent1"/>
+              </a:buClr>
+              <a:buFont typeface="UT Sans" panose="00000500000000000000" pitchFamily="2" charset="0"/>
+              <a:buChar char="•"/>
+            </a:pPr>
+            <a:r>
+              <a:rPr lang="en-US" sz="2400" dirty="0">
+                <a:latin typeface="Calibri" panose="020F0502020204030204" pitchFamily="34" charset="0"/>
+                <a:cs typeface="Calibri" panose="020F0502020204030204" pitchFamily="34" charset="0"/>
+              </a:rPr>
+              <a:t>Este </a:t>
+            </a:r>
+            <a:r>
+              <a:rPr lang="en-US" sz="2400" dirty="0" err="1">
+                <a:latin typeface="Calibri" panose="020F0502020204030204" pitchFamily="34" charset="0"/>
+                <a:cs typeface="Calibri" panose="020F0502020204030204" pitchFamily="34" charset="0"/>
+              </a:rPr>
+              <a:t>detectată</a:t>
+            </a:r>
+            <a:r>
+              <a:rPr lang="en-US" sz="2400" dirty="0">
+                <a:latin typeface="Calibri" panose="020F0502020204030204" pitchFamily="34" charset="0"/>
+                <a:cs typeface="Calibri" panose="020F0502020204030204" pitchFamily="34" charset="0"/>
+              </a:rPr>
+              <a:t> </a:t>
+            </a:r>
+            <a:r>
+              <a:rPr lang="en-US" sz="2400" dirty="0" err="1">
+                <a:latin typeface="Calibri" panose="020F0502020204030204" pitchFamily="34" charset="0"/>
+                <a:cs typeface="Calibri" panose="020F0502020204030204" pitchFamily="34" charset="0"/>
+              </a:rPr>
+              <a:t>plăcuța</a:t>
+            </a:r>
+            <a:r>
+              <a:rPr lang="en-US" sz="2400" dirty="0">
+                <a:latin typeface="Calibri" panose="020F0502020204030204" pitchFamily="34" charset="0"/>
+                <a:cs typeface="Calibri" panose="020F0502020204030204" pitchFamily="34" charset="0"/>
+              </a:rPr>
+              <a:t> de </a:t>
+            </a:r>
+            <a:r>
+              <a:rPr lang="en-US" sz="2400" dirty="0" err="1">
+                <a:latin typeface="Calibri" panose="020F0502020204030204" pitchFamily="34" charset="0"/>
+                <a:cs typeface="Calibri" panose="020F0502020204030204" pitchFamily="34" charset="0"/>
+              </a:rPr>
+              <a:t>înmatriculare</a:t>
+            </a:r>
+            <a:r>
+              <a:rPr lang="en-US" sz="2400" dirty="0">
+                <a:latin typeface="Calibri" panose="020F0502020204030204" pitchFamily="34" charset="0"/>
+                <a:cs typeface="Calibri" panose="020F0502020204030204" pitchFamily="34" charset="0"/>
+              </a:rPr>
+              <a:t> </a:t>
+            </a:r>
+            <a:r>
+              <a:rPr lang="en-US" sz="2400" dirty="0" err="1">
+                <a:latin typeface="Calibri" panose="020F0502020204030204" pitchFamily="34" charset="0"/>
+                <a:cs typeface="Calibri" panose="020F0502020204030204" pitchFamily="34" charset="0"/>
+              </a:rPr>
+              <a:t>și</a:t>
+            </a:r>
+            <a:r>
+              <a:rPr lang="en-US" sz="2400" dirty="0">
+                <a:latin typeface="Calibri" panose="020F0502020204030204" pitchFamily="34" charset="0"/>
+                <a:cs typeface="Calibri" panose="020F0502020204030204" pitchFamily="34" charset="0"/>
+              </a:rPr>
+              <a:t> </a:t>
+            </a:r>
+            <a:r>
+              <a:rPr lang="en-US" sz="2400" dirty="0" err="1">
+                <a:latin typeface="Calibri" panose="020F0502020204030204" pitchFamily="34" charset="0"/>
+                <a:cs typeface="Calibri" panose="020F0502020204030204" pitchFamily="34" charset="0"/>
+              </a:rPr>
+              <a:t>textul</a:t>
+            </a:r>
+            <a:r>
+              <a:rPr lang="en-US" sz="2400" dirty="0">
+                <a:latin typeface="Calibri" panose="020F0502020204030204" pitchFamily="34" charset="0"/>
+                <a:cs typeface="Calibri" panose="020F0502020204030204" pitchFamily="34" charset="0"/>
+              </a:rPr>
+              <a:t> din </a:t>
+            </a:r>
+            <a:r>
+              <a:rPr lang="en-US" sz="2400" dirty="0" err="1">
+                <a:latin typeface="Calibri" panose="020F0502020204030204" pitchFamily="34" charset="0"/>
+                <a:cs typeface="Calibri" panose="020F0502020204030204" pitchFamily="34" charset="0"/>
+              </a:rPr>
+              <a:t>interiorul</a:t>
+            </a:r>
+            <a:r>
+              <a:rPr lang="en-US" sz="2400" dirty="0">
+                <a:latin typeface="Calibri" panose="020F0502020204030204" pitchFamily="34" charset="0"/>
+                <a:cs typeface="Calibri" panose="020F0502020204030204" pitchFamily="34" charset="0"/>
+              </a:rPr>
+              <a:t> </a:t>
+            </a:r>
+            <a:r>
+              <a:rPr lang="en-US" sz="2400" dirty="0" err="1">
+                <a:latin typeface="Calibri" panose="020F0502020204030204" pitchFamily="34" charset="0"/>
+                <a:cs typeface="Calibri" panose="020F0502020204030204" pitchFamily="34" charset="0"/>
+              </a:rPr>
+              <a:t>acesteia</a:t>
+            </a:r>
+            <a:endParaRPr lang="ro-RO" sz="2400" dirty="0">
+              <a:latin typeface="Calibri" panose="020F0502020204030204" pitchFamily="34" charset="0"/>
+              <a:cs typeface="Calibri" panose="020F0502020204030204" pitchFamily="34" charset="0"/>
+            </a:endParaRPr>
+          </a:p>
+          <a:p>
+            <a:pPr marL="342900" indent="-342900">
+              <a:lnSpc>
+                <a:spcPct val="150000"/>
+              </a:lnSpc>
+              <a:buClr>
+                <a:schemeClr val="accent1"/>
+              </a:buClr>
+              <a:buFont typeface="UT Sans" panose="00000500000000000000" pitchFamily="2" charset="0"/>
+              <a:buChar char="•"/>
+            </a:pPr>
+            <a:r>
+              <a:rPr lang="en-US" sz="2400" dirty="0" err="1">
+                <a:latin typeface="Calibri" panose="020F0502020204030204" pitchFamily="34" charset="0"/>
+                <a:cs typeface="Calibri" panose="020F0502020204030204" pitchFamily="34" charset="0"/>
+              </a:rPr>
+              <a:t>Accesul</a:t>
+            </a:r>
+            <a:r>
+              <a:rPr lang="en-US" sz="2400" dirty="0">
+                <a:latin typeface="Calibri" panose="020F0502020204030204" pitchFamily="34" charset="0"/>
+                <a:cs typeface="Calibri" panose="020F0502020204030204" pitchFamily="34" charset="0"/>
+              </a:rPr>
+              <a:t> auto </a:t>
+            </a:r>
+            <a:r>
+              <a:rPr lang="en-US" sz="2400" dirty="0" err="1">
+                <a:latin typeface="Calibri" panose="020F0502020204030204" pitchFamily="34" charset="0"/>
+                <a:cs typeface="Calibri" panose="020F0502020204030204" pitchFamily="34" charset="0"/>
+              </a:rPr>
+              <a:t>este</a:t>
+            </a:r>
+            <a:r>
+              <a:rPr lang="en-US" sz="2400" dirty="0">
+                <a:latin typeface="Calibri" panose="020F0502020204030204" pitchFamily="34" charset="0"/>
+                <a:cs typeface="Calibri" panose="020F0502020204030204" pitchFamily="34" charset="0"/>
+              </a:rPr>
+              <a:t> </a:t>
+            </a:r>
+            <a:r>
+              <a:rPr lang="en-US" sz="2400" dirty="0" err="1">
+                <a:latin typeface="Calibri" panose="020F0502020204030204" pitchFamily="34" charset="0"/>
+                <a:cs typeface="Calibri" panose="020F0502020204030204" pitchFamily="34" charset="0"/>
+              </a:rPr>
+              <a:t>gestionat</a:t>
+            </a:r>
+            <a:r>
+              <a:rPr lang="en-US" sz="2400" dirty="0">
+                <a:latin typeface="Calibri" panose="020F0502020204030204" pitchFamily="34" charset="0"/>
+                <a:cs typeface="Calibri" panose="020F0502020204030204" pitchFamily="34" charset="0"/>
+              </a:rPr>
+              <a:t> </a:t>
+            </a:r>
+            <a:r>
+              <a:rPr lang="en-US" sz="2400" dirty="0" err="1">
+                <a:latin typeface="Calibri" panose="020F0502020204030204" pitchFamily="34" charset="0"/>
+                <a:cs typeface="Calibri" panose="020F0502020204030204" pitchFamily="34" charset="0"/>
+              </a:rPr>
+              <a:t>eficient</a:t>
+            </a:r>
+            <a:endParaRPr lang="en-US" sz="2400" dirty="0">
+              <a:latin typeface="Calibri" panose="020F0502020204030204" pitchFamily="34" charset="0"/>
+              <a:cs typeface="Calibri" panose="020F0502020204030204" pitchFamily="34" charset="0"/>
+            </a:endParaRPr>
+          </a:p>
+          <a:p>
+            <a:pPr marL="342900" indent="-342900">
+              <a:lnSpc>
+                <a:spcPct val="150000"/>
+              </a:lnSpc>
+              <a:buClr>
+                <a:schemeClr val="accent1"/>
+              </a:buClr>
+              <a:buFont typeface="UT Sans" panose="00000500000000000000" pitchFamily="2" charset="0"/>
+              <a:buChar char="•"/>
+            </a:pPr>
+            <a:r>
+              <a:rPr lang="en-US" sz="2400" dirty="0" err="1">
+                <a:latin typeface="Calibri" panose="020F0502020204030204" pitchFamily="34" charset="0"/>
+                <a:cs typeface="Calibri" panose="020F0502020204030204" pitchFamily="34" charset="0"/>
+              </a:rPr>
+              <a:t>Platforma</a:t>
+            </a:r>
+            <a:r>
+              <a:rPr lang="en-US" sz="2400" dirty="0">
+                <a:latin typeface="Calibri" panose="020F0502020204030204" pitchFamily="34" charset="0"/>
+                <a:cs typeface="Calibri" panose="020F0502020204030204" pitchFamily="34" charset="0"/>
+              </a:rPr>
+              <a:t> web </a:t>
+            </a:r>
+            <a:r>
+              <a:rPr lang="en-US" sz="2400" dirty="0" err="1">
+                <a:latin typeface="Calibri" panose="020F0502020204030204" pitchFamily="34" charset="0"/>
+                <a:cs typeface="Calibri" panose="020F0502020204030204" pitchFamily="34" charset="0"/>
+              </a:rPr>
+              <a:t>cuprinde</a:t>
+            </a:r>
+            <a:r>
+              <a:rPr lang="en-US" sz="2400" dirty="0">
+                <a:latin typeface="Calibri" panose="020F0502020204030204" pitchFamily="34" charset="0"/>
+                <a:cs typeface="Calibri" panose="020F0502020204030204" pitchFamily="34" charset="0"/>
+              </a:rPr>
+              <a:t> </a:t>
+            </a:r>
+            <a:r>
+              <a:rPr lang="en-US" sz="2400" dirty="0" err="1">
+                <a:latin typeface="Calibri" panose="020F0502020204030204" pitchFamily="34" charset="0"/>
+                <a:cs typeface="Calibri" panose="020F0502020204030204" pitchFamily="34" charset="0"/>
+              </a:rPr>
+              <a:t>nevoile</a:t>
+            </a:r>
+            <a:r>
+              <a:rPr lang="en-US" sz="2400" dirty="0">
+                <a:latin typeface="Calibri" panose="020F0502020204030204" pitchFamily="34" charset="0"/>
+                <a:cs typeface="Calibri" panose="020F0502020204030204" pitchFamily="34" charset="0"/>
+              </a:rPr>
+              <a:t> </a:t>
+            </a:r>
+            <a:r>
+              <a:rPr lang="en-US" sz="2400" b="0" i="0" dirty="0" err="1">
+                <a:effectLst/>
+                <a:highlight>
+                  <a:srgbClr val="FFFFFF"/>
+                </a:highlight>
+                <a:latin typeface="Calibri" panose="020F0502020204030204" pitchFamily="34" charset="0"/>
+                <a:cs typeface="Calibri" panose="020F0502020204030204" pitchFamily="34" charset="0"/>
+              </a:rPr>
+              <a:t>șoferilor</a:t>
+            </a:r>
+            <a:r>
+              <a:rPr lang="en-US" sz="2400" b="0" i="0" dirty="0">
+                <a:effectLst/>
+                <a:highlight>
+                  <a:srgbClr val="FFFFFF"/>
+                </a:highlight>
+                <a:latin typeface="Calibri" panose="020F0502020204030204" pitchFamily="34" charset="0"/>
+                <a:cs typeface="Calibri" panose="020F0502020204030204" pitchFamily="34" charset="0"/>
+              </a:rPr>
+              <a:t> de </a:t>
+            </a:r>
+            <a:r>
+              <a:rPr lang="en-US" sz="2400" b="0" i="0" dirty="0" err="1">
+                <a:effectLst/>
+                <a:highlight>
+                  <a:srgbClr val="FFFFFF"/>
+                </a:highlight>
+                <a:latin typeface="Calibri" panose="020F0502020204030204" pitchFamily="34" charset="0"/>
+                <a:cs typeface="Calibri" panose="020F0502020204030204" pitchFamily="34" charset="0"/>
+              </a:rPr>
+              <a:t>autovehicule</a:t>
+            </a:r>
+            <a:r>
+              <a:rPr lang="en-US" sz="2400" b="0" i="0" dirty="0">
+                <a:effectLst/>
+                <a:highlight>
+                  <a:srgbClr val="FFFFFF"/>
+                </a:highlight>
+                <a:latin typeface="Calibri" panose="020F0502020204030204" pitchFamily="34" charset="0"/>
+                <a:cs typeface="Calibri" panose="020F0502020204030204" pitchFamily="34" charset="0"/>
+              </a:rPr>
+              <a:t> </a:t>
+            </a:r>
+            <a:r>
+              <a:rPr lang="en-US" sz="2400" b="0" i="0" dirty="0" err="1">
+                <a:effectLst/>
+                <a:highlight>
+                  <a:srgbClr val="FFFFFF"/>
+                </a:highlight>
+                <a:latin typeface="Calibri" panose="020F0502020204030204" pitchFamily="34" charset="0"/>
+                <a:cs typeface="Calibri" panose="020F0502020204030204" pitchFamily="34" charset="0"/>
+              </a:rPr>
+              <a:t>atunci</a:t>
+            </a:r>
+            <a:r>
+              <a:rPr lang="en-US" sz="2400" b="0" i="0" dirty="0">
+                <a:effectLst/>
+                <a:highlight>
+                  <a:srgbClr val="FFFFFF"/>
+                </a:highlight>
+                <a:latin typeface="Calibri" panose="020F0502020204030204" pitchFamily="34" charset="0"/>
+                <a:cs typeface="Calibri" panose="020F0502020204030204" pitchFamily="34" charset="0"/>
+              </a:rPr>
+              <a:t> </a:t>
+            </a:r>
+            <a:r>
+              <a:rPr lang="en-US" sz="2400" b="0" i="0" dirty="0" err="1">
+                <a:effectLst/>
+                <a:highlight>
+                  <a:srgbClr val="FFFFFF"/>
+                </a:highlight>
+                <a:latin typeface="Calibri" panose="020F0502020204030204" pitchFamily="34" charset="0"/>
+                <a:cs typeface="Calibri" panose="020F0502020204030204" pitchFamily="34" charset="0"/>
+              </a:rPr>
+              <a:t>c</a:t>
+            </a:r>
+            <a:r>
+              <a:rPr lang="en-US" sz="2400" b="0" i="0" dirty="0" err="1">
+                <a:effectLst/>
+                <a:highlight>
+                  <a:srgbClr val="FFFFFF"/>
+                </a:highlight>
+                <a:latin typeface="Times New Roman" panose="02020603050405020304" pitchFamily="18" charset="0"/>
+              </a:rPr>
+              <a:t>ând</a:t>
+            </a:r>
+            <a:r>
+              <a:rPr lang="en-US" sz="2400" b="0" i="0" dirty="0">
+                <a:effectLst/>
+                <a:highlight>
+                  <a:srgbClr val="FFFFFF"/>
+                </a:highlight>
+                <a:latin typeface="Times New Roman" panose="02020603050405020304" pitchFamily="18" charset="0"/>
+              </a:rPr>
+              <a:t> </a:t>
+            </a:r>
+            <a:r>
+              <a:rPr lang="en-US" sz="2400" b="0" i="0" dirty="0" err="1">
+                <a:effectLst/>
+                <a:highlight>
+                  <a:srgbClr val="FFFFFF"/>
+                </a:highlight>
+                <a:latin typeface="Times New Roman" panose="02020603050405020304" pitchFamily="18" charset="0"/>
+              </a:rPr>
+              <a:t>sta</a:t>
+            </a:r>
+            <a:r>
+              <a:rPr lang="en-US" sz="2400" dirty="0" err="1">
+                <a:latin typeface="Calibri" panose="020F0502020204030204" pitchFamily="34" charset="0"/>
+                <a:cs typeface="Calibri" panose="020F0502020204030204" pitchFamily="34" charset="0"/>
+              </a:rPr>
+              <a:t>ționează</a:t>
+            </a:r>
+            <a:r>
+              <a:rPr lang="en-US" sz="2400" dirty="0">
+                <a:latin typeface="Calibri" panose="020F0502020204030204" pitchFamily="34" charset="0"/>
+                <a:cs typeface="Calibri" panose="020F0502020204030204" pitchFamily="34" charset="0"/>
+              </a:rPr>
+              <a:t> </a:t>
+            </a:r>
+            <a:r>
+              <a:rPr lang="en-US" sz="2400" dirty="0" err="1">
+                <a:latin typeface="Calibri" panose="020F0502020204030204" pitchFamily="34" charset="0"/>
+                <a:cs typeface="Calibri" panose="020F0502020204030204" pitchFamily="34" charset="0"/>
+              </a:rPr>
+              <a:t>într</a:t>
+            </a:r>
+            <a:r>
+              <a:rPr lang="en-US" sz="2400" dirty="0">
+                <a:latin typeface="Calibri" panose="020F0502020204030204" pitchFamily="34" charset="0"/>
+                <a:cs typeface="Calibri" panose="020F0502020204030204" pitchFamily="34" charset="0"/>
+              </a:rPr>
+              <a:t>-o </a:t>
+            </a:r>
+            <a:r>
+              <a:rPr lang="en-US" sz="2400" dirty="0" err="1">
+                <a:latin typeface="Calibri" panose="020F0502020204030204" pitchFamily="34" charset="0"/>
+                <a:cs typeface="Calibri" panose="020F0502020204030204" pitchFamily="34" charset="0"/>
+              </a:rPr>
+              <a:t>parcare</a:t>
+            </a:r>
+            <a:r>
+              <a:rPr lang="en-US" sz="2400" dirty="0">
+                <a:latin typeface="Calibri" panose="020F0502020204030204" pitchFamily="34" charset="0"/>
+                <a:cs typeface="Calibri" panose="020F0502020204030204" pitchFamily="34" charset="0"/>
+              </a:rPr>
+              <a:t>, precum </a:t>
+            </a:r>
+            <a:r>
+              <a:rPr lang="en-US" sz="2400" dirty="0" err="1">
+                <a:latin typeface="Calibri" panose="020F0502020204030204" pitchFamily="34" charset="0"/>
+                <a:cs typeface="Calibri" panose="020F0502020204030204" pitchFamily="34" charset="0"/>
+              </a:rPr>
+              <a:t>vizualizarea</a:t>
+            </a:r>
+            <a:r>
+              <a:rPr lang="en-US" sz="2400" dirty="0">
+                <a:latin typeface="Calibri" panose="020F0502020204030204" pitchFamily="34" charset="0"/>
+                <a:cs typeface="Calibri" panose="020F0502020204030204" pitchFamily="34" charset="0"/>
+              </a:rPr>
+              <a:t> </a:t>
+            </a:r>
+            <a:r>
+              <a:rPr lang="en-US" sz="2400" dirty="0" err="1">
+                <a:latin typeface="Calibri" panose="020F0502020204030204" pitchFamily="34" charset="0"/>
+                <a:cs typeface="Calibri" panose="020F0502020204030204" pitchFamily="34" charset="0"/>
+              </a:rPr>
+              <a:t>timpului</a:t>
+            </a:r>
+            <a:r>
+              <a:rPr lang="en-US" sz="2400" dirty="0">
+                <a:latin typeface="Calibri" panose="020F0502020204030204" pitchFamily="34" charset="0"/>
+                <a:cs typeface="Calibri" panose="020F0502020204030204" pitchFamily="34" charset="0"/>
+              </a:rPr>
+              <a:t> </a:t>
+            </a:r>
+            <a:r>
+              <a:rPr lang="en-US" sz="2400" dirty="0" err="1">
+                <a:latin typeface="Calibri" panose="020F0502020204030204" pitchFamily="34" charset="0"/>
+                <a:cs typeface="Calibri" panose="020F0502020204030204" pitchFamily="34" charset="0"/>
+              </a:rPr>
+              <a:t>petrecut</a:t>
+            </a:r>
+            <a:r>
+              <a:rPr lang="en-US" sz="2400" dirty="0">
+                <a:latin typeface="Calibri" panose="020F0502020204030204" pitchFamily="34" charset="0"/>
+                <a:cs typeface="Calibri" panose="020F0502020204030204" pitchFamily="34" charset="0"/>
+              </a:rPr>
+              <a:t>, </a:t>
+            </a:r>
+            <a:r>
+              <a:rPr lang="en-US" sz="2400" dirty="0" err="1">
+                <a:latin typeface="Calibri" panose="020F0502020204030204" pitchFamily="34" charset="0"/>
+                <a:cs typeface="Calibri" panose="020F0502020204030204" pitchFamily="34" charset="0"/>
+              </a:rPr>
+              <a:t>locurile</a:t>
+            </a:r>
+            <a:r>
+              <a:rPr lang="en-US" sz="2400" dirty="0">
+                <a:latin typeface="Calibri" panose="020F0502020204030204" pitchFamily="34" charset="0"/>
+                <a:cs typeface="Calibri" panose="020F0502020204030204" pitchFamily="34" charset="0"/>
+              </a:rPr>
+              <a:t> pe care </a:t>
+            </a:r>
+            <a:r>
+              <a:rPr lang="en-US" sz="2400" dirty="0" err="1">
+                <a:latin typeface="Calibri" panose="020F0502020204030204" pitchFamily="34" charset="0"/>
+                <a:cs typeface="Calibri" panose="020F0502020204030204" pitchFamily="34" charset="0"/>
+              </a:rPr>
+              <a:t>ace</a:t>
+            </a:r>
+            <a:r>
+              <a:rPr lang="en-US" sz="2400" b="0" i="0" dirty="0" err="1">
+                <a:effectLst/>
+                <a:highlight>
+                  <a:srgbClr val="FFFFFF"/>
+                </a:highlight>
+                <a:latin typeface="Calibri" panose="020F0502020204030204" pitchFamily="34" charset="0"/>
+                <a:cs typeface="Calibri" panose="020F0502020204030204" pitchFamily="34" charset="0"/>
+              </a:rPr>
+              <a:t>știa</a:t>
+            </a:r>
+            <a:r>
+              <a:rPr lang="en-US" sz="2400" b="0" i="0" dirty="0">
+                <a:effectLst/>
+                <a:highlight>
+                  <a:srgbClr val="FFFFFF"/>
+                </a:highlight>
+                <a:latin typeface="Calibri" panose="020F0502020204030204" pitchFamily="34" charset="0"/>
+                <a:cs typeface="Calibri" panose="020F0502020204030204" pitchFamily="34" charset="0"/>
+              </a:rPr>
+              <a:t> au </a:t>
+            </a:r>
+            <a:r>
+              <a:rPr lang="en-US" sz="2400" b="0" i="0" dirty="0" err="1">
+                <a:effectLst/>
+                <a:highlight>
+                  <a:srgbClr val="FFFFFF"/>
+                </a:highlight>
+                <a:latin typeface="Calibri" panose="020F0502020204030204" pitchFamily="34" charset="0"/>
+                <a:cs typeface="Calibri" panose="020F0502020204030204" pitchFamily="34" charset="0"/>
+              </a:rPr>
+              <a:t>parcat</a:t>
+            </a:r>
+            <a:r>
+              <a:rPr lang="en-US" sz="2400" dirty="0">
+                <a:highlight>
+                  <a:srgbClr val="FFFFFF"/>
+                </a:highlight>
+                <a:latin typeface="Calibri" panose="020F0502020204030204" pitchFamily="34" charset="0"/>
+                <a:cs typeface="Calibri" panose="020F0502020204030204" pitchFamily="34" charset="0"/>
+              </a:rPr>
+              <a:t> </a:t>
+            </a:r>
+            <a:r>
+              <a:rPr lang="en-US" sz="2400" b="0" i="0" dirty="0" err="1">
+                <a:effectLst/>
+                <a:highlight>
+                  <a:srgbClr val="FFFFFF"/>
+                </a:highlight>
+                <a:latin typeface="Calibri" panose="020F0502020204030204" pitchFamily="34" charset="0"/>
+                <a:cs typeface="Calibri" panose="020F0502020204030204" pitchFamily="34" charset="0"/>
+              </a:rPr>
+              <a:t>ș</a:t>
+            </a:r>
+            <a:r>
+              <a:rPr lang="en-US" sz="2400" dirty="0" err="1">
+                <a:highlight>
+                  <a:srgbClr val="FFFFFF"/>
+                </a:highlight>
+                <a:latin typeface="Calibri" panose="020F0502020204030204" pitchFamily="34" charset="0"/>
+                <a:cs typeface="Calibri" panose="020F0502020204030204" pitchFamily="34" charset="0"/>
+              </a:rPr>
+              <a:t>i</a:t>
+            </a:r>
+            <a:r>
+              <a:rPr lang="en-US" sz="2400" dirty="0">
+                <a:highlight>
+                  <a:srgbClr val="FFFFFF"/>
+                </a:highlight>
+                <a:latin typeface="Calibri" panose="020F0502020204030204" pitchFamily="34" charset="0"/>
+                <a:cs typeface="Calibri" panose="020F0502020204030204" pitchFamily="34" charset="0"/>
+              </a:rPr>
+              <a:t> </a:t>
+            </a:r>
+            <a:r>
+              <a:rPr lang="en-US" sz="2400" dirty="0" err="1">
+                <a:highlight>
+                  <a:srgbClr val="FFFFFF"/>
+                </a:highlight>
+                <a:latin typeface="Calibri" panose="020F0502020204030204" pitchFamily="34" charset="0"/>
+                <a:cs typeface="Calibri" panose="020F0502020204030204" pitchFamily="34" charset="0"/>
+              </a:rPr>
+              <a:t>a</a:t>
+            </a:r>
+            <a:r>
+              <a:rPr lang="en-US" sz="2400" b="0" i="0" dirty="0" err="1">
+                <a:effectLst/>
+                <a:highlight>
+                  <a:srgbClr val="FFFFFF"/>
+                </a:highlight>
+                <a:latin typeface="Calibri" panose="020F0502020204030204" pitchFamily="34" charset="0"/>
+                <a:cs typeface="Calibri" panose="020F0502020204030204" pitchFamily="34" charset="0"/>
+              </a:rPr>
+              <a:t>ș</a:t>
+            </a:r>
+            <a:r>
+              <a:rPr lang="en-US" sz="2400" dirty="0" err="1">
+                <a:highlight>
+                  <a:srgbClr val="FFFFFF"/>
+                </a:highlight>
+                <a:latin typeface="Calibri" panose="020F0502020204030204" pitchFamily="34" charset="0"/>
+                <a:cs typeface="Calibri" panose="020F0502020204030204" pitchFamily="34" charset="0"/>
+              </a:rPr>
+              <a:t>a</a:t>
+            </a:r>
+            <a:r>
+              <a:rPr lang="en-US" sz="2400" dirty="0">
+                <a:highlight>
+                  <a:srgbClr val="FFFFFF"/>
+                </a:highlight>
+                <a:latin typeface="Calibri" panose="020F0502020204030204" pitchFamily="34" charset="0"/>
+                <a:cs typeface="Calibri" panose="020F0502020204030204" pitchFamily="34" charset="0"/>
+              </a:rPr>
+              <a:t> </a:t>
+            </a:r>
+            <a:r>
+              <a:rPr lang="en-US" sz="2400" dirty="0" err="1">
+                <a:highlight>
+                  <a:srgbClr val="FFFFFF"/>
+                </a:highlight>
+                <a:latin typeface="Calibri" panose="020F0502020204030204" pitchFamily="34" charset="0"/>
+                <a:cs typeface="Calibri" panose="020F0502020204030204" pitchFamily="34" charset="0"/>
+              </a:rPr>
+              <a:t>mai</a:t>
+            </a:r>
+            <a:r>
+              <a:rPr lang="en-US" sz="2400" dirty="0">
+                <a:highlight>
+                  <a:srgbClr val="FFFFFF"/>
+                </a:highlight>
+                <a:latin typeface="Calibri" panose="020F0502020204030204" pitchFamily="34" charset="0"/>
+                <a:cs typeface="Calibri" panose="020F0502020204030204" pitchFamily="34" charset="0"/>
+              </a:rPr>
+              <a:t> </a:t>
+            </a:r>
+            <a:r>
+              <a:rPr lang="en-US" sz="2400" dirty="0" err="1">
+                <a:highlight>
+                  <a:srgbClr val="FFFFFF"/>
+                </a:highlight>
+                <a:latin typeface="Calibri" panose="020F0502020204030204" pitchFamily="34" charset="0"/>
+                <a:cs typeface="Calibri" panose="020F0502020204030204" pitchFamily="34" charset="0"/>
+              </a:rPr>
+              <a:t>departe</a:t>
+            </a:r>
+            <a:r>
+              <a:rPr lang="en-US" sz="2400" dirty="0">
+                <a:highlight>
+                  <a:srgbClr val="FFFFFF"/>
+                </a:highlight>
+                <a:latin typeface="Calibri" panose="020F0502020204030204" pitchFamily="34" charset="0"/>
+                <a:cs typeface="Calibri" panose="020F0502020204030204" pitchFamily="34" charset="0"/>
+              </a:rPr>
+              <a:t>.</a:t>
+            </a:r>
+            <a:endParaRPr lang="en-US" sz="2400" dirty="0">
+              <a:latin typeface="Calibri" panose="020F0502020204030204" pitchFamily="34" charset="0"/>
+              <a:cs typeface="Calibri" panose="020F0502020204030204" pitchFamily="34" charset="0"/>
+            </a:endParaRPr>
+          </a:p>
+        </p:txBody>
+      </p:sp>
+    </p:spTree>
+    <p:extLst>
+      <p:ext uri="{BB962C8B-B14F-4D97-AF65-F5344CB8AC3E}">
+        <p14:creationId xmlns:p14="http://schemas.microsoft.com/office/powerpoint/2010/main" val="2647019378"/>
       </p:ext>
     </p:extLst>
   </p:cSld>
